--- a/presentazione/Intelligenza Artificiale.pptx
+++ b/presentazione/Intelligenza Artificiale.pptx
@@ -118,6 +118,11 @@
       </a:defRPr>
     </a:lvl9pPr>
   </p:defaultTextStyle>
+  <p:extLst>
+    <p:ext uri="{EFAFB233-063F-42B5-8137-9DF3F51BA10A}">
+      <p15:sldGuideLst xmlns:p15="http://schemas.microsoft.com/office/powerpoint/2012/main"/>
+    </p:ext>
+  </p:extLst>
 </p:presentation>
 </file>
 
@@ -203,7 +208,7 @@
           <a:p>
             <a:fld id="{0DF739AF-3A66-4063-B26A-EB6607F8306A}" type="datetimeFigureOut">
               <a:rPr lang="en-US" smtClean="0"/>
-              <a:t>9/16/2014</a:t>
+              <a:t>9/17/2014</a:t>
             </a:fld>
             <a:endParaRPr lang="en-US"/>
           </a:p>
@@ -1057,7 +1062,7 @@
           <a:p>
             <a:fld id="{FBE60798-7AA9-4637-B4B3-C82E6612857A}" type="datetime1">
               <a:rPr lang="en-US" smtClean="0"/>
-              <a:t>9/16/2014</a:t>
+              <a:t>9/17/2014</a:t>
             </a:fld>
             <a:endParaRPr lang="en-US"/>
           </a:p>
@@ -1353,7 +1358,7 @@
           <a:p>
             <a:fld id="{724E152F-EBD0-477F-BB60-F897B9BE8882}" type="datetime1">
               <a:rPr lang="en-US" smtClean="0"/>
-              <a:t>9/16/2014</a:t>
+              <a:t>9/17/2014</a:t>
             </a:fld>
             <a:endParaRPr lang="en-US"/>
           </a:p>
@@ -1601,7 +1606,7 @@
           <a:p>
             <a:fld id="{11E57CAA-200D-4C0C-90DC-6607785A29AF}" type="datetime1">
               <a:rPr lang="en-US" smtClean="0"/>
-              <a:t>9/16/2014</a:t>
+              <a:t>9/17/2014</a:t>
             </a:fld>
             <a:endParaRPr lang="en-US"/>
           </a:p>
@@ -2141,7 +2146,7 @@
           <a:p>
             <a:fld id="{5B26F14A-8427-4541-864E-CF825D54B0FA}" type="datetime1">
               <a:rPr lang="en-US" smtClean="0"/>
-              <a:t>9/16/2014</a:t>
+              <a:t>9/17/2014</a:t>
             </a:fld>
             <a:endParaRPr lang="en-US"/>
           </a:p>
@@ -2389,7 +2394,7 @@
           <a:p>
             <a:fld id="{8EDDE34A-8711-468D-9A95-34514C842A6F}" type="datetime1">
               <a:rPr lang="en-US" smtClean="0"/>
-              <a:t>9/16/2014</a:t>
+              <a:t>9/17/2014</a:t>
             </a:fld>
             <a:endParaRPr lang="en-US"/>
           </a:p>
@@ -2921,7 +2926,7 @@
           <a:p>
             <a:fld id="{80C94270-8188-4059-B120-018A1FD1EB5C}" type="datetime1">
               <a:rPr lang="en-US" smtClean="0"/>
-              <a:t>9/16/2014</a:t>
+              <a:t>9/17/2014</a:t>
             </a:fld>
             <a:endParaRPr lang="en-US"/>
           </a:p>
@@ -3218,7 +3223,7 @@
           <a:p>
             <a:fld id="{57A1561F-2B60-4AF1-A6AB-4362458C2985}" type="datetime1">
               <a:rPr lang="en-US" smtClean="0"/>
-              <a:t>9/16/2014</a:t>
+              <a:t>9/17/2014</a:t>
             </a:fld>
             <a:endParaRPr lang="en-US"/>
           </a:p>
@@ -3392,7 +3397,7 @@
           <a:p>
             <a:fld id="{7BBBCCA2-1C9A-425D-AA7A-06FE955C4EA9}" type="datetime1">
               <a:rPr lang="en-US" smtClean="0"/>
-              <a:t>9/16/2014</a:t>
+              <a:t>9/17/2014</a:t>
             </a:fld>
             <a:endParaRPr lang="en-US"/>
           </a:p>
@@ -3572,7 +3577,7 @@
           <a:p>
             <a:fld id="{A28A0A26-131D-4149-AC95-6DD310BD0BF8}" type="datetime1">
               <a:rPr lang="en-US" smtClean="0"/>
-              <a:t>9/16/2014</a:t>
+              <a:t>9/17/2014</a:t>
             </a:fld>
             <a:endParaRPr lang="en-US"/>
           </a:p>
@@ -3742,7 +3747,7 @@
           <a:p>
             <a:fld id="{BB8789D1-4921-44D4-AE43-5ECB1FA65A58}" type="datetime1">
               <a:rPr lang="en-US" smtClean="0"/>
-              <a:t>9/16/2014</a:t>
+              <a:t>9/17/2014</a:t>
             </a:fld>
             <a:endParaRPr lang="en-US"/>
           </a:p>
@@ -3993,7 +3998,7 @@
           <a:p>
             <a:fld id="{67DCBFC7-C3CA-4F58-BC14-F2BF8B6A880A}" type="datetime1">
               <a:rPr lang="en-US" smtClean="0"/>
-              <a:t>9/16/2014</a:t>
+              <a:t>9/17/2014</a:t>
             </a:fld>
             <a:endParaRPr lang="en-US"/>
           </a:p>
@@ -4290,7 +4295,7 @@
           <a:p>
             <a:fld id="{3335D4DC-C5E8-4856-8C34-DB6C0E8A3A86}" type="datetime1">
               <a:rPr lang="en-US" smtClean="0"/>
-              <a:t>9/16/2014</a:t>
+              <a:t>9/17/2014</a:t>
             </a:fld>
             <a:endParaRPr lang="en-US"/>
           </a:p>
@@ -4732,7 +4737,7 @@
           <a:p>
             <a:fld id="{019FDECA-C980-479E-BDD8-A5C090CCF848}" type="datetime1">
               <a:rPr lang="en-US" smtClean="0"/>
-              <a:t>9/16/2014</a:t>
+              <a:t>9/17/2014</a:t>
             </a:fld>
             <a:endParaRPr lang="en-US"/>
           </a:p>
@@ -4850,7 +4855,7 @@
           <a:p>
             <a:fld id="{50741BDD-7979-4763-8841-F7CD61BB3436}" type="datetime1">
               <a:rPr lang="en-US" smtClean="0"/>
-              <a:t>9/16/2014</a:t>
+              <a:t>9/17/2014</a:t>
             </a:fld>
             <a:endParaRPr lang="en-US"/>
           </a:p>
@@ -4945,7 +4950,7 @@
           <a:p>
             <a:fld id="{4530133F-069F-4908-A970-37590C645366}" type="datetime1">
               <a:rPr lang="en-US" smtClean="0"/>
-              <a:t>9/16/2014</a:t>
+              <a:t>9/17/2014</a:t>
             </a:fld>
             <a:endParaRPr lang="en-US"/>
           </a:p>
@@ -5228,7 +5233,7 @@
           <a:p>
             <a:fld id="{C33E7ED2-AD6A-447A-B4D4-C1A61C7486D0}" type="datetime1">
               <a:rPr lang="en-US" smtClean="0"/>
-              <a:t>9/16/2014</a:t>
+              <a:t>9/17/2014</a:t>
             </a:fld>
             <a:endParaRPr lang="en-US"/>
           </a:p>
@@ -5519,7 +5524,7 @@
           <a:p>
             <a:fld id="{8C85524F-A9F9-4B4E-8FB2-6F0C545E379C}" type="datetime1">
               <a:rPr lang="en-US" smtClean="0"/>
-              <a:t>9/16/2014</a:t>
+              <a:t>9/17/2014</a:t>
             </a:fld>
             <a:endParaRPr lang="en-US"/>
           </a:p>
@@ -6049,7 +6054,7 @@
           <a:p>
             <a:fld id="{0805E6AB-3C8A-4746-81C1-AED715637627}" type="datetime1">
               <a:rPr lang="en-US" smtClean="0"/>
-              <a:t>9/16/2014</a:t>
+              <a:t>9/17/2014</a:t>
             </a:fld>
             <a:endParaRPr lang="en-US"/>
           </a:p>
@@ -7345,6 +7350,19 @@
             <a:off x="2864572" y="2438399"/>
             <a:ext cx="7035556" cy="2765066"/>
           </a:xfrm>
+          <a:prstGeom prst="rect">
+            <a:avLst/>
+          </a:prstGeom>
+          <a:ln>
+            <a:noFill/>
+          </a:ln>
+          <a:effectLst>
+            <a:outerShdw blurRad="190500" algn="tl" rotWithShape="0">
+              <a:srgbClr val="000000">
+                <a:alpha val="70000"/>
+              </a:srgbClr>
+            </a:outerShdw>
+          </a:effectLst>
         </p:spPr>
       </p:pic>
       <p:sp>
@@ -7405,6 +7423,16 @@
           <a:prstGeom prst="rect">
             <a:avLst/>
           </a:prstGeom>
+          <a:ln>
+            <a:noFill/>
+          </a:ln>
+          <a:effectLst>
+            <a:outerShdw blurRad="190500" algn="tl" rotWithShape="0">
+              <a:srgbClr val="000000">
+                <a:alpha val="70000"/>
+              </a:srgbClr>
+            </a:outerShdw>
+          </a:effectLst>
         </p:spPr>
       </p:pic>
       <p:sp>
@@ -7517,6 +7545,22 @@
             <a:off x="2674920" y="2756519"/>
             <a:ext cx="3121152" cy="2340864"/>
           </a:xfrm>
+          <a:prstGeom prst="roundRect">
+            <a:avLst>
+              <a:gd name="adj" fmla="val 8594"/>
+            </a:avLst>
+          </a:prstGeom>
+          <a:solidFill>
+            <a:srgbClr val="FFFFFF">
+              <a:shade val="85000"/>
+            </a:srgbClr>
+          </a:solidFill>
+          <a:ln>
+            <a:noFill/>
+          </a:ln>
+          <a:effectLst>
+            <a:reflection blurRad="12700" stA="38000" endPos="28000" dist="5000" dir="5400000" sy="-100000" algn="bl" rotWithShape="0"/>
+          </a:effectLst>
         </p:spPr>
       </p:pic>
       <p:sp>
@@ -8232,6 +8276,35 @@
             <a:off x="1835696" y="2315734"/>
             <a:ext cx="1714500" cy="1139190"/>
           </a:xfrm>
+          <a:prstGeom prst="roundRect">
+            <a:avLst>
+              <a:gd name="adj" fmla="val 4167"/>
+            </a:avLst>
+          </a:prstGeom>
+          <a:solidFill>
+            <a:srgbClr val="FFFFFF"/>
+          </a:solidFill>
+          <a:ln w="76200" cap="sq">
+            <a:solidFill>
+              <a:srgbClr val="EAEAEA"/>
+            </a:solidFill>
+            <a:miter lim="800000"/>
+          </a:ln>
+          <a:effectLst>
+            <a:reflection blurRad="12700" stA="33000" endPos="28000" dist="5000" dir="5400000" sy="-100000" algn="bl" rotWithShape="0"/>
+          </a:effectLst>
+          <a:scene3d>
+            <a:camera prst="orthographicFront"/>
+            <a:lightRig rig="threePt" dir="t">
+              <a:rot lat="0" lon="0" rev="2700000"/>
+            </a:lightRig>
+          </a:scene3d>
+          <a:sp3d contourW="6350">
+            <a:bevelT h="38100"/>
+            <a:contourClr>
+              <a:srgbClr val="C0C0C0"/>
+            </a:contourClr>
+          </a:sp3d>
         </p:spPr>
       </p:pic>
       <p:sp>
@@ -8499,9 +8572,36 @@
         </p:blipFill>
         <p:spPr>
           <a:xfrm>
-            <a:off x="1688801" y="1840064"/>
+            <a:off x="1680850" y="3040393"/>
             <a:ext cx="2916696" cy="1944756"/>
           </a:xfrm>
+          <a:prstGeom prst="roundRect">
+            <a:avLst>
+              <a:gd name="adj" fmla="val 16667"/>
+            </a:avLst>
+          </a:prstGeom>
+          <a:ln>
+            <a:noFill/>
+          </a:ln>
+          <a:effectLst>
+            <a:outerShdw blurRad="76200" dist="38100" dir="7800000" algn="tl" rotWithShape="0">
+              <a:srgbClr val="000000">
+                <a:alpha val="40000"/>
+              </a:srgbClr>
+            </a:outerShdw>
+          </a:effectLst>
+          <a:scene3d>
+            <a:camera prst="orthographicFront"/>
+            <a:lightRig rig="contrasting" dir="t">
+              <a:rot lat="0" lon="0" rev="4200000"/>
+            </a:lightRig>
+          </a:scene3d>
+          <a:sp3d prstMaterial="plastic">
+            <a:bevelT w="381000" h="114300" prst="relaxedInset"/>
+            <a:contourClr>
+              <a:srgbClr val="969696"/>
+            </a:contourClr>
+          </a:sp3d>
         </p:spPr>
       </p:pic>
       <p:sp>
@@ -8616,18 +8716,32 @@
           <a:prstGeom prst="downArrow">
             <a:avLst/>
           </a:prstGeom>
+          <a:effectLst>
+            <a:outerShdw blurRad="50800" dist="38100" dir="16200000" rotWithShape="0">
+              <a:prstClr val="black">
+                <a:alpha val="40000"/>
+              </a:prstClr>
+            </a:outerShdw>
+          </a:effectLst>
+          <a:scene3d>
+            <a:camera prst="orthographicFront"/>
+            <a:lightRig rig="threePt" dir="t"/>
+          </a:scene3d>
+          <a:sp3d>
+            <a:bevelT/>
+          </a:sp3d>
         </p:spPr>
         <p:style>
           <a:lnRef idx="2">
-            <a:schemeClr val="accent1">
+            <a:schemeClr val="accent2">
               <a:shade val="50000"/>
             </a:schemeClr>
           </a:lnRef>
           <a:fillRef idx="1">
-            <a:schemeClr val="accent1"/>
+            <a:schemeClr val="accent2"/>
           </a:fillRef>
           <a:effectRef idx="0">
-            <a:schemeClr val="accent1"/>
+            <a:schemeClr val="accent2"/>
           </a:effectRef>
           <a:fontRef idx="minor">
             <a:schemeClr val="lt1"/>
@@ -8638,7 +8752,20 @@
           <a:lstStyle/>
           <a:p>
             <a:pPr algn="ctr"/>
-            <a:endParaRPr lang="en-US"/>
+            <a:endParaRPr lang="en-US" b="1">
+              <a:ln w="22225">
+                <a:solidFill>
+                  <a:schemeClr val="accent2"/>
+                </a:solidFill>
+                <a:prstDash val="solid"/>
+              </a:ln>
+              <a:solidFill>
+                <a:schemeClr val="accent2">
+                  <a:lumMod val="40000"/>
+                  <a:lumOff val="60000"/>
+                </a:schemeClr>
+              </a:solidFill>
+            </a:endParaRPr>
           </a:p>
         </p:txBody>
       </p:sp>
@@ -8881,6 +9008,20 @@
           <a:prstGeom prst="rect">
             <a:avLst/>
           </a:prstGeom>
+          <a:ln w="38100" cap="sq">
+            <a:solidFill>
+              <a:srgbClr val="000000"/>
+            </a:solidFill>
+            <a:prstDash val="solid"/>
+            <a:miter lim="800000"/>
+          </a:ln>
+          <a:effectLst>
+            <a:outerShdw blurRad="50800" dist="38100" dir="2700000" algn="tl" rotWithShape="0">
+              <a:srgbClr val="000000">
+                <a:alpha val="43000"/>
+              </a:srgbClr>
+            </a:outerShdw>
+          </a:effectLst>
         </p:spPr>
       </p:pic>
       <p:sp>
@@ -9414,9 +9555,88 @@
   <p:timing>
     <p:tnLst>
       <p:par>
-        <p:cTn id="1" dur="indefinite" restart="never" nodeType="tmRoot"/>
+        <p:cTn id="1" dur="indefinite" restart="never" nodeType="tmRoot">
+          <p:childTnLst>
+            <p:seq concurrent="1" nextAc="seek">
+              <p:cTn id="2" dur="indefinite" nodeType="mainSeq">
+                <p:childTnLst>
+                  <p:par>
+                    <p:cTn id="3" fill="hold">
+                      <p:stCondLst>
+                        <p:cond delay="indefinite"/>
+                      </p:stCondLst>
+                      <p:childTnLst>
+                        <p:par>
+                          <p:cTn id="4" fill="hold">
+                            <p:stCondLst>
+                              <p:cond delay="0"/>
+                            </p:stCondLst>
+                            <p:childTnLst>
+                              <p:par>
+                                <p:cTn id="5" presetID="10" presetClass="entr" presetSubtype="0" fill="hold" grpId="0" nodeType="clickEffect">
+                                  <p:stCondLst>
+                                    <p:cond delay="0"/>
+                                  </p:stCondLst>
+                                  <p:childTnLst>
+                                    <p:set>
+                                      <p:cBhvr>
+                                        <p:cTn id="6" dur="1" fill="hold">
+                                          <p:stCondLst>
+                                            <p:cond delay="0"/>
+                                          </p:stCondLst>
+                                        </p:cTn>
+                                        <p:tgtEl>
+                                          <p:spTgt spid="4"/>
+                                        </p:tgtEl>
+                                        <p:attrNameLst>
+                                          <p:attrName>style.visibility</p:attrName>
+                                        </p:attrNameLst>
+                                      </p:cBhvr>
+                                      <p:to>
+                                        <p:strVal val="visible"/>
+                                      </p:to>
+                                    </p:set>
+                                    <p:animEffect transition="in" filter="fade">
+                                      <p:cBhvr>
+                                        <p:cTn id="7" dur="500"/>
+                                        <p:tgtEl>
+                                          <p:spTgt spid="4"/>
+                                        </p:tgtEl>
+                                      </p:cBhvr>
+                                    </p:animEffect>
+                                  </p:childTnLst>
+                                </p:cTn>
+                              </p:par>
+                            </p:childTnLst>
+                          </p:cTn>
+                        </p:par>
+                      </p:childTnLst>
+                    </p:cTn>
+                  </p:par>
+                </p:childTnLst>
+              </p:cTn>
+              <p:prevCondLst>
+                <p:cond evt="onPrev" delay="0">
+                  <p:tgtEl>
+                    <p:sldTgt/>
+                  </p:tgtEl>
+                </p:cond>
+              </p:prevCondLst>
+              <p:nextCondLst>
+                <p:cond evt="onNext" delay="0">
+                  <p:tgtEl>
+                    <p:sldTgt/>
+                  </p:tgtEl>
+                </p:cond>
+              </p:nextCondLst>
+            </p:seq>
+          </p:childTnLst>
+        </p:cTn>
       </p:par>
     </p:tnLst>
+    <p:bldLst>
+      <p:bldP spid="4" grpId="0"/>
+    </p:bldLst>
   </p:timing>
 </p:sld>
 </file>

--- a/presentazione/Intelligenza Artificiale.pptx
+++ b/presentazione/Intelligenza Artificiale.pptx
@@ -5,21 +5,25 @@
     <p:sldMasterId id="2147483660" r:id="rId1"/>
   </p:sldMasterIdLst>
   <p:notesMasterIdLst>
-    <p:notesMasterId r:id="rId14"/>
+    <p:notesMasterId r:id="rId18"/>
   </p:notesMasterIdLst>
   <p:sldIdLst>
     <p:sldId id="256" r:id="rId2"/>
     <p:sldId id="257" r:id="rId3"/>
-    <p:sldId id="258" r:id="rId4"/>
+    <p:sldId id="268" r:id="rId4"/>
     <p:sldId id="259" r:id="rId5"/>
-    <p:sldId id="260" r:id="rId6"/>
-    <p:sldId id="261" r:id="rId7"/>
-    <p:sldId id="262" r:id="rId8"/>
-    <p:sldId id="263" r:id="rId9"/>
-    <p:sldId id="264" r:id="rId10"/>
-    <p:sldId id="265" r:id="rId11"/>
-    <p:sldId id="266" r:id="rId12"/>
-    <p:sldId id="267" r:id="rId13"/>
+    <p:sldId id="269" r:id="rId6"/>
+    <p:sldId id="270" r:id="rId7"/>
+    <p:sldId id="271" r:id="rId8"/>
+    <p:sldId id="258" r:id="rId9"/>
+    <p:sldId id="260" r:id="rId10"/>
+    <p:sldId id="261" r:id="rId11"/>
+    <p:sldId id="262" r:id="rId12"/>
+    <p:sldId id="263" r:id="rId13"/>
+    <p:sldId id="264" r:id="rId14"/>
+    <p:sldId id="265" r:id="rId15"/>
+    <p:sldId id="266" r:id="rId16"/>
+    <p:sldId id="267" r:id="rId17"/>
   </p:sldIdLst>
   <p:sldSz cx="12192000" cy="6858000"/>
   <p:notesSz cx="6858000" cy="9144000"/>
@@ -120,7 +124,7 @@
   </p:defaultTextStyle>
   <p:extLst>
     <p:ext uri="{EFAFB233-063F-42B5-8137-9DF3F51BA10A}">
-      <p15:sldGuideLst xmlns:p15="http://schemas.microsoft.com/office/powerpoint/2012/main"/>
+      <p15:sldGuideLst xmlns:p15="http://schemas.microsoft.com/office/powerpoint/2012/main" xmlns=""/>
     </p:ext>
   </p:extLst>
 </p:presentation>
@@ -208,7 +212,7 @@
           <a:p>
             <a:fld id="{0DF739AF-3A66-4063-B26A-EB6607F8306A}" type="datetimeFigureOut">
               <a:rPr lang="en-US" smtClean="0"/>
-              <a:t>9/17/2014</a:t>
+              <a:t>17/09/14</a:t>
             </a:fld>
             <a:endParaRPr lang="en-US"/>
           </a:p>
@@ -367,7 +371,7 @@
           <a:p>
             <a:fld id="{AFEBDBDA-2127-4989-829D-9B33EFC2FC10}" type="slidenum">
               <a:rPr lang="en-US" smtClean="0"/>
-              <a:t>‹N›</a:t>
+              <a:t>‹#›</a:t>
             </a:fld>
             <a:endParaRPr lang="en-US"/>
           </a:p>
@@ -541,7 +545,7 @@
           <a:p>
             <a:fld id="{AFEBDBDA-2127-4989-829D-9B33EFC2FC10}" type="slidenum">
               <a:rPr lang="en-US" smtClean="0"/>
-              <a:t>12</a:t>
+              <a:t>16</a:t>
             </a:fld>
             <a:endParaRPr lang="en-US"/>
           </a:p>
@@ -1062,7 +1066,7 @@
           <a:p>
             <a:fld id="{FBE60798-7AA9-4637-B4B3-C82E6612857A}" type="datetime1">
               <a:rPr lang="en-US" smtClean="0"/>
-              <a:t>9/17/2014</a:t>
+              <a:t>17/09/14</a:t>
             </a:fld>
             <a:endParaRPr lang="en-US"/>
           </a:p>
@@ -1109,7 +1113,7 @@
           <a:p>
             <a:fld id="{4D77BA81-331F-4EED-897C-BD146A682CF5}" type="slidenum">
               <a:rPr lang="en-US" smtClean="0"/>
-              <a:t>‹N›</a:t>
+              <a:t>‹#›</a:t>
             </a:fld>
             <a:endParaRPr lang="en-US"/>
           </a:p>
@@ -1358,7 +1362,7 @@
           <a:p>
             <a:fld id="{724E152F-EBD0-477F-BB60-F897B9BE8882}" type="datetime1">
               <a:rPr lang="en-US" smtClean="0"/>
-              <a:t>9/17/2014</a:t>
+              <a:t>17/09/14</a:t>
             </a:fld>
             <a:endParaRPr lang="en-US"/>
           </a:p>
@@ -1400,7 +1404,7 @@
           <a:p>
             <a:fld id="{4D77BA81-331F-4EED-897C-BD146A682CF5}" type="slidenum">
               <a:rPr lang="en-US" smtClean="0"/>
-              <a:t>‹N›</a:t>
+              <a:t>‹#›</a:t>
             </a:fld>
             <a:endParaRPr lang="en-US"/>
           </a:p>
@@ -1606,7 +1610,7 @@
           <a:p>
             <a:fld id="{11E57CAA-200D-4C0C-90DC-6607785A29AF}" type="datetime1">
               <a:rPr lang="en-US" smtClean="0"/>
-              <a:t>9/17/2014</a:t>
+              <a:t>17/09/14</a:t>
             </a:fld>
             <a:endParaRPr lang="en-US"/>
           </a:p>
@@ -1648,7 +1652,7 @@
           <a:p>
             <a:fld id="{4D77BA81-331F-4EED-897C-BD146A682CF5}" type="slidenum">
               <a:rPr lang="en-US" smtClean="0"/>
-              <a:t>‹N›</a:t>
+              <a:t>‹#›</a:t>
             </a:fld>
             <a:endParaRPr lang="en-US"/>
           </a:p>
@@ -2146,7 +2150,7 @@
           <a:p>
             <a:fld id="{5B26F14A-8427-4541-864E-CF825D54B0FA}" type="datetime1">
               <a:rPr lang="en-US" smtClean="0"/>
-              <a:t>9/17/2014</a:t>
+              <a:t>17/09/14</a:t>
             </a:fld>
             <a:endParaRPr lang="en-US"/>
           </a:p>
@@ -2188,7 +2192,7 @@
           <a:p>
             <a:fld id="{4D77BA81-331F-4EED-897C-BD146A682CF5}" type="slidenum">
               <a:rPr lang="en-US" smtClean="0"/>
-              <a:t>‹N›</a:t>
+              <a:t>‹#›</a:t>
             </a:fld>
             <a:endParaRPr lang="en-US"/>
           </a:p>
@@ -2394,7 +2398,7 @@
           <a:p>
             <a:fld id="{8EDDE34A-8711-468D-9A95-34514C842A6F}" type="datetime1">
               <a:rPr lang="en-US" smtClean="0"/>
-              <a:t>9/17/2014</a:t>
+              <a:t>17/09/14</a:t>
             </a:fld>
             <a:endParaRPr lang="en-US"/>
           </a:p>
@@ -2436,7 +2440,7 @@
           <a:p>
             <a:fld id="{4D77BA81-331F-4EED-897C-BD146A682CF5}" type="slidenum">
               <a:rPr lang="en-US" smtClean="0"/>
-              <a:t>‹N›</a:t>
+              <a:t>‹#›</a:t>
             </a:fld>
             <a:endParaRPr lang="en-US"/>
           </a:p>
@@ -2926,7 +2930,7 @@
           <a:p>
             <a:fld id="{80C94270-8188-4059-B120-018A1FD1EB5C}" type="datetime1">
               <a:rPr lang="en-US" smtClean="0"/>
-              <a:t>9/17/2014</a:t>
+              <a:t>17/09/14</a:t>
             </a:fld>
             <a:endParaRPr lang="en-US"/>
           </a:p>
@@ -2968,7 +2972,7 @@
           <a:p>
             <a:fld id="{4D77BA81-331F-4EED-897C-BD146A682CF5}" type="slidenum">
               <a:rPr lang="en-US" smtClean="0"/>
-              <a:t>‹N›</a:t>
+              <a:t>‹#›</a:t>
             </a:fld>
             <a:endParaRPr lang="en-US"/>
           </a:p>
@@ -3223,7 +3227,7 @@
           <a:p>
             <a:fld id="{57A1561F-2B60-4AF1-A6AB-4362458C2985}" type="datetime1">
               <a:rPr lang="en-US" smtClean="0"/>
-              <a:t>9/17/2014</a:t>
+              <a:t>17/09/14</a:t>
             </a:fld>
             <a:endParaRPr lang="en-US"/>
           </a:p>
@@ -3265,7 +3269,7 @@
           <a:p>
             <a:fld id="{4D77BA81-331F-4EED-897C-BD146A682CF5}" type="slidenum">
               <a:rPr lang="en-US" smtClean="0"/>
-              <a:t>‹N›</a:t>
+              <a:t>‹#›</a:t>
             </a:fld>
             <a:endParaRPr lang="en-US"/>
           </a:p>
@@ -3397,7 +3401,7 @@
           <a:p>
             <a:fld id="{7BBBCCA2-1C9A-425D-AA7A-06FE955C4EA9}" type="datetime1">
               <a:rPr lang="en-US" smtClean="0"/>
-              <a:t>9/17/2014</a:t>
+              <a:t>17/09/14</a:t>
             </a:fld>
             <a:endParaRPr lang="en-US"/>
           </a:p>
@@ -3439,7 +3443,7 @@
           <a:p>
             <a:fld id="{4D77BA81-331F-4EED-897C-BD146A682CF5}" type="slidenum">
               <a:rPr lang="en-US" smtClean="0"/>
-              <a:t>‹N›</a:t>
+              <a:t>‹#›</a:t>
             </a:fld>
             <a:endParaRPr lang="en-US"/>
           </a:p>
@@ -3577,7 +3581,7 @@
           <a:p>
             <a:fld id="{A28A0A26-131D-4149-AC95-6DD310BD0BF8}" type="datetime1">
               <a:rPr lang="en-US" smtClean="0"/>
-              <a:t>9/17/2014</a:t>
+              <a:t>17/09/14</a:t>
             </a:fld>
             <a:endParaRPr lang="en-US"/>
           </a:p>
@@ -3619,7 +3623,7 @@
           <a:p>
             <a:fld id="{4D77BA81-331F-4EED-897C-BD146A682CF5}" type="slidenum">
               <a:rPr lang="en-US" smtClean="0"/>
-              <a:t>‹N›</a:t>
+              <a:t>‹#›</a:t>
             </a:fld>
             <a:endParaRPr lang="en-US"/>
           </a:p>
@@ -3747,7 +3751,7 @@
           <a:p>
             <a:fld id="{BB8789D1-4921-44D4-AE43-5ECB1FA65A58}" type="datetime1">
               <a:rPr lang="en-US" smtClean="0"/>
-              <a:t>9/17/2014</a:t>
+              <a:t>17/09/14</a:t>
             </a:fld>
             <a:endParaRPr lang="en-US"/>
           </a:p>
@@ -3794,7 +3798,7 @@
           <a:p>
             <a:fld id="{4D77BA81-331F-4EED-897C-BD146A682CF5}" type="slidenum">
               <a:rPr lang="en-US" smtClean="0"/>
-              <a:t>‹N›</a:t>
+              <a:t>‹#›</a:t>
             </a:fld>
             <a:endParaRPr lang="en-US"/>
           </a:p>
@@ -3998,7 +4002,7 @@
           <a:p>
             <a:fld id="{67DCBFC7-C3CA-4F58-BC14-F2BF8B6A880A}" type="datetime1">
               <a:rPr lang="en-US" smtClean="0"/>
-              <a:t>9/17/2014</a:t>
+              <a:t>17/09/14</a:t>
             </a:fld>
             <a:endParaRPr lang="en-US"/>
           </a:p>
@@ -4040,7 +4044,7 @@
           <a:p>
             <a:fld id="{4D77BA81-331F-4EED-897C-BD146A682CF5}" type="slidenum">
               <a:rPr lang="en-US" smtClean="0"/>
-              <a:t>‹N›</a:t>
+              <a:t>‹#›</a:t>
             </a:fld>
             <a:endParaRPr lang="en-US"/>
           </a:p>
@@ -4295,7 +4299,7 @@
           <a:p>
             <a:fld id="{3335D4DC-C5E8-4856-8C34-DB6C0E8A3A86}" type="datetime1">
               <a:rPr lang="en-US" smtClean="0"/>
-              <a:t>9/17/2014</a:t>
+              <a:t>17/09/14</a:t>
             </a:fld>
             <a:endParaRPr lang="en-US"/>
           </a:p>
@@ -4337,7 +4341,7 @@
           <a:p>
             <a:fld id="{4D77BA81-331F-4EED-897C-BD146A682CF5}" type="slidenum">
               <a:rPr lang="en-US" smtClean="0"/>
-              <a:t>‹N›</a:t>
+              <a:t>‹#›</a:t>
             </a:fld>
             <a:endParaRPr lang="en-US"/>
           </a:p>
@@ -4737,7 +4741,7 @@
           <a:p>
             <a:fld id="{019FDECA-C980-479E-BDD8-A5C090CCF848}" type="datetime1">
               <a:rPr lang="en-US" smtClean="0"/>
-              <a:t>9/17/2014</a:t>
+              <a:t>17/09/14</a:t>
             </a:fld>
             <a:endParaRPr lang="en-US"/>
           </a:p>
@@ -4779,7 +4783,7 @@
           <a:p>
             <a:fld id="{4D77BA81-331F-4EED-897C-BD146A682CF5}" type="slidenum">
               <a:rPr lang="en-US" smtClean="0"/>
-              <a:t>‹N›</a:t>
+              <a:t>‹#›</a:t>
             </a:fld>
             <a:endParaRPr lang="en-US"/>
           </a:p>
@@ -4855,7 +4859,7 @@
           <a:p>
             <a:fld id="{50741BDD-7979-4763-8841-F7CD61BB3436}" type="datetime1">
               <a:rPr lang="en-US" smtClean="0"/>
-              <a:t>9/17/2014</a:t>
+              <a:t>17/09/14</a:t>
             </a:fld>
             <a:endParaRPr lang="en-US"/>
           </a:p>
@@ -4897,7 +4901,7 @@
           <a:p>
             <a:fld id="{4D77BA81-331F-4EED-897C-BD146A682CF5}" type="slidenum">
               <a:rPr lang="en-US" smtClean="0"/>
-              <a:t>‹N›</a:t>
+              <a:t>‹#›</a:t>
             </a:fld>
             <a:endParaRPr lang="en-US"/>
           </a:p>
@@ -4950,7 +4954,7 @@
           <a:p>
             <a:fld id="{4530133F-069F-4908-A970-37590C645366}" type="datetime1">
               <a:rPr lang="en-US" smtClean="0"/>
-              <a:t>9/17/2014</a:t>
+              <a:t>17/09/14</a:t>
             </a:fld>
             <a:endParaRPr lang="en-US"/>
           </a:p>
@@ -4992,7 +4996,7 @@
           <a:p>
             <a:fld id="{4D77BA81-331F-4EED-897C-BD146A682CF5}" type="slidenum">
               <a:rPr lang="en-US" smtClean="0"/>
-              <a:t>‹N›</a:t>
+              <a:t>‹#›</a:t>
             </a:fld>
             <a:endParaRPr lang="en-US"/>
           </a:p>
@@ -5233,7 +5237,7 @@
           <a:p>
             <a:fld id="{C33E7ED2-AD6A-447A-B4D4-C1A61C7486D0}" type="datetime1">
               <a:rPr lang="en-US" smtClean="0"/>
-              <a:t>9/17/2014</a:t>
+              <a:t>17/09/14</a:t>
             </a:fld>
             <a:endParaRPr lang="en-US"/>
           </a:p>
@@ -5275,7 +5279,7 @@
           <a:p>
             <a:fld id="{4D77BA81-331F-4EED-897C-BD146A682CF5}" type="slidenum">
               <a:rPr lang="en-US" smtClean="0"/>
-              <a:t>‹N›</a:t>
+              <a:t>‹#›</a:t>
             </a:fld>
             <a:endParaRPr lang="en-US"/>
           </a:p>
@@ -5524,7 +5528,7 @@
           <a:p>
             <a:fld id="{8C85524F-A9F9-4B4E-8FB2-6F0C545E379C}" type="datetime1">
               <a:rPr lang="en-US" smtClean="0"/>
-              <a:t>9/17/2014</a:t>
+              <a:t>17/09/14</a:t>
             </a:fld>
             <a:endParaRPr lang="en-US"/>
           </a:p>
@@ -5566,7 +5570,7 @@
           <a:p>
             <a:fld id="{4D77BA81-331F-4EED-897C-BD146A682CF5}" type="slidenum">
               <a:rPr lang="en-US" smtClean="0"/>
-              <a:t>‹N›</a:t>
+              <a:t>‹#›</a:t>
             </a:fld>
             <a:endParaRPr lang="en-US"/>
           </a:p>
@@ -6054,7 +6058,7 @@
           <a:p>
             <a:fld id="{0805E6AB-3C8A-4746-81C1-AED715637627}" type="datetime1">
               <a:rPr lang="en-US" smtClean="0"/>
-              <a:t>9/17/2014</a:t>
+              <a:t>17/09/14</a:t>
             </a:fld>
             <a:endParaRPr lang="en-US"/>
           </a:p>
@@ -6132,7 +6136,7 @@
           <a:p>
             <a:fld id="{4D77BA81-331F-4EED-897C-BD146A682CF5}" type="slidenum">
               <a:rPr lang="en-US" smtClean="0"/>
-              <a:t>‹N›</a:t>
+              <a:t>‹#›</a:t>
             </a:fld>
             <a:endParaRPr lang="en-US"/>
           </a:p>
@@ -6732,7 +6736,7 @@
   <p:timing>
     <p:tnLst>
       <p:par>
-        <p:cTn id="1" dur="indefinite" restart="never" nodeType="tmRoot"/>
+        <p:cTn xmlns:p14="http://schemas.microsoft.com/office/powerpoint/2010/main" id="1" dur="indefinite" restart="never" nodeType="tmRoot"/>
       </p:par>
     </p:tnLst>
   </p:timing>
@@ -6740,1294 +6744,6 @@
 </file>
 
 <file path=ppt/slides/slide10.xml><?xml version="1.0" encoding="utf-8"?>
-<p:sld xmlns:a="http://schemas.openxmlformats.org/drawingml/2006/main" xmlns:r="http://schemas.openxmlformats.org/officeDocument/2006/relationships" xmlns:p="http://schemas.openxmlformats.org/presentationml/2006/main">
-  <p:cSld>
-    <p:spTree>
-      <p:nvGrpSpPr>
-        <p:cNvPr id="1" name=""/>
-        <p:cNvGrpSpPr/>
-        <p:nvPr/>
-      </p:nvGrpSpPr>
-      <p:grpSpPr>
-        <a:xfrm>
-          <a:off x="0" y="0"/>
-          <a:ext cx="0" cy="0"/>
-          <a:chOff x="0" y="0"/>
-          <a:chExt cx="0" cy="0"/>
-        </a:xfrm>
-      </p:grpSpPr>
-      <p:sp>
-        <p:nvSpPr>
-          <p:cNvPr id="2" name="Titolo 1"/>
-          <p:cNvSpPr>
-            <a:spLocks noGrp="1"/>
-          </p:cNvSpPr>
-          <p:nvPr>
-            <p:ph type="title"/>
-          </p:nvPr>
-        </p:nvSpPr>
-        <p:spPr/>
-        <p:txBody>
-          <a:bodyPr/>
-          <a:lstStyle/>
-          <a:p>
-            <a:r>
-              <a:rPr lang="it-IT" dirty="0" err="1" smtClean="0"/>
-              <a:t>GiocoUNO</a:t>
-            </a:r>
-            <a:endParaRPr lang="en-US" dirty="0"/>
-          </a:p>
-        </p:txBody>
-      </p:sp>
-      <p:pic>
-        <p:nvPicPr>
-          <p:cNvPr id="4" name="Segnaposto contenuto 3"/>
-          <p:cNvPicPr>
-            <a:picLocks noGrp="1" noChangeAspect="1"/>
-          </p:cNvPicPr>
-          <p:nvPr>
-            <p:ph idx="1"/>
-          </p:nvPr>
-        </p:nvPicPr>
-        <p:blipFill>
-          <a:blip r:embed="rId2">
-            <a:extLst>
-              <a:ext uri="{28A0092B-C50C-407E-A947-70E740481C1C}">
-                <a14:useLocalDpi xmlns:a14="http://schemas.microsoft.com/office/drawing/2010/main" val="0"/>
-              </a:ext>
-            </a:extLst>
-          </a:blip>
-          <a:stretch>
-            <a:fillRect/>
-          </a:stretch>
-        </p:blipFill>
-        <p:spPr>
-          <a:xfrm>
-            <a:off x="4207669" y="2709862"/>
-            <a:ext cx="4572000" cy="3038475"/>
-          </a:xfrm>
-          <a:prstGeom prst="rect">
-            <a:avLst/>
-          </a:prstGeom>
-          <a:ln w="88900" cap="sq" cmpd="thickThin">
-            <a:solidFill>
-              <a:srgbClr val="000000"/>
-            </a:solidFill>
-            <a:prstDash val="solid"/>
-            <a:miter lim="800000"/>
-          </a:ln>
-          <a:effectLst>
-            <a:innerShdw blurRad="76200">
-              <a:srgbClr val="000000"/>
-            </a:innerShdw>
-          </a:effectLst>
-        </p:spPr>
-      </p:pic>
-      <p:sp>
-        <p:nvSpPr>
-          <p:cNvPr id="5" name="Segnaposto numero diapositiva 4"/>
-          <p:cNvSpPr>
-            <a:spLocks noGrp="1"/>
-          </p:cNvSpPr>
-          <p:nvPr>
-            <p:ph type="sldNum" sz="quarter" idx="12"/>
-          </p:nvPr>
-        </p:nvSpPr>
-        <p:spPr/>
-        <p:txBody>
-          <a:bodyPr/>
-          <a:lstStyle/>
-          <a:p>
-            <a:fld id="{4D77BA81-331F-4EED-897C-BD146A682CF5}" type="slidenum">
-              <a:rPr lang="en-US" smtClean="0"/>
-              <a:t>10</a:t>
-            </a:fld>
-            <a:endParaRPr lang="en-US"/>
-          </a:p>
-        </p:txBody>
-      </p:sp>
-    </p:spTree>
-    <p:extLst>
-      <p:ext uri="{BB962C8B-B14F-4D97-AF65-F5344CB8AC3E}">
-        <p14:creationId xmlns:p14="http://schemas.microsoft.com/office/powerpoint/2010/main" val="559244443"/>
-      </p:ext>
-    </p:extLst>
-  </p:cSld>
-  <p:clrMapOvr>
-    <a:masterClrMapping/>
-  </p:clrMapOvr>
-  <p:timing>
-    <p:tnLst>
-      <p:par>
-        <p:cTn id="1" dur="indefinite" restart="never" nodeType="tmRoot"/>
-      </p:par>
-    </p:tnLst>
-  </p:timing>
-</p:sld>
-</file>
-
-<file path=ppt/slides/slide11.xml><?xml version="1.0" encoding="utf-8"?>
-<p:sld xmlns:a="http://schemas.openxmlformats.org/drawingml/2006/main" xmlns:r="http://schemas.openxmlformats.org/officeDocument/2006/relationships" xmlns:p="http://schemas.openxmlformats.org/presentationml/2006/main">
-  <p:cSld>
-    <p:spTree>
-      <p:nvGrpSpPr>
-        <p:cNvPr id="1" name=""/>
-        <p:cNvGrpSpPr/>
-        <p:nvPr/>
-      </p:nvGrpSpPr>
-      <p:grpSpPr>
-        <a:xfrm>
-          <a:off x="0" y="0"/>
-          <a:ext cx="0" cy="0"/>
-          <a:chOff x="0" y="0"/>
-          <a:chExt cx="0" cy="0"/>
-        </a:xfrm>
-      </p:grpSpPr>
-      <p:pic>
-        <p:nvPicPr>
-          <p:cNvPr id="4" name="Segnaposto contenuto 3"/>
-          <p:cNvPicPr>
-            <a:picLocks noGrp="1" noChangeAspect="1"/>
-          </p:cNvPicPr>
-          <p:nvPr>
-            <p:ph idx="1"/>
-          </p:nvPr>
-        </p:nvPicPr>
-        <p:blipFill>
-          <a:blip r:embed="rId2">
-            <a:extLst>
-              <a:ext uri="{28A0092B-C50C-407E-A947-70E740481C1C}">
-                <a14:useLocalDpi xmlns:a14="http://schemas.microsoft.com/office/drawing/2010/main" val="0"/>
-              </a:ext>
-            </a:extLst>
-          </a:blip>
-          <a:stretch>
-            <a:fillRect/>
-          </a:stretch>
-        </p:blipFill>
-        <p:spPr>
-          <a:xfrm>
-            <a:off x="1359780" y="2434081"/>
-            <a:ext cx="4901761" cy="3124200"/>
-          </a:xfrm>
-          <a:prstGeom prst="roundRect">
-            <a:avLst>
-              <a:gd name="adj" fmla="val 8594"/>
-            </a:avLst>
-          </a:prstGeom>
-          <a:solidFill>
-            <a:srgbClr val="FFFFFF">
-              <a:shade val="85000"/>
-            </a:srgbClr>
-          </a:solidFill>
-          <a:ln>
-            <a:noFill/>
-          </a:ln>
-          <a:effectLst>
-            <a:reflection blurRad="12700" stA="38000" endPos="28000" dist="5000" dir="5400000" sy="-100000" algn="bl" rotWithShape="0"/>
-          </a:effectLst>
-        </p:spPr>
-      </p:pic>
-      <p:sp>
-        <p:nvSpPr>
-          <p:cNvPr id="6" name="Titolo 1"/>
-          <p:cNvSpPr txBox="1">
-            <a:spLocks/>
-          </p:cNvSpPr>
-          <p:nvPr/>
-        </p:nvSpPr>
-        <p:spPr>
-          <a:xfrm>
-            <a:off x="1484310" y="685800"/>
-            <a:ext cx="10018713" cy="1752599"/>
-          </a:xfrm>
-          <a:prstGeom prst="rect">
-            <a:avLst/>
-          </a:prstGeom>
-          <a:effectLst/>
-        </p:spPr>
-        <p:txBody>
-          <a:bodyPr vert="horz" lIns="91440" tIns="45720" rIns="91440" bIns="45720" rtlCol="0" anchor="ctr">
-            <a:normAutofit/>
-          </a:bodyPr>
-          <a:lstStyle>
-            <a:lvl1pPr algn="ctr" defTabSz="457200" rtl="0" eaLnBrk="1" latinLnBrk="0" hangingPunct="1">
-              <a:spcBef>
-                <a:spcPct val="0"/>
-              </a:spcBef>
-              <a:buNone/>
-              <a:defRPr sz="4000" kern="1200" cap="none">
-                <a:ln w="3175" cmpd="sng">
-                  <a:noFill/>
-                </a:ln>
-                <a:solidFill>
-                  <a:schemeClr val="tx1"/>
-                </a:solidFill>
-                <a:effectLst/>
-                <a:latin typeface="+mj-lt"/>
-                <a:ea typeface="+mj-ea"/>
-                <a:cs typeface="+mj-cs"/>
-              </a:defRPr>
-            </a:lvl1pPr>
-            <a:lvl2pPr eaLnBrk="1" hangingPunct="1">
-              <a:defRPr>
-                <a:solidFill>
-                  <a:schemeClr val="tx2"/>
-                </a:solidFill>
-              </a:defRPr>
-            </a:lvl2pPr>
-            <a:lvl3pPr eaLnBrk="1" hangingPunct="1">
-              <a:defRPr>
-                <a:solidFill>
-                  <a:schemeClr val="tx2"/>
-                </a:solidFill>
-              </a:defRPr>
-            </a:lvl3pPr>
-            <a:lvl4pPr eaLnBrk="1" hangingPunct="1">
-              <a:defRPr>
-                <a:solidFill>
-                  <a:schemeClr val="tx2"/>
-                </a:solidFill>
-              </a:defRPr>
-            </a:lvl4pPr>
-            <a:lvl5pPr eaLnBrk="1" hangingPunct="1">
-              <a:defRPr>
-                <a:solidFill>
-                  <a:schemeClr val="tx2"/>
-                </a:solidFill>
-              </a:defRPr>
-            </a:lvl5pPr>
-            <a:lvl6pPr eaLnBrk="1" hangingPunct="1">
-              <a:defRPr>
-                <a:solidFill>
-                  <a:schemeClr val="tx2"/>
-                </a:solidFill>
-              </a:defRPr>
-            </a:lvl6pPr>
-            <a:lvl7pPr eaLnBrk="1" hangingPunct="1">
-              <a:defRPr>
-                <a:solidFill>
-                  <a:schemeClr val="tx2"/>
-                </a:solidFill>
-              </a:defRPr>
-            </a:lvl7pPr>
-            <a:lvl8pPr eaLnBrk="1" hangingPunct="1">
-              <a:defRPr>
-                <a:solidFill>
-                  <a:schemeClr val="tx2"/>
-                </a:solidFill>
-              </a:defRPr>
-            </a:lvl8pPr>
-            <a:lvl9pPr eaLnBrk="1" hangingPunct="1">
-              <a:defRPr>
-                <a:solidFill>
-                  <a:schemeClr val="tx2"/>
-                </a:solidFill>
-              </a:defRPr>
-            </a:lvl9pPr>
-          </a:lstStyle>
-          <a:p>
-            <a:r>
-              <a:rPr lang="it-IT" dirty="0" smtClean="0"/>
-              <a:t>Risultati</a:t>
-            </a:r>
-            <a:endParaRPr lang="en-US" dirty="0"/>
-          </a:p>
-        </p:txBody>
-      </p:sp>
-      <p:pic>
-        <p:nvPicPr>
-          <p:cNvPr id="7" name="Immagine 6"/>
-          <p:cNvPicPr>
-            <a:picLocks noChangeAspect="1"/>
-          </p:cNvPicPr>
-          <p:nvPr/>
-        </p:nvPicPr>
-        <p:blipFill>
-          <a:blip r:embed="rId3">
-            <a:extLst>
-              <a:ext uri="{28A0092B-C50C-407E-A947-70E740481C1C}">
-                <a14:useLocalDpi xmlns:a14="http://schemas.microsoft.com/office/drawing/2010/main" val="0"/>
-              </a:ext>
-            </a:extLst>
-          </a:blip>
-          <a:stretch>
-            <a:fillRect/>
-          </a:stretch>
-        </p:blipFill>
-        <p:spPr>
-          <a:xfrm>
-            <a:off x="6261542" y="2438399"/>
-            <a:ext cx="5858896" cy="3119882"/>
-          </a:xfrm>
-          <a:prstGeom prst="roundRect">
-            <a:avLst>
-              <a:gd name="adj" fmla="val 8594"/>
-            </a:avLst>
-          </a:prstGeom>
-          <a:solidFill>
-            <a:srgbClr val="FFFFFF">
-              <a:shade val="85000"/>
-            </a:srgbClr>
-          </a:solidFill>
-          <a:ln>
-            <a:noFill/>
-          </a:ln>
-          <a:effectLst>
-            <a:reflection blurRad="12700" stA="38000" endPos="28000" dist="5000" dir="5400000" sy="-100000" algn="bl" rotWithShape="0"/>
-          </a:effectLst>
-        </p:spPr>
-      </p:pic>
-      <p:sp>
-        <p:nvSpPr>
-          <p:cNvPr id="8" name="CasellaDiTesto 7"/>
-          <p:cNvSpPr txBox="1"/>
-          <p:nvPr/>
-        </p:nvSpPr>
-        <p:spPr>
-          <a:xfrm>
-            <a:off x="5109312" y="5701085"/>
-            <a:ext cx="2768707" cy="369332"/>
-          </a:xfrm>
-          <a:prstGeom prst="rect">
-            <a:avLst/>
-          </a:prstGeom>
-          <a:noFill/>
-        </p:spPr>
-        <p:txBody>
-          <a:bodyPr wrap="none" rtlCol="0">
-            <a:spAutoFit/>
-          </a:bodyPr>
-          <a:lstStyle/>
-          <a:p>
-            <a:r>
-              <a:rPr lang="it-IT" dirty="0" smtClean="0"/>
-              <a:t>30 misurazioni per versione</a:t>
-            </a:r>
-            <a:endParaRPr lang="en-US" dirty="0"/>
-          </a:p>
-        </p:txBody>
-      </p:sp>
-      <p:sp>
-        <p:nvSpPr>
-          <p:cNvPr id="10" name="Segnaposto numero diapositiva 9"/>
-          <p:cNvSpPr>
-            <a:spLocks noGrp="1"/>
-          </p:cNvSpPr>
-          <p:nvPr>
-            <p:ph type="sldNum" sz="quarter" idx="12"/>
-          </p:nvPr>
-        </p:nvSpPr>
-        <p:spPr/>
-        <p:txBody>
-          <a:bodyPr/>
-          <a:lstStyle/>
-          <a:p>
-            <a:fld id="{4D77BA81-331F-4EED-897C-BD146A682CF5}" type="slidenum">
-              <a:rPr lang="en-US" smtClean="0"/>
-              <a:t>11</a:t>
-            </a:fld>
-            <a:endParaRPr lang="en-US"/>
-          </a:p>
-        </p:txBody>
-      </p:sp>
-    </p:spTree>
-    <p:extLst>
-      <p:ext uri="{BB962C8B-B14F-4D97-AF65-F5344CB8AC3E}">
-        <p14:creationId xmlns:p14="http://schemas.microsoft.com/office/powerpoint/2010/main" val="1447674571"/>
-      </p:ext>
-    </p:extLst>
-  </p:cSld>
-  <p:clrMapOvr>
-    <a:masterClrMapping/>
-  </p:clrMapOvr>
-  <p:timing>
-    <p:tnLst>
-      <p:par>
-        <p:cTn id="1" dur="indefinite" restart="never" nodeType="tmRoot"/>
-      </p:par>
-    </p:tnLst>
-  </p:timing>
-</p:sld>
-</file>
-
-<file path=ppt/slides/slide12.xml><?xml version="1.0" encoding="utf-8"?>
-<p:sld xmlns:a="http://schemas.openxmlformats.org/drawingml/2006/main" xmlns:r="http://schemas.openxmlformats.org/officeDocument/2006/relationships" xmlns:p="http://schemas.openxmlformats.org/presentationml/2006/main">
-  <p:cSld>
-    <p:spTree>
-      <p:nvGrpSpPr>
-        <p:cNvPr id="1" name=""/>
-        <p:cNvGrpSpPr/>
-        <p:nvPr/>
-      </p:nvGrpSpPr>
-      <p:grpSpPr>
-        <a:xfrm>
-          <a:off x="0" y="0"/>
-          <a:ext cx="0" cy="0"/>
-          <a:chOff x="0" y="0"/>
-          <a:chExt cx="0" cy="0"/>
-        </a:xfrm>
-      </p:grpSpPr>
-      <p:sp>
-        <p:nvSpPr>
-          <p:cNvPr id="2" name="Titolo 1"/>
-          <p:cNvSpPr>
-            <a:spLocks noGrp="1"/>
-          </p:cNvSpPr>
-          <p:nvPr>
-            <p:ph type="title"/>
-          </p:nvPr>
-        </p:nvSpPr>
-        <p:spPr>
-          <a:xfrm>
-            <a:off x="1484311" y="685800"/>
-            <a:ext cx="10018713" cy="538701"/>
-          </a:xfrm>
-        </p:spPr>
-        <p:txBody>
-          <a:bodyPr>
-            <a:normAutofit fontScale="90000"/>
-          </a:bodyPr>
-          <a:lstStyle/>
-          <a:p>
-            <a:r>
-              <a:rPr lang="it-IT" dirty="0" smtClean="0"/>
-              <a:t>Confronto</a:t>
-            </a:r>
-            <a:endParaRPr lang="en-US" dirty="0"/>
-          </a:p>
-        </p:txBody>
-      </p:sp>
-      <p:pic>
-        <p:nvPicPr>
-          <p:cNvPr id="4" name="Segnaposto contenuto 3"/>
-          <p:cNvPicPr>
-            <a:picLocks noGrp="1" noChangeAspect="1"/>
-          </p:cNvPicPr>
-          <p:nvPr>
-            <p:ph idx="1"/>
-          </p:nvPr>
-        </p:nvPicPr>
-        <p:blipFill>
-          <a:blip r:embed="rId3" cstate="print">
-            <a:extLst>
-              <a:ext uri="{28A0092B-C50C-407E-A947-70E740481C1C}">
-                <a14:useLocalDpi xmlns:a14="http://schemas.microsoft.com/office/drawing/2010/main" val="0"/>
-              </a:ext>
-            </a:extLst>
-          </a:blip>
-          <a:stretch>
-            <a:fillRect/>
-          </a:stretch>
-        </p:blipFill>
-        <p:spPr>
-          <a:xfrm>
-            <a:off x="4296558" y="1224501"/>
-            <a:ext cx="4394218" cy="5505774"/>
-          </a:xfrm>
-          <a:prstGeom prst="rect">
-            <a:avLst/>
-          </a:prstGeom>
-          <a:ln>
-            <a:noFill/>
-          </a:ln>
-          <a:effectLst>
-            <a:outerShdw blurRad="292100" dist="139700" dir="2700000" algn="tl" rotWithShape="0">
-              <a:srgbClr val="333333">
-                <a:alpha val="65000"/>
-              </a:srgbClr>
-            </a:outerShdw>
-          </a:effectLst>
-        </p:spPr>
-      </p:pic>
-      <p:sp>
-        <p:nvSpPr>
-          <p:cNvPr id="5" name="Segnaposto numero diapositiva 4"/>
-          <p:cNvSpPr>
-            <a:spLocks noGrp="1"/>
-          </p:cNvSpPr>
-          <p:nvPr>
-            <p:ph type="sldNum" sz="quarter" idx="12"/>
-          </p:nvPr>
-        </p:nvSpPr>
-        <p:spPr/>
-        <p:txBody>
-          <a:bodyPr/>
-          <a:lstStyle/>
-          <a:p>
-            <a:fld id="{4D77BA81-331F-4EED-897C-BD146A682CF5}" type="slidenum">
-              <a:rPr lang="en-US" smtClean="0"/>
-              <a:t>12</a:t>
-            </a:fld>
-            <a:endParaRPr lang="en-US"/>
-          </a:p>
-        </p:txBody>
-      </p:sp>
-    </p:spTree>
-    <p:extLst>
-      <p:ext uri="{BB962C8B-B14F-4D97-AF65-F5344CB8AC3E}">
-        <p14:creationId xmlns:p14="http://schemas.microsoft.com/office/powerpoint/2010/main" val="199973114"/>
-      </p:ext>
-    </p:extLst>
-  </p:cSld>
-  <p:clrMapOvr>
-    <a:masterClrMapping/>
-  </p:clrMapOvr>
-  <p:timing>
-    <p:tnLst>
-      <p:par>
-        <p:cTn id="1" dur="indefinite" restart="never" nodeType="tmRoot"/>
-      </p:par>
-    </p:tnLst>
-  </p:timing>
-</p:sld>
-</file>
-
-<file path=ppt/slides/slide2.xml><?xml version="1.0" encoding="utf-8"?>
-<p:sld xmlns:a="http://schemas.openxmlformats.org/drawingml/2006/main" xmlns:r="http://schemas.openxmlformats.org/officeDocument/2006/relationships" xmlns:p="http://schemas.openxmlformats.org/presentationml/2006/main">
-  <p:cSld>
-    <p:spTree>
-      <p:nvGrpSpPr>
-        <p:cNvPr id="1" name=""/>
-        <p:cNvGrpSpPr/>
-        <p:nvPr/>
-      </p:nvGrpSpPr>
-      <p:grpSpPr>
-        <a:xfrm>
-          <a:off x="0" y="0"/>
-          <a:ext cx="0" cy="0"/>
-          <a:chOff x="0" y="0"/>
-          <a:chExt cx="0" cy="0"/>
-        </a:xfrm>
-      </p:grpSpPr>
-      <p:sp>
-        <p:nvSpPr>
-          <p:cNvPr id="2" name="Titolo 1"/>
-          <p:cNvSpPr>
-            <a:spLocks noGrp="1"/>
-          </p:cNvSpPr>
-          <p:nvPr>
-            <p:ph type="title"/>
-          </p:nvPr>
-        </p:nvSpPr>
-        <p:spPr/>
-        <p:txBody>
-          <a:bodyPr/>
-          <a:lstStyle/>
-          <a:p>
-            <a:r>
-              <a:rPr lang="it-IT" b="1" dirty="0"/>
-              <a:t>Il Gioco di carte UNO</a:t>
-            </a:r>
-            <a:endParaRPr lang="en-US" dirty="0"/>
-          </a:p>
-        </p:txBody>
-      </p:sp>
-      <p:pic>
-        <p:nvPicPr>
-          <p:cNvPr id="6" name="Segnaposto contenuto 5"/>
-          <p:cNvPicPr>
-            <a:picLocks noGrp="1" noChangeAspect="1"/>
-          </p:cNvPicPr>
-          <p:nvPr>
-            <p:ph idx="1"/>
-          </p:nvPr>
-        </p:nvPicPr>
-        <p:blipFill>
-          <a:blip r:embed="rId2">
-            <a:extLst>
-              <a:ext uri="{28A0092B-C50C-407E-A947-70E740481C1C}">
-                <a14:useLocalDpi xmlns:a14="http://schemas.microsoft.com/office/drawing/2010/main" val="0"/>
-              </a:ext>
-            </a:extLst>
-          </a:blip>
-          <a:stretch>
-            <a:fillRect/>
-          </a:stretch>
-        </p:blipFill>
-        <p:spPr>
-          <a:xfrm>
-            <a:off x="2864572" y="2438399"/>
-            <a:ext cx="7035556" cy="2765066"/>
-          </a:xfrm>
-          <a:prstGeom prst="rect">
-            <a:avLst/>
-          </a:prstGeom>
-          <a:ln>
-            <a:noFill/>
-          </a:ln>
-          <a:effectLst>
-            <a:outerShdw blurRad="190500" algn="tl" rotWithShape="0">
-              <a:srgbClr val="000000">
-                <a:alpha val="70000"/>
-              </a:srgbClr>
-            </a:outerShdw>
-          </a:effectLst>
-        </p:spPr>
-      </p:pic>
-      <p:sp>
-        <p:nvSpPr>
-          <p:cNvPr id="7" name="CasellaDiTesto 6"/>
-          <p:cNvSpPr txBox="1"/>
-          <p:nvPr/>
-        </p:nvSpPr>
-        <p:spPr>
-          <a:xfrm>
-            <a:off x="2719236" y="5359179"/>
-            <a:ext cx="7548861" cy="369332"/>
-          </a:xfrm>
-          <a:prstGeom prst="rect">
-            <a:avLst/>
-          </a:prstGeom>
-          <a:noFill/>
-        </p:spPr>
-        <p:txBody>
-          <a:bodyPr wrap="none" rtlCol="0">
-            <a:spAutoFit/>
-          </a:bodyPr>
-          <a:lstStyle/>
-          <a:p>
-            <a:r>
-              <a:rPr lang="it-IT" dirty="0"/>
-              <a:t>Colui che riesce a esaurire tutte le carte che ha nella sua mano vince la partita.</a:t>
-            </a:r>
-            <a:endParaRPr lang="en-US" dirty="0"/>
-          </a:p>
-        </p:txBody>
-      </p:sp>
-      <p:pic>
-        <p:nvPicPr>
-          <p:cNvPr id="8" name="Immagine 7"/>
-          <p:cNvPicPr>
-            <a:picLocks noChangeAspect="1"/>
-          </p:cNvPicPr>
-          <p:nvPr/>
-        </p:nvPicPr>
-        <p:blipFill>
-          <a:blip r:embed="rId3" cstate="print">
-            <a:extLst>
-              <a:ext uri="{28A0092B-C50C-407E-A947-70E740481C1C}">
-                <a14:useLocalDpi xmlns:a14="http://schemas.microsoft.com/office/drawing/2010/main" val="0"/>
-              </a:ext>
-            </a:extLst>
-          </a:blip>
-          <a:stretch>
-            <a:fillRect/>
-          </a:stretch>
-        </p:blipFill>
-        <p:spPr>
-          <a:xfrm>
-            <a:off x="9991579" y="4993218"/>
-            <a:ext cx="718644" cy="1101254"/>
-          </a:xfrm>
-          <a:prstGeom prst="rect">
-            <a:avLst/>
-          </a:prstGeom>
-          <a:ln>
-            <a:noFill/>
-          </a:ln>
-          <a:effectLst>
-            <a:outerShdw blurRad="190500" algn="tl" rotWithShape="0">
-              <a:srgbClr val="000000">
-                <a:alpha val="70000"/>
-              </a:srgbClr>
-            </a:outerShdw>
-          </a:effectLst>
-        </p:spPr>
-      </p:pic>
-      <p:sp>
-        <p:nvSpPr>
-          <p:cNvPr id="9" name="Segnaposto numero diapositiva 8"/>
-          <p:cNvSpPr>
-            <a:spLocks noGrp="1"/>
-          </p:cNvSpPr>
-          <p:nvPr>
-            <p:ph type="sldNum" sz="quarter" idx="12"/>
-          </p:nvPr>
-        </p:nvSpPr>
-        <p:spPr/>
-        <p:txBody>
-          <a:bodyPr/>
-          <a:lstStyle/>
-          <a:p>
-            <a:fld id="{4D77BA81-331F-4EED-897C-BD146A682CF5}" type="slidenum">
-              <a:rPr lang="en-US" smtClean="0"/>
-              <a:t>2</a:t>
-            </a:fld>
-            <a:endParaRPr lang="en-US"/>
-          </a:p>
-        </p:txBody>
-      </p:sp>
-    </p:spTree>
-    <p:extLst>
-      <p:ext uri="{BB962C8B-B14F-4D97-AF65-F5344CB8AC3E}">
-        <p14:creationId xmlns:p14="http://schemas.microsoft.com/office/powerpoint/2010/main" val="2735783786"/>
-      </p:ext>
-    </p:extLst>
-  </p:cSld>
-  <p:clrMapOvr>
-    <a:masterClrMapping/>
-  </p:clrMapOvr>
-  <p:timing>
-    <p:tnLst>
-      <p:par>
-        <p:cTn id="1" dur="indefinite" restart="never" nodeType="tmRoot"/>
-      </p:par>
-    </p:tnLst>
-  </p:timing>
-</p:sld>
-</file>
-
-<file path=ppt/slides/slide3.xml><?xml version="1.0" encoding="utf-8"?>
-<p:sld xmlns:a="http://schemas.openxmlformats.org/drawingml/2006/main" xmlns:r="http://schemas.openxmlformats.org/officeDocument/2006/relationships" xmlns:p="http://schemas.openxmlformats.org/presentationml/2006/main">
-  <p:cSld>
-    <p:spTree>
-      <p:nvGrpSpPr>
-        <p:cNvPr id="1" name=""/>
-        <p:cNvGrpSpPr/>
-        <p:nvPr/>
-      </p:nvGrpSpPr>
-      <p:grpSpPr>
-        <a:xfrm>
-          <a:off x="0" y="0"/>
-          <a:ext cx="0" cy="0"/>
-          <a:chOff x="0" y="0"/>
-          <a:chExt cx="0" cy="0"/>
-        </a:xfrm>
-      </p:grpSpPr>
-      <p:sp>
-        <p:nvSpPr>
-          <p:cNvPr id="2" name="Titolo 1"/>
-          <p:cNvSpPr>
-            <a:spLocks noGrp="1"/>
-          </p:cNvSpPr>
-          <p:nvPr>
-            <p:ph type="title"/>
-          </p:nvPr>
-        </p:nvSpPr>
-        <p:spPr/>
-        <p:txBody>
-          <a:bodyPr/>
-          <a:lstStyle/>
-          <a:p>
-            <a:r>
-              <a:rPr lang="it-IT" dirty="0" smtClean="0"/>
-              <a:t>Implementazione</a:t>
-            </a:r>
-            <a:endParaRPr lang="en-US" dirty="0"/>
-          </a:p>
-        </p:txBody>
-      </p:sp>
-      <p:pic>
-        <p:nvPicPr>
-          <p:cNvPr id="4" name="Segnaposto contenuto 3"/>
-          <p:cNvPicPr>
-            <a:picLocks noGrp="1" noChangeAspect="1"/>
-          </p:cNvPicPr>
-          <p:nvPr>
-            <p:ph idx="1"/>
-          </p:nvPr>
-        </p:nvPicPr>
-        <p:blipFill>
-          <a:blip r:embed="rId2" cstate="print">
-            <a:extLst>
-              <a:ext uri="{28A0092B-C50C-407E-A947-70E740481C1C}">
-                <a14:useLocalDpi xmlns:a14="http://schemas.microsoft.com/office/drawing/2010/main" val="0"/>
-              </a:ext>
-            </a:extLst>
-          </a:blip>
-          <a:stretch>
-            <a:fillRect/>
-          </a:stretch>
-        </p:blipFill>
-        <p:spPr>
-          <a:xfrm>
-            <a:off x="2674920" y="2756519"/>
-            <a:ext cx="3121152" cy="2340864"/>
-          </a:xfrm>
-          <a:prstGeom prst="roundRect">
-            <a:avLst>
-              <a:gd name="adj" fmla="val 8594"/>
-            </a:avLst>
-          </a:prstGeom>
-          <a:solidFill>
-            <a:srgbClr val="FFFFFF">
-              <a:shade val="85000"/>
-            </a:srgbClr>
-          </a:solidFill>
-          <a:ln>
-            <a:noFill/>
-          </a:ln>
-          <a:effectLst>
-            <a:reflection blurRad="12700" stA="38000" endPos="28000" dist="5000" dir="5400000" sy="-100000" algn="bl" rotWithShape="0"/>
-          </a:effectLst>
-        </p:spPr>
-      </p:pic>
-      <p:sp>
-        <p:nvSpPr>
-          <p:cNvPr id="5" name="CasellaDiTesto 4"/>
-          <p:cNvSpPr txBox="1"/>
-          <p:nvPr/>
-        </p:nvSpPr>
-        <p:spPr>
-          <a:xfrm>
-            <a:off x="7052807" y="2838616"/>
-            <a:ext cx="1886029" cy="923330"/>
-          </a:xfrm>
-          <a:prstGeom prst="rect">
-            <a:avLst/>
-          </a:prstGeom>
-          <a:noFill/>
-        </p:spPr>
-        <p:txBody>
-          <a:bodyPr wrap="none" rtlCol="0">
-            <a:spAutoFit/>
-          </a:bodyPr>
-          <a:lstStyle/>
-          <a:p>
-            <a:r>
-              <a:rPr lang="it-IT" dirty="0" smtClean="0"/>
-              <a:t>Modalità di gioco</a:t>
-            </a:r>
-          </a:p>
-          <a:p>
-            <a:pPr marL="285750" indent="-285750">
-              <a:buFont typeface="Arial" panose="020B0604020202020204" pitchFamily="34" charset="0"/>
-              <a:buChar char="•"/>
-            </a:pPr>
-            <a:r>
-              <a:rPr lang="it-IT" dirty="0" smtClean="0"/>
-              <a:t>CPU vs CPU</a:t>
-            </a:r>
-          </a:p>
-          <a:p>
-            <a:pPr marL="285750" indent="-285750">
-              <a:buFont typeface="Arial" panose="020B0604020202020204" pitchFamily="34" charset="0"/>
-              <a:buChar char="•"/>
-            </a:pPr>
-            <a:r>
-              <a:rPr lang="it-IT" dirty="0" smtClean="0"/>
-              <a:t>Umano vs CPU</a:t>
-            </a:r>
-            <a:endParaRPr lang="en-US" dirty="0"/>
-          </a:p>
-        </p:txBody>
-      </p:sp>
-      <p:sp>
-        <p:nvSpPr>
-          <p:cNvPr id="6" name="CasellaDiTesto 5"/>
-          <p:cNvSpPr txBox="1"/>
-          <p:nvPr/>
-        </p:nvSpPr>
-        <p:spPr>
-          <a:xfrm>
-            <a:off x="7052807" y="4162163"/>
-            <a:ext cx="2417650" cy="1200329"/>
-          </a:xfrm>
-          <a:prstGeom prst="rect">
-            <a:avLst/>
-          </a:prstGeom>
-          <a:noFill/>
-        </p:spPr>
-        <p:txBody>
-          <a:bodyPr wrap="none" rtlCol="0">
-            <a:spAutoFit/>
-          </a:bodyPr>
-          <a:lstStyle/>
-          <a:p>
-            <a:r>
-              <a:rPr lang="it-IT" dirty="0" smtClean="0"/>
-              <a:t>Algoritmi implementati</a:t>
-            </a:r>
-          </a:p>
-          <a:p>
-            <a:pPr marL="285750" indent="-285750">
-              <a:buFont typeface="Arial" panose="020B0604020202020204" pitchFamily="34" charset="0"/>
-              <a:buChar char="•"/>
-            </a:pPr>
-            <a:r>
-              <a:rPr lang="it-IT" dirty="0" smtClean="0"/>
-              <a:t>Minimax</a:t>
-            </a:r>
-          </a:p>
-          <a:p>
-            <a:pPr marL="285750" indent="-285750">
-              <a:buFont typeface="Arial" panose="020B0604020202020204" pitchFamily="34" charset="0"/>
-              <a:buChar char="•"/>
-            </a:pPr>
-            <a:r>
-              <a:rPr lang="it-IT" dirty="0" smtClean="0"/>
-              <a:t>Potatura </a:t>
-            </a:r>
-            <a:r>
-              <a:rPr lang="el-GR" dirty="0" smtClean="0"/>
-              <a:t>α</a:t>
-            </a:r>
-            <a:r>
-              <a:rPr lang="it-IT" dirty="0" smtClean="0"/>
-              <a:t>-</a:t>
-            </a:r>
-            <a:r>
-              <a:rPr lang="el-GR" dirty="0" smtClean="0"/>
-              <a:t>β</a:t>
-            </a:r>
-            <a:endParaRPr lang="it-IT" dirty="0" smtClean="0"/>
-          </a:p>
-          <a:p>
-            <a:endParaRPr lang="en-US" dirty="0"/>
-          </a:p>
-        </p:txBody>
-      </p:sp>
-      <p:sp>
-        <p:nvSpPr>
-          <p:cNvPr id="7" name="Segnaposto numero diapositiva 6"/>
-          <p:cNvSpPr>
-            <a:spLocks noGrp="1"/>
-          </p:cNvSpPr>
-          <p:nvPr>
-            <p:ph type="sldNum" sz="quarter" idx="12"/>
-          </p:nvPr>
-        </p:nvSpPr>
-        <p:spPr/>
-        <p:txBody>
-          <a:bodyPr/>
-          <a:lstStyle/>
-          <a:p>
-            <a:fld id="{4D77BA81-331F-4EED-897C-BD146A682CF5}" type="slidenum">
-              <a:rPr lang="en-US" smtClean="0"/>
-              <a:t>3</a:t>
-            </a:fld>
-            <a:endParaRPr lang="en-US"/>
-          </a:p>
-        </p:txBody>
-      </p:sp>
-    </p:spTree>
-    <p:extLst>
-      <p:ext uri="{BB962C8B-B14F-4D97-AF65-F5344CB8AC3E}">
-        <p14:creationId xmlns:p14="http://schemas.microsoft.com/office/powerpoint/2010/main" val="2927818851"/>
-      </p:ext>
-    </p:extLst>
-  </p:cSld>
-  <p:clrMapOvr>
-    <a:masterClrMapping/>
-  </p:clrMapOvr>
-  <p:timing>
-    <p:tnLst>
-      <p:par>
-        <p:cTn id="1" dur="indefinite" restart="never" nodeType="tmRoot"/>
-      </p:par>
-    </p:tnLst>
-  </p:timing>
-</p:sld>
-</file>
-
-<file path=ppt/slides/slide4.xml><?xml version="1.0" encoding="utf-8"?>
-<p:sld xmlns:a="http://schemas.openxmlformats.org/drawingml/2006/main" xmlns:r="http://schemas.openxmlformats.org/officeDocument/2006/relationships" xmlns:p="http://schemas.openxmlformats.org/presentationml/2006/main">
-  <p:cSld>
-    <p:spTree>
-      <p:nvGrpSpPr>
-        <p:cNvPr id="1" name=""/>
-        <p:cNvGrpSpPr/>
-        <p:nvPr/>
-      </p:nvGrpSpPr>
-      <p:grpSpPr>
-        <a:xfrm>
-          <a:off x="0" y="0"/>
-          <a:ext cx="0" cy="0"/>
-          <a:chOff x="0" y="0"/>
-          <a:chExt cx="0" cy="0"/>
-        </a:xfrm>
-      </p:grpSpPr>
-      <p:sp>
-        <p:nvSpPr>
-          <p:cNvPr id="2" name="Titolo 1"/>
-          <p:cNvSpPr>
-            <a:spLocks noGrp="1"/>
-          </p:cNvSpPr>
-          <p:nvPr>
-            <p:ph type="title"/>
-          </p:nvPr>
-        </p:nvSpPr>
-        <p:spPr/>
-        <p:txBody>
-          <a:bodyPr/>
-          <a:lstStyle/>
-          <a:p>
-            <a:endParaRPr lang="en-US" dirty="0"/>
-          </a:p>
-        </p:txBody>
-      </p:sp>
-      <p:sp>
-        <p:nvSpPr>
-          <p:cNvPr id="3" name="Segnaposto contenuto 2"/>
-          <p:cNvSpPr>
-            <a:spLocks noGrp="1"/>
-          </p:cNvSpPr>
-          <p:nvPr>
-            <p:ph idx="1"/>
-          </p:nvPr>
-        </p:nvSpPr>
-        <p:spPr/>
-        <p:txBody>
-          <a:bodyPr/>
-          <a:lstStyle/>
-          <a:p>
-            <a:pPr marL="0" indent="0">
-              <a:buNone/>
-            </a:pPr>
-            <a:r>
-              <a:rPr lang="it-IT" dirty="0" smtClean="0"/>
-              <a:t>Qualche slide sull’interfaccia grafica</a:t>
-            </a:r>
-            <a:endParaRPr lang="en-US" dirty="0"/>
-          </a:p>
-        </p:txBody>
-      </p:sp>
-      <p:sp>
-        <p:nvSpPr>
-          <p:cNvPr id="4" name="Segnaposto numero diapositiva 3"/>
-          <p:cNvSpPr>
-            <a:spLocks noGrp="1"/>
-          </p:cNvSpPr>
-          <p:nvPr>
-            <p:ph type="sldNum" sz="quarter" idx="12"/>
-          </p:nvPr>
-        </p:nvSpPr>
-        <p:spPr/>
-        <p:txBody>
-          <a:bodyPr/>
-          <a:lstStyle/>
-          <a:p>
-            <a:fld id="{4D77BA81-331F-4EED-897C-BD146A682CF5}" type="slidenum">
-              <a:rPr lang="en-US" smtClean="0"/>
-              <a:t>4</a:t>
-            </a:fld>
-            <a:endParaRPr lang="en-US"/>
-          </a:p>
-        </p:txBody>
-      </p:sp>
-    </p:spTree>
-    <p:extLst>
-      <p:ext uri="{BB962C8B-B14F-4D97-AF65-F5344CB8AC3E}">
-        <p14:creationId xmlns:p14="http://schemas.microsoft.com/office/powerpoint/2010/main" val="2822934797"/>
-      </p:ext>
-    </p:extLst>
-  </p:cSld>
-  <p:clrMapOvr>
-    <a:masterClrMapping/>
-  </p:clrMapOvr>
-  <p:timing>
-    <p:tnLst>
-      <p:par>
-        <p:cTn id="1" dur="indefinite" restart="never" nodeType="tmRoot"/>
-      </p:par>
-    </p:tnLst>
-  </p:timing>
-</p:sld>
-</file>
-
-<file path=ppt/slides/slide5.xml><?xml version="1.0" encoding="utf-8"?>
-<p:sld xmlns:a="http://schemas.openxmlformats.org/drawingml/2006/main" xmlns:r="http://schemas.openxmlformats.org/officeDocument/2006/relationships" xmlns:p="http://schemas.openxmlformats.org/presentationml/2006/main">
-  <p:cSld>
-    <p:spTree>
-      <p:nvGrpSpPr>
-        <p:cNvPr id="1" name=""/>
-        <p:cNvGrpSpPr/>
-        <p:nvPr/>
-      </p:nvGrpSpPr>
-      <p:grpSpPr>
-        <a:xfrm>
-          <a:off x="0" y="0"/>
-          <a:ext cx="0" cy="0"/>
-          <a:chOff x="0" y="0"/>
-          <a:chExt cx="0" cy="0"/>
-        </a:xfrm>
-      </p:grpSpPr>
-      <p:sp>
-        <p:nvSpPr>
-          <p:cNvPr id="2" name="Titolo 1"/>
-          <p:cNvSpPr>
-            <a:spLocks noGrp="1"/>
-          </p:cNvSpPr>
-          <p:nvPr>
-            <p:ph type="title"/>
-          </p:nvPr>
-        </p:nvSpPr>
-        <p:spPr/>
-        <p:txBody>
-          <a:bodyPr/>
-          <a:lstStyle/>
-          <a:p>
-            <a:r>
-              <a:rPr lang="it-IT" dirty="0" smtClean="0"/>
-              <a:t>Logica</a:t>
-            </a:r>
-            <a:endParaRPr lang="en-US" dirty="0"/>
-          </a:p>
-        </p:txBody>
-      </p:sp>
-      <p:sp>
-        <p:nvSpPr>
-          <p:cNvPr id="3" name="Segnaposto contenuto 2"/>
-          <p:cNvSpPr>
-            <a:spLocks noGrp="1"/>
-          </p:cNvSpPr>
-          <p:nvPr>
-            <p:ph idx="1"/>
-          </p:nvPr>
-        </p:nvSpPr>
-        <p:spPr>
-          <a:xfrm>
-            <a:off x="2397453" y="2587486"/>
-            <a:ext cx="8192427" cy="3124201"/>
-          </a:xfrm>
-        </p:spPr>
-        <p:txBody>
-          <a:bodyPr/>
-          <a:lstStyle/>
-          <a:p>
-            <a:pPr marL="0" indent="0">
-              <a:buNone/>
-            </a:pPr>
-            <a:r>
-              <a:rPr lang="it-IT" dirty="0" smtClean="0"/>
-              <a:t>Cinque classi principali</a:t>
-            </a:r>
-          </a:p>
-          <a:p>
-            <a:pPr marL="457200" indent="-457200">
-              <a:buFont typeface="+mj-lt"/>
-              <a:buAutoNum type="arabicPeriod"/>
-            </a:pPr>
-            <a:r>
-              <a:rPr lang="it-IT" dirty="0" smtClean="0"/>
-              <a:t>Carta</a:t>
-            </a:r>
-          </a:p>
-          <a:p>
-            <a:pPr marL="457200" indent="-457200">
-              <a:buFont typeface="+mj-lt"/>
-              <a:buAutoNum type="arabicPeriod"/>
-            </a:pPr>
-            <a:r>
-              <a:rPr lang="it-IT" dirty="0" smtClean="0"/>
-              <a:t>Mazzo</a:t>
-            </a:r>
-          </a:p>
-          <a:p>
-            <a:pPr marL="457200" indent="-457200">
-              <a:buFont typeface="+mj-lt"/>
-              <a:buAutoNum type="arabicPeriod"/>
-            </a:pPr>
-            <a:r>
-              <a:rPr lang="it-IT" dirty="0" smtClean="0"/>
-              <a:t>Giocatore</a:t>
-            </a:r>
-          </a:p>
-          <a:p>
-            <a:pPr marL="457200" indent="-457200">
-              <a:buFont typeface="+mj-lt"/>
-              <a:buAutoNum type="arabicPeriod"/>
-            </a:pPr>
-            <a:r>
-              <a:rPr lang="it-IT" dirty="0" err="1" smtClean="0"/>
-              <a:t>GiocatoreCPU</a:t>
-            </a:r>
-            <a:endParaRPr lang="it-IT" dirty="0" smtClean="0"/>
-          </a:p>
-          <a:p>
-            <a:pPr marL="457200" indent="-457200">
-              <a:buFont typeface="+mj-lt"/>
-              <a:buAutoNum type="arabicPeriod"/>
-            </a:pPr>
-            <a:r>
-              <a:rPr lang="it-IT" dirty="0" err="1" smtClean="0"/>
-              <a:t>GiocoUNO</a:t>
-            </a:r>
-            <a:endParaRPr lang="en-US" dirty="0"/>
-          </a:p>
-        </p:txBody>
-      </p:sp>
-      <p:pic>
-        <p:nvPicPr>
-          <p:cNvPr id="4" name="Immagine 3"/>
-          <p:cNvPicPr>
-            <a:picLocks noChangeAspect="1"/>
-          </p:cNvPicPr>
-          <p:nvPr/>
-        </p:nvPicPr>
-        <p:blipFill>
-          <a:blip r:embed="rId2">
-            <a:extLst>
-              <a:ext uri="{28A0092B-C50C-407E-A947-70E740481C1C}">
-                <a14:useLocalDpi xmlns:a14="http://schemas.microsoft.com/office/drawing/2010/main" val="0"/>
-              </a:ext>
-            </a:extLst>
-          </a:blip>
-          <a:stretch>
-            <a:fillRect/>
-          </a:stretch>
-        </p:blipFill>
-        <p:spPr>
-          <a:xfrm>
-            <a:off x="7739270" y="2615647"/>
-            <a:ext cx="2454302" cy="3067878"/>
-          </a:xfrm>
-          <a:prstGeom prst="rect">
-            <a:avLst/>
-          </a:prstGeom>
-          <a:ln>
-            <a:noFill/>
-          </a:ln>
-          <a:effectLst>
-            <a:softEdge rad="112500"/>
-          </a:effectLst>
-        </p:spPr>
-      </p:pic>
-      <p:sp>
-        <p:nvSpPr>
-          <p:cNvPr id="5" name="Segnaposto numero diapositiva 4"/>
-          <p:cNvSpPr>
-            <a:spLocks noGrp="1"/>
-          </p:cNvSpPr>
-          <p:nvPr>
-            <p:ph type="sldNum" sz="quarter" idx="12"/>
-          </p:nvPr>
-        </p:nvSpPr>
-        <p:spPr/>
-        <p:txBody>
-          <a:bodyPr/>
-          <a:lstStyle/>
-          <a:p>
-            <a:fld id="{4D77BA81-331F-4EED-897C-BD146A682CF5}" type="slidenum">
-              <a:rPr lang="en-US" smtClean="0"/>
-              <a:t>5</a:t>
-            </a:fld>
-            <a:endParaRPr lang="en-US"/>
-          </a:p>
-        </p:txBody>
-      </p:sp>
-    </p:spTree>
-    <p:extLst>
-      <p:ext uri="{BB962C8B-B14F-4D97-AF65-F5344CB8AC3E}">
-        <p14:creationId xmlns:p14="http://schemas.microsoft.com/office/powerpoint/2010/main" val="276171257"/>
-      </p:ext>
-    </p:extLst>
-  </p:cSld>
-  <p:clrMapOvr>
-    <a:masterClrMapping/>
-  </p:clrMapOvr>
-  <p:timing>
-    <p:tnLst>
-      <p:par>
-        <p:cTn id="1" dur="indefinite" restart="never" nodeType="tmRoot"/>
-      </p:par>
-    </p:tnLst>
-  </p:timing>
-</p:sld>
-</file>
-
-<file path=ppt/slides/slide6.xml><?xml version="1.0" encoding="utf-8"?>
 <p:sld xmlns:a="http://schemas.openxmlformats.org/drawingml/2006/main" xmlns:r="http://schemas.openxmlformats.org/officeDocument/2006/relationships" xmlns:p="http://schemas.openxmlformats.org/presentationml/2006/main">
   <p:cSld>
     <p:spTree>
@@ -8183,7 +6899,7 @@
           <a:p>
             <a:fld id="{4D77BA81-331F-4EED-897C-BD146A682CF5}" type="slidenum">
               <a:rPr lang="en-US" smtClean="0"/>
-              <a:t>6</a:t>
+              <a:t>10</a:t>
             </a:fld>
             <a:endParaRPr lang="en-US"/>
           </a:p>
@@ -8202,14 +6918,14 @@
   <p:timing>
     <p:tnLst>
       <p:par>
-        <p:cTn id="1" dur="indefinite" restart="never" nodeType="tmRoot"/>
+        <p:cTn xmlns:p14="http://schemas.microsoft.com/office/powerpoint/2010/main" id="1" dur="indefinite" restart="never" nodeType="tmRoot"/>
       </p:par>
     </p:tnLst>
   </p:timing>
 </p:sld>
 </file>
 
-<file path=ppt/slides/slide7.xml><?xml version="1.0" encoding="utf-8"?>
+<file path=ppt/slides/slide11.xml><?xml version="1.0" encoding="utf-8"?>
 <p:sld xmlns:a="http://schemas.openxmlformats.org/drawingml/2006/main" xmlns:r="http://schemas.openxmlformats.org/officeDocument/2006/relationships" xmlns:p="http://schemas.openxmlformats.org/presentationml/2006/main">
   <p:cSld>
     <p:spTree>
@@ -8478,7 +7194,7 @@
           <a:p>
             <a:fld id="{4D77BA81-331F-4EED-897C-BD146A682CF5}" type="slidenum">
               <a:rPr lang="en-US" smtClean="0"/>
-              <a:t>7</a:t>
+              <a:t>11</a:t>
             </a:fld>
             <a:endParaRPr lang="en-US"/>
           </a:p>
@@ -8497,14 +7213,14 @@
   <p:timing>
     <p:tnLst>
       <p:par>
-        <p:cTn id="1" dur="indefinite" restart="never" nodeType="tmRoot"/>
+        <p:cTn xmlns:p14="http://schemas.microsoft.com/office/powerpoint/2010/main" id="1" dur="indefinite" restart="never" nodeType="tmRoot"/>
       </p:par>
     </p:tnLst>
   </p:timing>
 </p:sld>
 </file>
 
-<file path=ppt/slides/slide8.xml><?xml version="1.0" encoding="utf-8"?>
+<file path=ppt/slides/slide12.xml><?xml version="1.0" encoding="utf-8"?>
 <p:sld xmlns:a="http://schemas.openxmlformats.org/drawingml/2006/main" xmlns:r="http://schemas.openxmlformats.org/officeDocument/2006/relationships" xmlns:p="http://schemas.openxmlformats.org/presentationml/2006/main">
   <p:cSld>
     <p:spTree>
@@ -8816,7 +7532,7 @@
           <a:p>
             <a:fld id="{4D77BA81-331F-4EED-897C-BD146A682CF5}" type="slidenum">
               <a:rPr lang="en-US" smtClean="0"/>
-              <a:t>8</a:t>
+              <a:t>12</a:t>
             </a:fld>
             <a:endParaRPr lang="en-US"/>
           </a:p>
@@ -8835,14 +7551,14 @@
   <p:timing>
     <p:tnLst>
       <p:par>
-        <p:cTn id="1" dur="indefinite" restart="never" nodeType="tmRoot"/>
+        <p:cTn xmlns:p14="http://schemas.microsoft.com/office/powerpoint/2010/main" id="1" dur="indefinite" restart="never" nodeType="tmRoot"/>
       </p:par>
     </p:tnLst>
   </p:timing>
 </p:sld>
 </file>
 
-<file path=ppt/slides/slide9.xml><?xml version="1.0" encoding="utf-8"?>
+<file path=ppt/slides/slide13.xml><?xml version="1.0" encoding="utf-8"?>
 <p:sld xmlns:a="http://schemas.openxmlformats.org/drawingml/2006/main" xmlns:r="http://schemas.openxmlformats.org/officeDocument/2006/relationships" xmlns:p="http://schemas.openxmlformats.org/presentationml/2006/main">
   <p:cSld>
     <p:spTree>
@@ -8974,7 +7690,7 @@
           <a:p>
             <a:fld id="{4D77BA81-331F-4EED-897C-BD146A682CF5}" type="slidenum">
               <a:rPr lang="en-US" smtClean="0"/>
-              <a:t>9</a:t>
+              <a:t>13</a:t>
             </a:fld>
             <a:endParaRPr lang="en-US"/>
           </a:p>
@@ -9555,7 +8271,7 @@
   <p:timing>
     <p:tnLst>
       <p:par>
-        <p:cTn id="1" dur="indefinite" restart="never" nodeType="tmRoot">
+        <p:cTn xmlns:p14="http://schemas.microsoft.com/office/powerpoint/2010/main" id="1" dur="indefinite" restart="never" nodeType="tmRoot">
           <p:childTnLst>
             <p:seq concurrent="1" nextAc="seek">
               <p:cTn id="2" dur="indefinite" nodeType="mainSeq">
@@ -9641,6 +8357,2498 @@
 </p:sld>
 </file>
 
+<file path=ppt/slides/slide14.xml><?xml version="1.0" encoding="utf-8"?>
+<p:sld xmlns:a="http://schemas.openxmlformats.org/drawingml/2006/main" xmlns:r="http://schemas.openxmlformats.org/officeDocument/2006/relationships" xmlns:p="http://schemas.openxmlformats.org/presentationml/2006/main">
+  <p:cSld>
+    <p:spTree>
+      <p:nvGrpSpPr>
+        <p:cNvPr id="1" name=""/>
+        <p:cNvGrpSpPr/>
+        <p:nvPr/>
+      </p:nvGrpSpPr>
+      <p:grpSpPr>
+        <a:xfrm>
+          <a:off x="0" y="0"/>
+          <a:ext cx="0" cy="0"/>
+          <a:chOff x="0" y="0"/>
+          <a:chExt cx="0" cy="0"/>
+        </a:xfrm>
+      </p:grpSpPr>
+      <p:sp>
+        <p:nvSpPr>
+          <p:cNvPr id="2" name="Titolo 1"/>
+          <p:cNvSpPr>
+            <a:spLocks noGrp="1"/>
+          </p:cNvSpPr>
+          <p:nvPr>
+            <p:ph type="title"/>
+          </p:nvPr>
+        </p:nvSpPr>
+        <p:spPr/>
+        <p:txBody>
+          <a:bodyPr/>
+          <a:lstStyle/>
+          <a:p>
+            <a:r>
+              <a:rPr lang="it-IT" dirty="0" err="1" smtClean="0"/>
+              <a:t>GiocoUNO</a:t>
+            </a:r>
+            <a:endParaRPr lang="en-US" dirty="0"/>
+          </a:p>
+        </p:txBody>
+      </p:sp>
+      <p:pic>
+        <p:nvPicPr>
+          <p:cNvPr id="4" name="Segnaposto contenuto 3"/>
+          <p:cNvPicPr>
+            <a:picLocks noGrp="1" noChangeAspect="1"/>
+          </p:cNvPicPr>
+          <p:nvPr>
+            <p:ph idx="1"/>
+          </p:nvPr>
+        </p:nvPicPr>
+        <p:blipFill>
+          <a:blip r:embed="rId2">
+            <a:extLst>
+              <a:ext uri="{28A0092B-C50C-407E-A947-70E740481C1C}">
+                <a14:useLocalDpi xmlns:a14="http://schemas.microsoft.com/office/drawing/2010/main" val="0"/>
+              </a:ext>
+            </a:extLst>
+          </a:blip>
+          <a:stretch>
+            <a:fillRect/>
+          </a:stretch>
+        </p:blipFill>
+        <p:spPr>
+          <a:xfrm>
+            <a:off x="4207669" y="2709862"/>
+            <a:ext cx="4572000" cy="3038475"/>
+          </a:xfrm>
+          <a:prstGeom prst="rect">
+            <a:avLst/>
+          </a:prstGeom>
+          <a:ln w="88900" cap="sq" cmpd="thickThin">
+            <a:solidFill>
+              <a:srgbClr val="000000"/>
+            </a:solidFill>
+            <a:prstDash val="solid"/>
+            <a:miter lim="800000"/>
+          </a:ln>
+          <a:effectLst>
+            <a:innerShdw blurRad="76200">
+              <a:srgbClr val="000000"/>
+            </a:innerShdw>
+          </a:effectLst>
+        </p:spPr>
+      </p:pic>
+      <p:sp>
+        <p:nvSpPr>
+          <p:cNvPr id="5" name="Segnaposto numero diapositiva 4"/>
+          <p:cNvSpPr>
+            <a:spLocks noGrp="1"/>
+          </p:cNvSpPr>
+          <p:nvPr>
+            <p:ph type="sldNum" sz="quarter" idx="12"/>
+          </p:nvPr>
+        </p:nvSpPr>
+        <p:spPr/>
+        <p:txBody>
+          <a:bodyPr/>
+          <a:lstStyle/>
+          <a:p>
+            <a:fld id="{4D77BA81-331F-4EED-897C-BD146A682CF5}" type="slidenum">
+              <a:rPr lang="en-US" smtClean="0"/>
+              <a:t>14</a:t>
+            </a:fld>
+            <a:endParaRPr lang="en-US"/>
+          </a:p>
+        </p:txBody>
+      </p:sp>
+    </p:spTree>
+    <p:extLst>
+      <p:ext uri="{BB962C8B-B14F-4D97-AF65-F5344CB8AC3E}">
+        <p14:creationId xmlns:p14="http://schemas.microsoft.com/office/powerpoint/2010/main" val="559244443"/>
+      </p:ext>
+    </p:extLst>
+  </p:cSld>
+  <p:clrMapOvr>
+    <a:masterClrMapping/>
+  </p:clrMapOvr>
+  <p:timing>
+    <p:tnLst>
+      <p:par>
+        <p:cTn xmlns:p14="http://schemas.microsoft.com/office/powerpoint/2010/main" id="1" dur="indefinite" restart="never" nodeType="tmRoot"/>
+      </p:par>
+    </p:tnLst>
+  </p:timing>
+</p:sld>
+</file>
+
+<file path=ppt/slides/slide15.xml><?xml version="1.0" encoding="utf-8"?>
+<p:sld xmlns:a="http://schemas.openxmlformats.org/drawingml/2006/main" xmlns:r="http://schemas.openxmlformats.org/officeDocument/2006/relationships" xmlns:p="http://schemas.openxmlformats.org/presentationml/2006/main">
+  <p:cSld>
+    <p:spTree>
+      <p:nvGrpSpPr>
+        <p:cNvPr id="1" name=""/>
+        <p:cNvGrpSpPr/>
+        <p:nvPr/>
+      </p:nvGrpSpPr>
+      <p:grpSpPr>
+        <a:xfrm>
+          <a:off x="0" y="0"/>
+          <a:ext cx="0" cy="0"/>
+          <a:chOff x="0" y="0"/>
+          <a:chExt cx="0" cy="0"/>
+        </a:xfrm>
+      </p:grpSpPr>
+      <p:pic>
+        <p:nvPicPr>
+          <p:cNvPr id="4" name="Segnaposto contenuto 3"/>
+          <p:cNvPicPr>
+            <a:picLocks noGrp="1" noChangeAspect="1"/>
+          </p:cNvPicPr>
+          <p:nvPr>
+            <p:ph idx="1"/>
+          </p:nvPr>
+        </p:nvPicPr>
+        <p:blipFill>
+          <a:blip r:embed="rId2">
+            <a:extLst>
+              <a:ext uri="{28A0092B-C50C-407E-A947-70E740481C1C}">
+                <a14:useLocalDpi xmlns:a14="http://schemas.microsoft.com/office/drawing/2010/main" val="0"/>
+              </a:ext>
+            </a:extLst>
+          </a:blip>
+          <a:stretch>
+            <a:fillRect/>
+          </a:stretch>
+        </p:blipFill>
+        <p:spPr>
+          <a:xfrm>
+            <a:off x="1359780" y="2434081"/>
+            <a:ext cx="4901761" cy="3124200"/>
+          </a:xfrm>
+          <a:prstGeom prst="roundRect">
+            <a:avLst>
+              <a:gd name="adj" fmla="val 8594"/>
+            </a:avLst>
+          </a:prstGeom>
+          <a:solidFill>
+            <a:srgbClr val="FFFFFF">
+              <a:shade val="85000"/>
+            </a:srgbClr>
+          </a:solidFill>
+          <a:ln>
+            <a:noFill/>
+          </a:ln>
+          <a:effectLst>
+            <a:reflection blurRad="12700" stA="38000" endPos="28000" dist="5000" dir="5400000" sy="-100000" algn="bl" rotWithShape="0"/>
+          </a:effectLst>
+        </p:spPr>
+      </p:pic>
+      <p:sp>
+        <p:nvSpPr>
+          <p:cNvPr id="6" name="Titolo 1"/>
+          <p:cNvSpPr txBox="1">
+            <a:spLocks/>
+          </p:cNvSpPr>
+          <p:nvPr/>
+        </p:nvSpPr>
+        <p:spPr>
+          <a:xfrm>
+            <a:off x="1484310" y="685800"/>
+            <a:ext cx="10018713" cy="1752599"/>
+          </a:xfrm>
+          <a:prstGeom prst="rect">
+            <a:avLst/>
+          </a:prstGeom>
+          <a:effectLst/>
+        </p:spPr>
+        <p:txBody>
+          <a:bodyPr vert="horz" lIns="91440" tIns="45720" rIns="91440" bIns="45720" rtlCol="0" anchor="ctr">
+            <a:normAutofit/>
+          </a:bodyPr>
+          <a:lstStyle>
+            <a:lvl1pPr algn="ctr" defTabSz="457200" rtl="0" eaLnBrk="1" latinLnBrk="0" hangingPunct="1">
+              <a:spcBef>
+                <a:spcPct val="0"/>
+              </a:spcBef>
+              <a:buNone/>
+              <a:defRPr sz="4000" kern="1200" cap="none">
+                <a:ln w="3175" cmpd="sng">
+                  <a:noFill/>
+                </a:ln>
+                <a:solidFill>
+                  <a:schemeClr val="tx1"/>
+                </a:solidFill>
+                <a:effectLst/>
+                <a:latin typeface="+mj-lt"/>
+                <a:ea typeface="+mj-ea"/>
+                <a:cs typeface="+mj-cs"/>
+              </a:defRPr>
+            </a:lvl1pPr>
+            <a:lvl2pPr eaLnBrk="1" hangingPunct="1">
+              <a:defRPr>
+                <a:solidFill>
+                  <a:schemeClr val="tx2"/>
+                </a:solidFill>
+              </a:defRPr>
+            </a:lvl2pPr>
+            <a:lvl3pPr eaLnBrk="1" hangingPunct="1">
+              <a:defRPr>
+                <a:solidFill>
+                  <a:schemeClr val="tx2"/>
+                </a:solidFill>
+              </a:defRPr>
+            </a:lvl3pPr>
+            <a:lvl4pPr eaLnBrk="1" hangingPunct="1">
+              <a:defRPr>
+                <a:solidFill>
+                  <a:schemeClr val="tx2"/>
+                </a:solidFill>
+              </a:defRPr>
+            </a:lvl4pPr>
+            <a:lvl5pPr eaLnBrk="1" hangingPunct="1">
+              <a:defRPr>
+                <a:solidFill>
+                  <a:schemeClr val="tx2"/>
+                </a:solidFill>
+              </a:defRPr>
+            </a:lvl5pPr>
+            <a:lvl6pPr eaLnBrk="1" hangingPunct="1">
+              <a:defRPr>
+                <a:solidFill>
+                  <a:schemeClr val="tx2"/>
+                </a:solidFill>
+              </a:defRPr>
+            </a:lvl6pPr>
+            <a:lvl7pPr eaLnBrk="1" hangingPunct="1">
+              <a:defRPr>
+                <a:solidFill>
+                  <a:schemeClr val="tx2"/>
+                </a:solidFill>
+              </a:defRPr>
+            </a:lvl7pPr>
+            <a:lvl8pPr eaLnBrk="1" hangingPunct="1">
+              <a:defRPr>
+                <a:solidFill>
+                  <a:schemeClr val="tx2"/>
+                </a:solidFill>
+              </a:defRPr>
+            </a:lvl8pPr>
+            <a:lvl9pPr eaLnBrk="1" hangingPunct="1">
+              <a:defRPr>
+                <a:solidFill>
+                  <a:schemeClr val="tx2"/>
+                </a:solidFill>
+              </a:defRPr>
+            </a:lvl9pPr>
+          </a:lstStyle>
+          <a:p>
+            <a:r>
+              <a:rPr lang="it-IT" dirty="0" smtClean="0"/>
+              <a:t>Risultati</a:t>
+            </a:r>
+            <a:endParaRPr lang="en-US" dirty="0"/>
+          </a:p>
+        </p:txBody>
+      </p:sp>
+      <p:pic>
+        <p:nvPicPr>
+          <p:cNvPr id="7" name="Immagine 6"/>
+          <p:cNvPicPr>
+            <a:picLocks noChangeAspect="1"/>
+          </p:cNvPicPr>
+          <p:nvPr/>
+        </p:nvPicPr>
+        <p:blipFill>
+          <a:blip r:embed="rId3">
+            <a:extLst>
+              <a:ext uri="{28A0092B-C50C-407E-A947-70E740481C1C}">
+                <a14:useLocalDpi xmlns:a14="http://schemas.microsoft.com/office/drawing/2010/main" val="0"/>
+              </a:ext>
+            </a:extLst>
+          </a:blip>
+          <a:stretch>
+            <a:fillRect/>
+          </a:stretch>
+        </p:blipFill>
+        <p:spPr>
+          <a:xfrm>
+            <a:off x="6261542" y="2438399"/>
+            <a:ext cx="5858896" cy="3119882"/>
+          </a:xfrm>
+          <a:prstGeom prst="roundRect">
+            <a:avLst>
+              <a:gd name="adj" fmla="val 8594"/>
+            </a:avLst>
+          </a:prstGeom>
+          <a:solidFill>
+            <a:srgbClr val="FFFFFF">
+              <a:shade val="85000"/>
+            </a:srgbClr>
+          </a:solidFill>
+          <a:ln>
+            <a:noFill/>
+          </a:ln>
+          <a:effectLst>
+            <a:reflection blurRad="12700" stA="38000" endPos="28000" dist="5000" dir="5400000" sy="-100000" algn="bl" rotWithShape="0"/>
+          </a:effectLst>
+        </p:spPr>
+      </p:pic>
+      <p:sp>
+        <p:nvSpPr>
+          <p:cNvPr id="8" name="CasellaDiTesto 7"/>
+          <p:cNvSpPr txBox="1"/>
+          <p:nvPr/>
+        </p:nvSpPr>
+        <p:spPr>
+          <a:xfrm>
+            <a:off x="5109312" y="5701085"/>
+            <a:ext cx="2768707" cy="369332"/>
+          </a:xfrm>
+          <a:prstGeom prst="rect">
+            <a:avLst/>
+          </a:prstGeom>
+          <a:noFill/>
+        </p:spPr>
+        <p:txBody>
+          <a:bodyPr wrap="none" rtlCol="0">
+            <a:spAutoFit/>
+          </a:bodyPr>
+          <a:lstStyle/>
+          <a:p>
+            <a:r>
+              <a:rPr lang="it-IT" dirty="0" smtClean="0"/>
+              <a:t>30 misurazioni per versione</a:t>
+            </a:r>
+            <a:endParaRPr lang="en-US" dirty="0"/>
+          </a:p>
+        </p:txBody>
+      </p:sp>
+      <p:sp>
+        <p:nvSpPr>
+          <p:cNvPr id="10" name="Segnaposto numero diapositiva 9"/>
+          <p:cNvSpPr>
+            <a:spLocks noGrp="1"/>
+          </p:cNvSpPr>
+          <p:nvPr>
+            <p:ph type="sldNum" sz="quarter" idx="12"/>
+          </p:nvPr>
+        </p:nvSpPr>
+        <p:spPr/>
+        <p:txBody>
+          <a:bodyPr/>
+          <a:lstStyle/>
+          <a:p>
+            <a:fld id="{4D77BA81-331F-4EED-897C-BD146A682CF5}" type="slidenum">
+              <a:rPr lang="en-US" smtClean="0"/>
+              <a:t>15</a:t>
+            </a:fld>
+            <a:endParaRPr lang="en-US"/>
+          </a:p>
+        </p:txBody>
+      </p:sp>
+    </p:spTree>
+    <p:extLst>
+      <p:ext uri="{BB962C8B-B14F-4D97-AF65-F5344CB8AC3E}">
+        <p14:creationId xmlns:p14="http://schemas.microsoft.com/office/powerpoint/2010/main" val="1447674571"/>
+      </p:ext>
+    </p:extLst>
+  </p:cSld>
+  <p:clrMapOvr>
+    <a:masterClrMapping/>
+  </p:clrMapOvr>
+  <p:timing>
+    <p:tnLst>
+      <p:par>
+        <p:cTn xmlns:p14="http://schemas.microsoft.com/office/powerpoint/2010/main" id="1" dur="indefinite" restart="never" nodeType="tmRoot"/>
+      </p:par>
+    </p:tnLst>
+  </p:timing>
+</p:sld>
+</file>
+
+<file path=ppt/slides/slide16.xml><?xml version="1.0" encoding="utf-8"?>
+<p:sld xmlns:a="http://schemas.openxmlformats.org/drawingml/2006/main" xmlns:r="http://schemas.openxmlformats.org/officeDocument/2006/relationships" xmlns:p="http://schemas.openxmlformats.org/presentationml/2006/main">
+  <p:cSld>
+    <p:spTree>
+      <p:nvGrpSpPr>
+        <p:cNvPr id="1" name=""/>
+        <p:cNvGrpSpPr/>
+        <p:nvPr/>
+      </p:nvGrpSpPr>
+      <p:grpSpPr>
+        <a:xfrm>
+          <a:off x="0" y="0"/>
+          <a:ext cx="0" cy="0"/>
+          <a:chOff x="0" y="0"/>
+          <a:chExt cx="0" cy="0"/>
+        </a:xfrm>
+      </p:grpSpPr>
+      <p:sp>
+        <p:nvSpPr>
+          <p:cNvPr id="2" name="Titolo 1"/>
+          <p:cNvSpPr>
+            <a:spLocks noGrp="1"/>
+          </p:cNvSpPr>
+          <p:nvPr>
+            <p:ph type="title"/>
+          </p:nvPr>
+        </p:nvSpPr>
+        <p:spPr>
+          <a:xfrm>
+            <a:off x="1484311" y="685800"/>
+            <a:ext cx="10018713" cy="538701"/>
+          </a:xfrm>
+        </p:spPr>
+        <p:txBody>
+          <a:bodyPr>
+            <a:normAutofit fontScale="90000"/>
+          </a:bodyPr>
+          <a:lstStyle/>
+          <a:p>
+            <a:r>
+              <a:rPr lang="it-IT" dirty="0" smtClean="0"/>
+              <a:t>Confronto</a:t>
+            </a:r>
+            <a:endParaRPr lang="en-US" dirty="0"/>
+          </a:p>
+        </p:txBody>
+      </p:sp>
+      <p:pic>
+        <p:nvPicPr>
+          <p:cNvPr id="4" name="Segnaposto contenuto 3"/>
+          <p:cNvPicPr>
+            <a:picLocks noGrp="1" noChangeAspect="1"/>
+          </p:cNvPicPr>
+          <p:nvPr>
+            <p:ph idx="1"/>
+          </p:nvPr>
+        </p:nvPicPr>
+        <p:blipFill>
+          <a:blip r:embed="rId3" cstate="print">
+            <a:extLst>
+              <a:ext uri="{28A0092B-C50C-407E-A947-70E740481C1C}">
+                <a14:useLocalDpi xmlns:a14="http://schemas.microsoft.com/office/drawing/2010/main" val="0"/>
+              </a:ext>
+            </a:extLst>
+          </a:blip>
+          <a:stretch>
+            <a:fillRect/>
+          </a:stretch>
+        </p:blipFill>
+        <p:spPr>
+          <a:xfrm>
+            <a:off x="4296558" y="1224501"/>
+            <a:ext cx="4394218" cy="5505774"/>
+          </a:xfrm>
+          <a:prstGeom prst="rect">
+            <a:avLst/>
+          </a:prstGeom>
+          <a:ln>
+            <a:noFill/>
+          </a:ln>
+          <a:effectLst>
+            <a:outerShdw blurRad="292100" dist="139700" dir="2700000" algn="tl" rotWithShape="0">
+              <a:srgbClr val="333333">
+                <a:alpha val="65000"/>
+              </a:srgbClr>
+            </a:outerShdw>
+          </a:effectLst>
+        </p:spPr>
+      </p:pic>
+      <p:sp>
+        <p:nvSpPr>
+          <p:cNvPr id="5" name="Segnaposto numero diapositiva 4"/>
+          <p:cNvSpPr>
+            <a:spLocks noGrp="1"/>
+          </p:cNvSpPr>
+          <p:nvPr>
+            <p:ph type="sldNum" sz="quarter" idx="12"/>
+          </p:nvPr>
+        </p:nvSpPr>
+        <p:spPr/>
+        <p:txBody>
+          <a:bodyPr/>
+          <a:lstStyle/>
+          <a:p>
+            <a:fld id="{4D77BA81-331F-4EED-897C-BD146A682CF5}" type="slidenum">
+              <a:rPr lang="en-US" smtClean="0"/>
+              <a:t>16</a:t>
+            </a:fld>
+            <a:endParaRPr lang="en-US"/>
+          </a:p>
+        </p:txBody>
+      </p:sp>
+    </p:spTree>
+    <p:extLst>
+      <p:ext uri="{BB962C8B-B14F-4D97-AF65-F5344CB8AC3E}">
+        <p14:creationId xmlns:p14="http://schemas.microsoft.com/office/powerpoint/2010/main" val="199973114"/>
+      </p:ext>
+    </p:extLst>
+  </p:cSld>
+  <p:clrMapOvr>
+    <a:masterClrMapping/>
+  </p:clrMapOvr>
+  <p:timing>
+    <p:tnLst>
+      <p:par>
+        <p:cTn xmlns:p14="http://schemas.microsoft.com/office/powerpoint/2010/main" id="1" dur="indefinite" restart="never" nodeType="tmRoot"/>
+      </p:par>
+    </p:tnLst>
+  </p:timing>
+</p:sld>
+</file>
+
+<file path=ppt/slides/slide2.xml><?xml version="1.0" encoding="utf-8"?>
+<p:sld xmlns:a="http://schemas.openxmlformats.org/drawingml/2006/main" xmlns:r="http://schemas.openxmlformats.org/officeDocument/2006/relationships" xmlns:p="http://schemas.openxmlformats.org/presentationml/2006/main">
+  <p:cSld>
+    <p:spTree>
+      <p:nvGrpSpPr>
+        <p:cNvPr id="1" name=""/>
+        <p:cNvGrpSpPr/>
+        <p:nvPr/>
+      </p:nvGrpSpPr>
+      <p:grpSpPr>
+        <a:xfrm>
+          <a:off x="0" y="0"/>
+          <a:ext cx="0" cy="0"/>
+          <a:chOff x="0" y="0"/>
+          <a:chExt cx="0" cy="0"/>
+        </a:xfrm>
+      </p:grpSpPr>
+      <p:sp>
+        <p:nvSpPr>
+          <p:cNvPr id="2" name="Titolo 1"/>
+          <p:cNvSpPr>
+            <a:spLocks noGrp="1"/>
+          </p:cNvSpPr>
+          <p:nvPr>
+            <p:ph type="title"/>
+          </p:nvPr>
+        </p:nvSpPr>
+        <p:spPr/>
+        <p:txBody>
+          <a:bodyPr/>
+          <a:lstStyle/>
+          <a:p>
+            <a:r>
+              <a:rPr lang="it-IT" b="1" dirty="0"/>
+              <a:t>Il Gioco di carte UNO</a:t>
+            </a:r>
+            <a:endParaRPr lang="en-US" dirty="0"/>
+          </a:p>
+        </p:txBody>
+      </p:sp>
+      <p:pic>
+        <p:nvPicPr>
+          <p:cNvPr id="6" name="Segnaposto contenuto 5"/>
+          <p:cNvPicPr>
+            <a:picLocks noGrp="1" noChangeAspect="1"/>
+          </p:cNvPicPr>
+          <p:nvPr>
+            <p:ph idx="1"/>
+          </p:nvPr>
+        </p:nvPicPr>
+        <p:blipFill>
+          <a:blip r:embed="rId2">
+            <a:extLst>
+              <a:ext uri="{28A0092B-C50C-407E-A947-70E740481C1C}">
+                <a14:useLocalDpi xmlns:a14="http://schemas.microsoft.com/office/drawing/2010/main" val="0"/>
+              </a:ext>
+            </a:extLst>
+          </a:blip>
+          <a:stretch>
+            <a:fillRect/>
+          </a:stretch>
+        </p:blipFill>
+        <p:spPr>
+          <a:xfrm>
+            <a:off x="2864572" y="2438399"/>
+            <a:ext cx="7035556" cy="2765066"/>
+          </a:xfrm>
+          <a:prstGeom prst="rect">
+            <a:avLst/>
+          </a:prstGeom>
+          <a:ln>
+            <a:noFill/>
+          </a:ln>
+          <a:effectLst>
+            <a:outerShdw blurRad="190500" algn="tl" rotWithShape="0">
+              <a:srgbClr val="000000">
+                <a:alpha val="70000"/>
+              </a:srgbClr>
+            </a:outerShdw>
+          </a:effectLst>
+        </p:spPr>
+      </p:pic>
+      <p:sp>
+        <p:nvSpPr>
+          <p:cNvPr id="7" name="CasellaDiTesto 6"/>
+          <p:cNvSpPr txBox="1"/>
+          <p:nvPr/>
+        </p:nvSpPr>
+        <p:spPr>
+          <a:xfrm>
+            <a:off x="2719236" y="5359179"/>
+            <a:ext cx="7548861" cy="369332"/>
+          </a:xfrm>
+          <a:prstGeom prst="rect">
+            <a:avLst/>
+          </a:prstGeom>
+          <a:noFill/>
+        </p:spPr>
+        <p:txBody>
+          <a:bodyPr wrap="none" rtlCol="0">
+            <a:spAutoFit/>
+          </a:bodyPr>
+          <a:lstStyle/>
+          <a:p>
+            <a:r>
+              <a:rPr lang="it-IT" dirty="0"/>
+              <a:t>Colui che riesce a esaurire tutte le carte che ha nella sua mano vince la partita.</a:t>
+            </a:r>
+            <a:endParaRPr lang="en-US" dirty="0"/>
+          </a:p>
+        </p:txBody>
+      </p:sp>
+      <p:pic>
+        <p:nvPicPr>
+          <p:cNvPr id="8" name="Immagine 7"/>
+          <p:cNvPicPr>
+            <a:picLocks noChangeAspect="1"/>
+          </p:cNvPicPr>
+          <p:nvPr/>
+        </p:nvPicPr>
+        <p:blipFill>
+          <a:blip r:embed="rId3" cstate="print">
+            <a:extLst>
+              <a:ext uri="{28A0092B-C50C-407E-A947-70E740481C1C}">
+                <a14:useLocalDpi xmlns:a14="http://schemas.microsoft.com/office/drawing/2010/main" val="0"/>
+              </a:ext>
+            </a:extLst>
+          </a:blip>
+          <a:stretch>
+            <a:fillRect/>
+          </a:stretch>
+        </p:blipFill>
+        <p:spPr>
+          <a:xfrm>
+            <a:off x="9991579" y="4993218"/>
+            <a:ext cx="718644" cy="1101254"/>
+          </a:xfrm>
+          <a:prstGeom prst="rect">
+            <a:avLst/>
+          </a:prstGeom>
+          <a:ln>
+            <a:noFill/>
+          </a:ln>
+          <a:effectLst>
+            <a:outerShdw blurRad="190500" algn="tl" rotWithShape="0">
+              <a:srgbClr val="000000">
+                <a:alpha val="70000"/>
+              </a:srgbClr>
+            </a:outerShdw>
+          </a:effectLst>
+        </p:spPr>
+      </p:pic>
+      <p:sp>
+        <p:nvSpPr>
+          <p:cNvPr id="9" name="Segnaposto numero diapositiva 8"/>
+          <p:cNvSpPr>
+            <a:spLocks noGrp="1"/>
+          </p:cNvSpPr>
+          <p:nvPr>
+            <p:ph type="sldNum" sz="quarter" idx="12"/>
+          </p:nvPr>
+        </p:nvSpPr>
+        <p:spPr/>
+        <p:txBody>
+          <a:bodyPr/>
+          <a:lstStyle/>
+          <a:p>
+            <a:fld id="{4D77BA81-331F-4EED-897C-BD146A682CF5}" type="slidenum">
+              <a:rPr lang="en-US" smtClean="0"/>
+              <a:t>2</a:t>
+            </a:fld>
+            <a:endParaRPr lang="en-US"/>
+          </a:p>
+        </p:txBody>
+      </p:sp>
+    </p:spTree>
+    <p:extLst>
+      <p:ext uri="{BB962C8B-B14F-4D97-AF65-F5344CB8AC3E}">
+        <p14:creationId xmlns:p14="http://schemas.microsoft.com/office/powerpoint/2010/main" val="2735783786"/>
+      </p:ext>
+    </p:extLst>
+  </p:cSld>
+  <p:clrMapOvr>
+    <a:masterClrMapping/>
+  </p:clrMapOvr>
+  <p:timing>
+    <p:tnLst>
+      <p:par>
+        <p:cTn xmlns:p14="http://schemas.microsoft.com/office/powerpoint/2010/main" id="1" dur="indefinite" restart="never" nodeType="tmRoot"/>
+      </p:par>
+    </p:tnLst>
+  </p:timing>
+</p:sld>
+</file>
+
+<file path=ppt/slides/slide3.xml><?xml version="1.0" encoding="utf-8"?>
+<p:sld xmlns:a="http://schemas.openxmlformats.org/drawingml/2006/main" xmlns:r="http://schemas.openxmlformats.org/officeDocument/2006/relationships" xmlns:p="http://schemas.openxmlformats.org/presentationml/2006/main">
+  <p:cSld>
+    <p:spTree>
+      <p:nvGrpSpPr>
+        <p:cNvPr id="1" name=""/>
+        <p:cNvGrpSpPr/>
+        <p:nvPr/>
+      </p:nvGrpSpPr>
+      <p:grpSpPr>
+        <a:xfrm>
+          <a:off x="0" y="0"/>
+          <a:ext cx="0" cy="0"/>
+          <a:chOff x="0" y="0"/>
+          <a:chExt cx="0" cy="0"/>
+        </a:xfrm>
+      </p:grpSpPr>
+      <p:sp>
+        <p:nvSpPr>
+          <p:cNvPr id="2" name="Title 1"/>
+          <p:cNvSpPr>
+            <a:spLocks noGrp="1"/>
+          </p:cNvSpPr>
+          <p:nvPr>
+            <p:ph type="title"/>
+          </p:nvPr>
+        </p:nvSpPr>
+        <p:spPr>
+          <a:xfrm>
+            <a:off x="1484311" y="685800"/>
+            <a:ext cx="10018713" cy="1043043"/>
+          </a:xfrm>
+        </p:spPr>
+        <p:txBody>
+          <a:bodyPr/>
+          <a:lstStyle/>
+          <a:p>
+            <a:r>
+              <a:rPr lang="en-US" dirty="0" smtClean="0"/>
+              <a:t>Le carte di UNO</a:t>
+            </a:r>
+            <a:endParaRPr lang="en-US" dirty="0"/>
+          </a:p>
+        </p:txBody>
+      </p:sp>
+      <p:sp>
+        <p:nvSpPr>
+          <p:cNvPr id="3" name="Content Placeholder 2"/>
+          <p:cNvSpPr>
+            <a:spLocks noGrp="1"/>
+          </p:cNvSpPr>
+          <p:nvPr>
+            <p:ph idx="1"/>
+          </p:nvPr>
+        </p:nvSpPr>
+        <p:spPr>
+          <a:xfrm>
+            <a:off x="1484310" y="2524417"/>
+            <a:ext cx="10018713" cy="3266784"/>
+          </a:xfrm>
+        </p:spPr>
+        <p:txBody>
+          <a:bodyPr/>
+          <a:lstStyle/>
+          <a:p>
+            <a:r>
+              <a:rPr lang="en-US" dirty="0" smtClean="0"/>
+              <a:t>Carte </a:t>
+            </a:r>
+            <a:r>
+              <a:rPr lang="en-US" dirty="0" err="1" smtClean="0"/>
+              <a:t>numero</a:t>
+            </a:r>
+            <a:endParaRPr lang="en-US" dirty="0" smtClean="0"/>
+          </a:p>
+          <a:p>
+            <a:r>
+              <a:rPr lang="en-US" dirty="0" err="1" smtClean="0"/>
+              <a:t>Carta</a:t>
+            </a:r>
+            <a:r>
+              <a:rPr lang="en-US" dirty="0" smtClean="0"/>
+              <a:t> Jolly </a:t>
+            </a:r>
+            <a:r>
+              <a:rPr lang="en-US" dirty="0" err="1" smtClean="0"/>
+              <a:t>Inverti</a:t>
+            </a:r>
+            <a:r>
+              <a:rPr lang="en-US" dirty="0" smtClean="0"/>
+              <a:t> </a:t>
+            </a:r>
+            <a:r>
+              <a:rPr lang="en-US" dirty="0" err="1" smtClean="0"/>
+              <a:t>giro</a:t>
+            </a:r>
+            <a:endParaRPr lang="en-US" dirty="0" smtClean="0"/>
+          </a:p>
+          <a:p>
+            <a:r>
+              <a:rPr lang="en-US" dirty="0" err="1" smtClean="0"/>
+              <a:t>Carta</a:t>
+            </a:r>
+            <a:r>
+              <a:rPr lang="en-US" dirty="0" smtClean="0"/>
+              <a:t> Jolly Stop</a:t>
+            </a:r>
+          </a:p>
+          <a:p>
+            <a:r>
+              <a:rPr lang="en-US" dirty="0" err="1" smtClean="0"/>
+              <a:t>Carta</a:t>
+            </a:r>
+            <a:r>
+              <a:rPr lang="en-US" dirty="0" smtClean="0"/>
+              <a:t> Jolly +2</a:t>
+            </a:r>
+          </a:p>
+          <a:p>
+            <a:r>
+              <a:rPr lang="en-US" dirty="0" err="1" smtClean="0"/>
+              <a:t>Carta</a:t>
+            </a:r>
+            <a:r>
+              <a:rPr lang="en-US" dirty="0" smtClean="0"/>
+              <a:t> Jolly +4 cambia </a:t>
+            </a:r>
+            <a:r>
+              <a:rPr lang="en-US" dirty="0" err="1" smtClean="0"/>
+              <a:t>colore</a:t>
+            </a:r>
+            <a:endParaRPr lang="en-US" dirty="0" smtClean="0"/>
+          </a:p>
+          <a:p>
+            <a:r>
+              <a:rPr lang="en-US" dirty="0" err="1" smtClean="0"/>
+              <a:t>Carta</a:t>
+            </a:r>
+            <a:r>
+              <a:rPr lang="en-US" dirty="0" smtClean="0"/>
+              <a:t> Jolly cambia </a:t>
+            </a:r>
+            <a:r>
+              <a:rPr lang="en-US" dirty="0" err="1" smtClean="0"/>
+              <a:t>colore</a:t>
+            </a:r>
+            <a:endParaRPr lang="en-US" dirty="0" smtClean="0"/>
+          </a:p>
+          <a:p>
+            <a:endParaRPr lang="en-US" dirty="0"/>
+          </a:p>
+        </p:txBody>
+      </p:sp>
+      <p:sp>
+        <p:nvSpPr>
+          <p:cNvPr id="4" name="Slide Number Placeholder 3"/>
+          <p:cNvSpPr>
+            <a:spLocks noGrp="1"/>
+          </p:cNvSpPr>
+          <p:nvPr>
+            <p:ph type="sldNum" sz="quarter" idx="12"/>
+          </p:nvPr>
+        </p:nvSpPr>
+        <p:spPr/>
+        <p:txBody>
+          <a:bodyPr/>
+          <a:lstStyle/>
+          <a:p>
+            <a:fld id="{4D77BA81-331F-4EED-897C-BD146A682CF5}" type="slidenum">
+              <a:rPr lang="en-US" smtClean="0"/>
+              <a:t>3</a:t>
+            </a:fld>
+            <a:endParaRPr lang="en-US"/>
+          </a:p>
+        </p:txBody>
+      </p:sp>
+    </p:spTree>
+    <p:extLst>
+      <p:ext uri="{BB962C8B-B14F-4D97-AF65-F5344CB8AC3E}">
+        <p14:creationId xmlns:p14="http://schemas.microsoft.com/office/powerpoint/2010/main" val="1151195254"/>
+      </p:ext>
+    </p:extLst>
+  </p:cSld>
+  <p:clrMapOvr>
+    <a:masterClrMapping/>
+  </p:clrMapOvr>
+</p:sld>
+</file>
+
+<file path=ppt/slides/slide4.xml><?xml version="1.0" encoding="utf-8"?>
+<p:sld xmlns:a="http://schemas.openxmlformats.org/drawingml/2006/main" xmlns:r="http://schemas.openxmlformats.org/officeDocument/2006/relationships" xmlns:p="http://schemas.openxmlformats.org/presentationml/2006/main">
+  <p:cSld>
+    <p:spTree>
+      <p:nvGrpSpPr>
+        <p:cNvPr id="1" name=""/>
+        <p:cNvGrpSpPr/>
+        <p:nvPr/>
+      </p:nvGrpSpPr>
+      <p:grpSpPr>
+        <a:xfrm>
+          <a:off x="0" y="0"/>
+          <a:ext cx="0" cy="0"/>
+          <a:chOff x="0" y="0"/>
+          <a:chExt cx="0" cy="0"/>
+        </a:xfrm>
+      </p:grpSpPr>
+      <p:sp>
+        <p:nvSpPr>
+          <p:cNvPr id="2" name="Titolo 1"/>
+          <p:cNvSpPr>
+            <a:spLocks noGrp="1"/>
+          </p:cNvSpPr>
+          <p:nvPr>
+            <p:ph type="title"/>
+          </p:nvPr>
+        </p:nvSpPr>
+        <p:spPr>
+          <a:xfrm>
+            <a:off x="1484311" y="685801"/>
+            <a:ext cx="10018713" cy="1043042"/>
+          </a:xfrm>
+        </p:spPr>
+        <p:txBody>
+          <a:bodyPr/>
+          <a:lstStyle/>
+          <a:p>
+            <a:r>
+              <a:rPr lang="en-US" dirty="0" smtClean="0"/>
+              <a:t>Le </a:t>
+            </a:r>
+            <a:r>
+              <a:rPr lang="en-US" dirty="0" err="1" smtClean="0"/>
+              <a:t>regole</a:t>
+            </a:r>
+            <a:r>
+              <a:rPr lang="en-US" dirty="0" smtClean="0"/>
+              <a:t> di UNO</a:t>
+            </a:r>
+            <a:endParaRPr lang="en-US" dirty="0"/>
+          </a:p>
+        </p:txBody>
+      </p:sp>
+      <p:sp>
+        <p:nvSpPr>
+          <p:cNvPr id="3" name="Segnaposto contenuto 2"/>
+          <p:cNvSpPr>
+            <a:spLocks noGrp="1"/>
+          </p:cNvSpPr>
+          <p:nvPr>
+            <p:ph idx="1"/>
+          </p:nvPr>
+        </p:nvSpPr>
+        <p:spPr>
+          <a:xfrm>
+            <a:off x="1514914" y="2034833"/>
+            <a:ext cx="10018713" cy="3962570"/>
+          </a:xfrm>
+        </p:spPr>
+        <p:txBody>
+          <a:bodyPr>
+            <a:normAutofit fontScale="92500" lnSpcReduction="10000"/>
+          </a:bodyPr>
+          <a:lstStyle/>
+          <a:p>
+            <a:pPr marL="0" indent="0">
+              <a:buNone/>
+            </a:pPr>
+            <a:r>
+              <a:rPr lang="en-US" dirty="0" smtClean="0"/>
+              <a:t>Per </a:t>
+            </a:r>
+            <a:r>
+              <a:rPr lang="en-US" dirty="0" err="1" smtClean="0"/>
+              <a:t>il</a:t>
+            </a:r>
+            <a:r>
+              <a:rPr lang="en-US" dirty="0" smtClean="0"/>
+              <a:t> </a:t>
+            </a:r>
+            <a:r>
+              <a:rPr lang="en-US" dirty="0" err="1" smtClean="0"/>
+              <a:t>progetto</a:t>
+            </a:r>
+            <a:r>
+              <a:rPr lang="en-US" dirty="0" smtClean="0"/>
+              <a:t> </a:t>
+            </a:r>
+            <a:r>
+              <a:rPr lang="en-US" dirty="0" err="1" smtClean="0"/>
+              <a:t>abbiamo</a:t>
+            </a:r>
+            <a:r>
+              <a:rPr lang="en-US" dirty="0" smtClean="0"/>
+              <a:t> </a:t>
+            </a:r>
+            <a:r>
+              <a:rPr lang="en-US" dirty="0" err="1" smtClean="0"/>
+              <a:t>scelto</a:t>
+            </a:r>
+            <a:r>
+              <a:rPr lang="en-US" dirty="0" smtClean="0"/>
+              <a:t> di </a:t>
+            </a:r>
+            <a:r>
+              <a:rPr lang="en-US" dirty="0" err="1" smtClean="0"/>
+              <a:t>implementare</a:t>
+            </a:r>
+            <a:r>
+              <a:rPr lang="en-US" dirty="0" smtClean="0"/>
+              <a:t> le </a:t>
+            </a:r>
+            <a:r>
+              <a:rPr lang="en-US" dirty="0" err="1" smtClean="0"/>
+              <a:t>seguenti</a:t>
+            </a:r>
+            <a:r>
+              <a:rPr lang="en-US" dirty="0" smtClean="0"/>
+              <a:t> </a:t>
+            </a:r>
+            <a:r>
+              <a:rPr lang="en-US" dirty="0" err="1" smtClean="0"/>
+              <a:t>regole</a:t>
+            </a:r>
+            <a:r>
+              <a:rPr lang="en-US" dirty="0" smtClean="0"/>
+              <a:t>:</a:t>
+            </a:r>
+          </a:p>
+          <a:p>
+            <a:r>
+              <a:rPr lang="en-US" dirty="0" smtClean="0"/>
+              <a:t>Due </a:t>
+            </a:r>
+            <a:r>
+              <a:rPr lang="en-US" dirty="0" err="1" smtClean="0"/>
+              <a:t>giocatori</a:t>
+            </a:r>
+            <a:r>
+              <a:rPr lang="en-US" dirty="0" smtClean="0"/>
+              <a:t> in campo</a:t>
+            </a:r>
+          </a:p>
+          <a:p>
+            <a:r>
+              <a:rPr lang="en-US" dirty="0" err="1" smtClean="0"/>
+              <a:t>Modalità</a:t>
+            </a:r>
+            <a:r>
+              <a:rPr lang="en-US" dirty="0" smtClean="0"/>
+              <a:t> di </a:t>
+            </a:r>
+            <a:r>
+              <a:rPr lang="en-US" dirty="0" err="1" smtClean="0"/>
+              <a:t>gioco</a:t>
+            </a:r>
+            <a:r>
+              <a:rPr lang="en-US" dirty="0" smtClean="0"/>
+              <a:t> CPU VS CPU e CPU VS </a:t>
+            </a:r>
+            <a:r>
+              <a:rPr lang="en-US" dirty="0" err="1" smtClean="0"/>
+              <a:t>Giocatore</a:t>
+            </a:r>
+            <a:r>
+              <a:rPr lang="en-US" dirty="0" smtClean="0"/>
+              <a:t> </a:t>
+            </a:r>
+            <a:r>
+              <a:rPr lang="en-US" dirty="0" err="1" smtClean="0"/>
+              <a:t>umano</a:t>
+            </a:r>
+            <a:endParaRPr lang="en-US" dirty="0" smtClean="0"/>
+          </a:p>
+          <a:p>
+            <a:r>
+              <a:rPr lang="en-US" dirty="0" err="1" smtClean="0"/>
+              <a:t>Pila</a:t>
+            </a:r>
+            <a:r>
+              <a:rPr lang="en-US" dirty="0" smtClean="0"/>
+              <a:t> </a:t>
+            </a:r>
+            <a:r>
+              <a:rPr lang="en-US" dirty="0" err="1" smtClean="0"/>
+              <a:t>degli</a:t>
+            </a:r>
+            <a:r>
+              <a:rPr lang="en-US" dirty="0" smtClean="0"/>
+              <a:t> </a:t>
+            </a:r>
+            <a:r>
+              <a:rPr lang="en-US" dirty="0" err="1" smtClean="0"/>
+              <a:t>scarti</a:t>
+            </a:r>
+            <a:r>
+              <a:rPr lang="en-US" dirty="0" smtClean="0"/>
+              <a:t> e </a:t>
+            </a:r>
+            <a:r>
+              <a:rPr lang="en-US" dirty="0" err="1" smtClean="0"/>
+              <a:t>mazzo</a:t>
+            </a:r>
+            <a:r>
+              <a:rPr lang="en-US" dirty="0" smtClean="0"/>
+              <a:t> per </a:t>
+            </a:r>
+            <a:r>
+              <a:rPr lang="en-US" dirty="0" err="1" smtClean="0"/>
+              <a:t>pescare</a:t>
+            </a:r>
+            <a:endParaRPr lang="en-US" dirty="0" smtClean="0"/>
+          </a:p>
+          <a:p>
+            <a:r>
+              <a:rPr lang="en-US" dirty="0" err="1" smtClean="0"/>
+              <a:t>Ogni</a:t>
+            </a:r>
+            <a:r>
+              <a:rPr lang="en-US" dirty="0" smtClean="0"/>
+              <a:t> </a:t>
+            </a:r>
+            <a:r>
+              <a:rPr lang="en-US" dirty="0" err="1" smtClean="0"/>
+              <a:t>giocatore</a:t>
+            </a:r>
+            <a:r>
+              <a:rPr lang="en-US" dirty="0" smtClean="0"/>
+              <a:t> </a:t>
+            </a:r>
+            <a:r>
+              <a:rPr lang="en-US" dirty="0" err="1" smtClean="0"/>
+              <a:t>può</a:t>
+            </a:r>
+            <a:r>
+              <a:rPr lang="en-US" dirty="0"/>
+              <a:t> </a:t>
+            </a:r>
+            <a:r>
+              <a:rPr lang="en-US" dirty="0" err="1" smtClean="0"/>
+              <a:t>lanciare</a:t>
+            </a:r>
+            <a:r>
+              <a:rPr lang="en-US" dirty="0" smtClean="0"/>
+              <a:t> al </a:t>
+            </a:r>
+            <a:r>
+              <a:rPr lang="en-US" dirty="0" err="1" smtClean="0"/>
+              <a:t>massimo</a:t>
+            </a:r>
+            <a:r>
+              <a:rPr lang="en-US" dirty="0" smtClean="0"/>
+              <a:t> </a:t>
+            </a:r>
+            <a:r>
+              <a:rPr lang="en-US" dirty="0" err="1" smtClean="0"/>
+              <a:t>una</a:t>
+            </a:r>
+            <a:r>
+              <a:rPr lang="en-US" dirty="0" smtClean="0"/>
+              <a:t> </a:t>
+            </a:r>
+            <a:r>
+              <a:rPr lang="en-US" dirty="0" err="1" smtClean="0"/>
+              <a:t>carta</a:t>
+            </a:r>
+            <a:endParaRPr lang="en-US" dirty="0" smtClean="0"/>
+          </a:p>
+          <a:p>
+            <a:r>
+              <a:rPr lang="en-US" dirty="0" err="1" smtClean="0"/>
+              <a:t>Può</a:t>
+            </a:r>
+            <a:r>
+              <a:rPr lang="en-US" dirty="0" smtClean="0"/>
+              <a:t> </a:t>
+            </a:r>
+            <a:r>
+              <a:rPr lang="en-US" dirty="0" err="1" smtClean="0"/>
+              <a:t>lanciare</a:t>
+            </a:r>
+            <a:r>
+              <a:rPr lang="en-US" dirty="0" smtClean="0"/>
+              <a:t> solo carte con </a:t>
+            </a:r>
+            <a:r>
+              <a:rPr lang="en-US" dirty="0" err="1" smtClean="0"/>
+              <a:t>medesimo</a:t>
+            </a:r>
+            <a:r>
+              <a:rPr lang="en-US" dirty="0" smtClean="0"/>
+              <a:t> </a:t>
+            </a:r>
+            <a:r>
+              <a:rPr lang="en-US" dirty="0" err="1" smtClean="0"/>
+              <a:t>numero</a:t>
+            </a:r>
+            <a:r>
+              <a:rPr lang="en-US" dirty="0" smtClean="0"/>
+              <a:t> o </a:t>
+            </a:r>
+            <a:r>
+              <a:rPr lang="en-US" dirty="0" err="1" smtClean="0"/>
+              <a:t>colore</a:t>
+            </a:r>
+            <a:endParaRPr lang="en-US" dirty="0" smtClean="0"/>
+          </a:p>
+          <a:p>
+            <a:r>
+              <a:rPr lang="en-US" dirty="0" err="1" smtClean="0"/>
+              <a:t>Ogni</a:t>
+            </a:r>
+            <a:r>
+              <a:rPr lang="en-US" dirty="0" smtClean="0"/>
+              <a:t> </a:t>
+            </a:r>
+            <a:r>
+              <a:rPr lang="en-US" dirty="0" err="1" smtClean="0"/>
+              <a:t>volta</a:t>
+            </a:r>
+            <a:r>
+              <a:rPr lang="en-US" dirty="0" smtClean="0"/>
+              <a:t> </a:t>
+            </a:r>
+            <a:r>
+              <a:rPr lang="en-US" dirty="0" err="1" smtClean="0"/>
+              <a:t>che</a:t>
+            </a:r>
+            <a:r>
+              <a:rPr lang="en-US" dirty="0" smtClean="0"/>
+              <a:t> </a:t>
+            </a:r>
+            <a:r>
+              <a:rPr lang="en-US" dirty="0" err="1" smtClean="0"/>
+              <a:t>si</a:t>
+            </a:r>
+            <a:r>
+              <a:rPr lang="en-US" dirty="0" smtClean="0"/>
+              <a:t> </a:t>
+            </a:r>
+            <a:r>
+              <a:rPr lang="en-US" dirty="0" err="1" smtClean="0"/>
+              <a:t>pescano</a:t>
+            </a:r>
+            <a:r>
+              <a:rPr lang="en-US" dirty="0" smtClean="0"/>
+              <a:t> </a:t>
+            </a:r>
+            <a:r>
+              <a:rPr lang="en-US" dirty="0" err="1" smtClean="0"/>
+              <a:t>delle</a:t>
+            </a:r>
+            <a:r>
+              <a:rPr lang="en-US" dirty="0" smtClean="0"/>
+              <a:t> carte </a:t>
+            </a:r>
+            <a:r>
+              <a:rPr lang="en-US" dirty="0" err="1" smtClean="0"/>
+              <a:t>si</a:t>
+            </a:r>
+            <a:r>
+              <a:rPr lang="en-US" dirty="0" smtClean="0"/>
+              <a:t> </a:t>
+            </a:r>
+            <a:r>
+              <a:rPr lang="en-US" dirty="0" err="1" smtClean="0"/>
+              <a:t>dovrà</a:t>
+            </a:r>
+            <a:r>
+              <a:rPr lang="en-US" dirty="0" smtClean="0"/>
+              <a:t> </a:t>
+            </a:r>
+            <a:r>
+              <a:rPr lang="en-US" dirty="0" err="1" smtClean="0"/>
+              <a:t>passare</a:t>
+            </a:r>
+            <a:r>
+              <a:rPr lang="en-US" dirty="0" smtClean="0"/>
+              <a:t> </a:t>
+            </a:r>
+            <a:r>
+              <a:rPr lang="en-US" dirty="0" err="1" smtClean="0"/>
+              <a:t>il</a:t>
+            </a:r>
+            <a:r>
+              <a:rPr lang="en-US" dirty="0" smtClean="0"/>
+              <a:t> </a:t>
+            </a:r>
+            <a:r>
+              <a:rPr lang="en-US" dirty="0" err="1" smtClean="0"/>
+              <a:t>turno</a:t>
+            </a:r>
+            <a:endParaRPr lang="en-US" dirty="0" smtClean="0"/>
+          </a:p>
+          <a:p>
+            <a:r>
+              <a:rPr lang="en-US" dirty="0" smtClean="0"/>
+              <a:t>Non </a:t>
+            </a:r>
+            <a:r>
+              <a:rPr lang="en-US" dirty="0" err="1" smtClean="0"/>
+              <a:t>è</a:t>
+            </a:r>
+            <a:r>
+              <a:rPr lang="en-US" dirty="0" smtClean="0"/>
+              <a:t> </a:t>
+            </a:r>
+            <a:r>
+              <a:rPr lang="en-US" dirty="0" err="1" smtClean="0"/>
+              <a:t>possibile</a:t>
+            </a:r>
+            <a:r>
+              <a:rPr lang="en-US" dirty="0" smtClean="0"/>
+              <a:t> </a:t>
+            </a:r>
+            <a:r>
+              <a:rPr lang="en-US" dirty="0" err="1" smtClean="0"/>
+              <a:t>giocare</a:t>
+            </a:r>
+            <a:r>
+              <a:rPr lang="en-US" dirty="0" smtClean="0"/>
+              <a:t> un +</a:t>
+            </a:r>
+            <a:r>
+              <a:rPr lang="en-US" dirty="0" smtClean="0"/>
+              <a:t>4 cambia </a:t>
+            </a:r>
+            <a:r>
+              <a:rPr lang="en-US" dirty="0" err="1" smtClean="0"/>
+              <a:t>colore</a:t>
+            </a:r>
+            <a:r>
+              <a:rPr lang="en-US" dirty="0" smtClean="0"/>
+              <a:t> o un cambia </a:t>
+            </a:r>
+            <a:r>
+              <a:rPr lang="en-US" dirty="0" err="1" smtClean="0"/>
+              <a:t>colore</a:t>
+            </a:r>
+            <a:r>
+              <a:rPr lang="en-US" dirty="0" smtClean="0"/>
+              <a:t> </a:t>
+            </a:r>
+            <a:r>
+              <a:rPr lang="en-US" dirty="0" err="1" smtClean="0"/>
+              <a:t>nel</a:t>
+            </a:r>
+            <a:r>
+              <a:rPr lang="en-US" dirty="0" smtClean="0"/>
+              <a:t> </a:t>
+            </a:r>
+            <a:r>
+              <a:rPr lang="en-US" dirty="0" err="1" smtClean="0"/>
+              <a:t>caso</a:t>
+            </a:r>
+            <a:r>
+              <a:rPr lang="en-US" dirty="0" smtClean="0"/>
+              <a:t> in cui </a:t>
+            </a:r>
+            <a:r>
+              <a:rPr lang="en-US" dirty="0" err="1" smtClean="0"/>
+              <a:t>si</a:t>
+            </a:r>
+            <a:r>
+              <a:rPr lang="en-US" dirty="0" smtClean="0"/>
+              <a:t> </a:t>
+            </a:r>
+            <a:r>
+              <a:rPr lang="en-US" dirty="0" err="1" smtClean="0"/>
+              <a:t>abbiano</a:t>
+            </a:r>
+            <a:r>
+              <a:rPr lang="en-US" dirty="0" smtClean="0"/>
+              <a:t> carte del </a:t>
+            </a:r>
+            <a:r>
+              <a:rPr lang="en-US" dirty="0" err="1" smtClean="0"/>
+              <a:t>medesico</a:t>
+            </a:r>
+            <a:r>
+              <a:rPr lang="en-US" dirty="0" smtClean="0"/>
+              <a:t> </a:t>
+            </a:r>
+            <a:r>
+              <a:rPr lang="en-US" dirty="0" err="1" smtClean="0"/>
+              <a:t>colore</a:t>
+            </a:r>
+            <a:r>
+              <a:rPr lang="en-US" dirty="0" smtClean="0"/>
+              <a:t> di </a:t>
+            </a:r>
+            <a:r>
+              <a:rPr lang="en-US" dirty="0" err="1" smtClean="0"/>
+              <a:t>quella</a:t>
+            </a:r>
+            <a:r>
+              <a:rPr lang="en-US" dirty="0" smtClean="0"/>
+              <a:t> </a:t>
+            </a:r>
+            <a:r>
+              <a:rPr lang="en-US" dirty="0" err="1" smtClean="0"/>
+              <a:t>sulla</a:t>
+            </a:r>
+            <a:r>
+              <a:rPr lang="en-US" dirty="0" smtClean="0"/>
+              <a:t> </a:t>
+            </a:r>
+            <a:r>
+              <a:rPr lang="en-US" dirty="0" err="1" smtClean="0"/>
+              <a:t>pila</a:t>
+            </a:r>
+            <a:r>
+              <a:rPr lang="en-US" dirty="0" smtClean="0"/>
+              <a:t> </a:t>
+            </a:r>
+            <a:r>
+              <a:rPr lang="en-US" dirty="0" err="1" smtClean="0"/>
+              <a:t>degli</a:t>
+            </a:r>
+            <a:r>
+              <a:rPr lang="en-US" dirty="0" smtClean="0"/>
+              <a:t> </a:t>
+            </a:r>
+            <a:r>
+              <a:rPr lang="en-US" dirty="0" err="1" smtClean="0"/>
+              <a:t>scarti</a:t>
+            </a:r>
+            <a:endParaRPr lang="en-US" dirty="0" smtClean="0"/>
+          </a:p>
+        </p:txBody>
+      </p:sp>
+      <p:sp>
+        <p:nvSpPr>
+          <p:cNvPr id="4" name="Segnaposto numero diapositiva 3"/>
+          <p:cNvSpPr>
+            <a:spLocks noGrp="1"/>
+          </p:cNvSpPr>
+          <p:nvPr>
+            <p:ph type="sldNum" sz="quarter" idx="12"/>
+          </p:nvPr>
+        </p:nvSpPr>
+        <p:spPr/>
+        <p:txBody>
+          <a:bodyPr/>
+          <a:lstStyle/>
+          <a:p>
+            <a:fld id="{4D77BA81-331F-4EED-897C-BD146A682CF5}" type="slidenum">
+              <a:rPr lang="en-US" smtClean="0"/>
+              <a:t>4</a:t>
+            </a:fld>
+            <a:endParaRPr lang="en-US"/>
+          </a:p>
+        </p:txBody>
+      </p:sp>
+    </p:spTree>
+    <p:extLst>
+      <p:ext uri="{BB962C8B-B14F-4D97-AF65-F5344CB8AC3E}">
+        <p14:creationId xmlns:p14="http://schemas.microsoft.com/office/powerpoint/2010/main" val="2822934797"/>
+      </p:ext>
+    </p:extLst>
+  </p:cSld>
+  <p:clrMapOvr>
+    <a:masterClrMapping/>
+  </p:clrMapOvr>
+  <p:timing>
+    <p:tnLst>
+      <p:par>
+        <p:cTn xmlns:p14="http://schemas.microsoft.com/office/powerpoint/2010/main" id="1" dur="indefinite" restart="never" nodeType="tmRoot"/>
+      </p:par>
+    </p:tnLst>
+  </p:timing>
+</p:sld>
+</file>
+
+<file path=ppt/slides/slide5.xml><?xml version="1.0" encoding="utf-8"?>
+<p:sld xmlns:a="http://schemas.openxmlformats.org/drawingml/2006/main" xmlns:r="http://schemas.openxmlformats.org/officeDocument/2006/relationships" xmlns:p="http://schemas.openxmlformats.org/presentationml/2006/main">
+  <p:cSld>
+    <p:spTree>
+      <p:nvGrpSpPr>
+        <p:cNvPr id="1" name=""/>
+        <p:cNvGrpSpPr/>
+        <p:nvPr/>
+      </p:nvGrpSpPr>
+      <p:grpSpPr>
+        <a:xfrm>
+          <a:off x="0" y="0"/>
+          <a:ext cx="0" cy="0"/>
+          <a:chOff x="0" y="0"/>
+          <a:chExt cx="0" cy="0"/>
+        </a:xfrm>
+      </p:grpSpPr>
+      <p:sp>
+        <p:nvSpPr>
+          <p:cNvPr id="2" name="Title 1"/>
+          <p:cNvSpPr>
+            <a:spLocks noGrp="1"/>
+          </p:cNvSpPr>
+          <p:nvPr>
+            <p:ph type="title"/>
+          </p:nvPr>
+        </p:nvSpPr>
+        <p:spPr/>
+        <p:txBody>
+          <a:bodyPr/>
+          <a:lstStyle/>
+          <a:p>
+            <a:r>
+              <a:rPr lang="en-US" dirty="0" err="1" smtClean="0"/>
+              <a:t>Condizioni</a:t>
+            </a:r>
+            <a:r>
+              <a:rPr lang="en-US" dirty="0" smtClean="0"/>
+              <a:t> per la </a:t>
+            </a:r>
+            <a:r>
+              <a:rPr lang="en-US" dirty="0" err="1" smtClean="0"/>
+              <a:t>vittoria</a:t>
+            </a:r>
+            <a:endParaRPr lang="en-US" dirty="0"/>
+          </a:p>
+        </p:txBody>
+      </p:sp>
+      <p:sp>
+        <p:nvSpPr>
+          <p:cNvPr id="3" name="Content Placeholder 2"/>
+          <p:cNvSpPr>
+            <a:spLocks noGrp="1"/>
+          </p:cNvSpPr>
+          <p:nvPr>
+            <p:ph idx="1"/>
+          </p:nvPr>
+        </p:nvSpPr>
+        <p:spPr/>
+        <p:txBody>
+          <a:bodyPr/>
+          <a:lstStyle/>
+          <a:p>
+            <a:pPr marL="0" indent="0">
+              <a:buNone/>
+            </a:pPr>
+            <a:r>
+              <a:rPr lang="en-US" dirty="0" smtClean="0"/>
+              <a:t>La </a:t>
+            </a:r>
+            <a:r>
+              <a:rPr lang="en-US" dirty="0" err="1" smtClean="0"/>
+              <a:t>vittoria</a:t>
+            </a:r>
+            <a:r>
+              <a:rPr lang="en-US" dirty="0" smtClean="0"/>
+              <a:t> </a:t>
+            </a:r>
+            <a:r>
+              <a:rPr lang="en-US" dirty="0" err="1" smtClean="0"/>
+              <a:t>può</a:t>
+            </a:r>
+            <a:r>
+              <a:rPr lang="en-US" dirty="0" smtClean="0"/>
+              <a:t> </a:t>
+            </a:r>
+            <a:r>
+              <a:rPr lang="en-US" dirty="0" err="1" smtClean="0"/>
+              <a:t>avvenire</a:t>
+            </a:r>
+            <a:r>
+              <a:rPr lang="en-US" dirty="0" smtClean="0"/>
+              <a:t> in due </a:t>
+            </a:r>
+            <a:r>
+              <a:rPr lang="en-US" dirty="0" err="1" smtClean="0"/>
+              <a:t>differenti</a:t>
+            </a:r>
+            <a:r>
+              <a:rPr lang="en-US" dirty="0" smtClean="0"/>
+              <a:t> </a:t>
+            </a:r>
+            <a:r>
+              <a:rPr lang="en-US" dirty="0" err="1" smtClean="0"/>
+              <a:t>modi</a:t>
+            </a:r>
+            <a:r>
+              <a:rPr lang="en-US" dirty="0" smtClean="0"/>
+              <a:t>:</a:t>
+            </a:r>
+          </a:p>
+          <a:p>
+            <a:r>
+              <a:rPr lang="en-US" dirty="0" smtClean="0"/>
+              <a:t>Uno </a:t>
+            </a:r>
+            <a:r>
+              <a:rPr lang="en-US" dirty="0" err="1" smtClean="0"/>
+              <a:t>dei</a:t>
+            </a:r>
+            <a:r>
+              <a:rPr lang="en-US" dirty="0" smtClean="0"/>
+              <a:t> due </a:t>
+            </a:r>
+            <a:r>
+              <a:rPr lang="en-US" dirty="0" err="1" smtClean="0"/>
+              <a:t>giocatori</a:t>
+            </a:r>
+            <a:r>
+              <a:rPr lang="en-US" dirty="0" smtClean="0"/>
+              <a:t> ha </a:t>
+            </a:r>
+            <a:r>
+              <a:rPr lang="en-US" dirty="0" err="1" smtClean="0"/>
+              <a:t>esaurito</a:t>
+            </a:r>
+            <a:r>
+              <a:rPr lang="en-US" dirty="0" smtClean="0"/>
+              <a:t> le carte </a:t>
+            </a:r>
+            <a:r>
+              <a:rPr lang="en-US" dirty="0" err="1" smtClean="0"/>
+              <a:t>che</a:t>
+            </a:r>
+            <a:r>
+              <a:rPr lang="en-US" dirty="0" smtClean="0"/>
+              <a:t> </a:t>
+            </a:r>
+            <a:r>
+              <a:rPr lang="en-US" dirty="0" err="1" smtClean="0"/>
+              <a:t>possiede</a:t>
+            </a:r>
+            <a:endParaRPr lang="en-US" dirty="0" smtClean="0"/>
+          </a:p>
+          <a:p>
+            <a:r>
+              <a:rPr lang="en-US" dirty="0" smtClean="0"/>
+              <a:t>Le carte del </a:t>
+            </a:r>
+            <a:r>
+              <a:rPr lang="en-US" dirty="0" err="1" smtClean="0"/>
+              <a:t>mazzo</a:t>
+            </a:r>
+            <a:r>
+              <a:rPr lang="en-US" dirty="0" smtClean="0"/>
+              <a:t> </a:t>
+            </a:r>
+            <a:r>
+              <a:rPr lang="en-US" dirty="0" err="1" smtClean="0"/>
+              <a:t>sono</a:t>
+            </a:r>
+            <a:r>
+              <a:rPr lang="en-US" dirty="0" smtClean="0"/>
+              <a:t> state </a:t>
+            </a:r>
+            <a:r>
+              <a:rPr lang="en-US" dirty="0" err="1" smtClean="0"/>
+              <a:t>esaurite</a:t>
+            </a:r>
+            <a:r>
+              <a:rPr lang="en-US" dirty="0" smtClean="0"/>
+              <a:t>. In </a:t>
+            </a:r>
+            <a:r>
+              <a:rPr lang="en-US" dirty="0" err="1" smtClean="0"/>
+              <a:t>questo</a:t>
+            </a:r>
+            <a:r>
+              <a:rPr lang="en-US" dirty="0" smtClean="0"/>
+              <a:t> </a:t>
+            </a:r>
+            <a:r>
+              <a:rPr lang="en-US" dirty="0" err="1" smtClean="0"/>
+              <a:t>caso</a:t>
+            </a:r>
+            <a:r>
+              <a:rPr lang="en-US" dirty="0" smtClean="0"/>
+              <a:t> </a:t>
+            </a:r>
+            <a:r>
+              <a:rPr lang="en-US" dirty="0" err="1" smtClean="0"/>
+              <a:t>vincerà</a:t>
+            </a:r>
+            <a:r>
+              <a:rPr lang="en-US" dirty="0" smtClean="0"/>
+              <a:t> chi ha in </a:t>
+            </a:r>
+            <a:r>
+              <a:rPr lang="en-US" dirty="0" err="1" smtClean="0"/>
+              <a:t>mano</a:t>
+            </a:r>
+            <a:r>
+              <a:rPr lang="en-US" dirty="0" smtClean="0"/>
+              <a:t> </a:t>
+            </a:r>
+            <a:r>
+              <a:rPr lang="en-US" dirty="0" err="1" smtClean="0"/>
+              <a:t>il</a:t>
+            </a:r>
+            <a:r>
+              <a:rPr lang="en-US" dirty="0" smtClean="0"/>
+              <a:t> minor </a:t>
+            </a:r>
+            <a:r>
+              <a:rPr lang="en-US" dirty="0" err="1" smtClean="0"/>
+              <a:t>numero</a:t>
+            </a:r>
+            <a:r>
+              <a:rPr lang="en-US" dirty="0" smtClean="0"/>
+              <a:t> di carte</a:t>
+            </a:r>
+            <a:endParaRPr lang="en-US" dirty="0"/>
+          </a:p>
+        </p:txBody>
+      </p:sp>
+      <p:sp>
+        <p:nvSpPr>
+          <p:cNvPr id="4" name="Slide Number Placeholder 3"/>
+          <p:cNvSpPr>
+            <a:spLocks noGrp="1"/>
+          </p:cNvSpPr>
+          <p:nvPr>
+            <p:ph type="sldNum" sz="quarter" idx="12"/>
+          </p:nvPr>
+        </p:nvSpPr>
+        <p:spPr/>
+        <p:txBody>
+          <a:bodyPr/>
+          <a:lstStyle/>
+          <a:p>
+            <a:fld id="{4D77BA81-331F-4EED-897C-BD146A682CF5}" type="slidenum">
+              <a:rPr lang="en-US" smtClean="0"/>
+              <a:t>5</a:t>
+            </a:fld>
+            <a:endParaRPr lang="en-US"/>
+          </a:p>
+        </p:txBody>
+      </p:sp>
+    </p:spTree>
+    <p:extLst>
+      <p:ext uri="{BB962C8B-B14F-4D97-AF65-F5344CB8AC3E}">
+        <p14:creationId xmlns:p14="http://schemas.microsoft.com/office/powerpoint/2010/main" val="2662521317"/>
+      </p:ext>
+    </p:extLst>
+  </p:cSld>
+  <p:clrMapOvr>
+    <a:masterClrMapping/>
+  </p:clrMapOvr>
+</p:sld>
+</file>
+
+<file path=ppt/slides/slide6.xml><?xml version="1.0" encoding="utf-8"?>
+<p:sld xmlns:a="http://schemas.openxmlformats.org/drawingml/2006/main" xmlns:r="http://schemas.openxmlformats.org/officeDocument/2006/relationships" xmlns:p="http://schemas.openxmlformats.org/presentationml/2006/main">
+  <p:cSld>
+    <p:spTree>
+      <p:nvGrpSpPr>
+        <p:cNvPr id="1" name=""/>
+        <p:cNvGrpSpPr/>
+        <p:nvPr/>
+      </p:nvGrpSpPr>
+      <p:grpSpPr>
+        <a:xfrm>
+          <a:off x="0" y="0"/>
+          <a:ext cx="0" cy="0"/>
+          <a:chOff x="0" y="0"/>
+          <a:chExt cx="0" cy="0"/>
+        </a:xfrm>
+      </p:grpSpPr>
+      <p:sp>
+        <p:nvSpPr>
+          <p:cNvPr id="2" name="Title 1"/>
+          <p:cNvSpPr>
+            <a:spLocks noGrp="1"/>
+          </p:cNvSpPr>
+          <p:nvPr>
+            <p:ph type="title"/>
+          </p:nvPr>
+        </p:nvSpPr>
+        <p:spPr/>
+        <p:txBody>
+          <a:bodyPr/>
+          <a:lstStyle/>
+          <a:p>
+            <a:r>
+              <a:rPr lang="en-US" dirty="0" err="1" smtClean="0"/>
+              <a:t>Interfaccia</a:t>
+            </a:r>
+            <a:r>
+              <a:rPr lang="en-US" dirty="0" smtClean="0"/>
+              <a:t> </a:t>
+            </a:r>
+            <a:r>
+              <a:rPr lang="en-US" dirty="0" err="1" smtClean="0"/>
+              <a:t>grafica</a:t>
+            </a:r>
+            <a:r>
+              <a:rPr lang="en-US" dirty="0" smtClean="0"/>
+              <a:t> – </a:t>
+            </a:r>
+            <a:r>
+              <a:rPr lang="en-US" dirty="0" err="1" smtClean="0"/>
+              <a:t>selezione</a:t>
+            </a:r>
+            <a:r>
+              <a:rPr lang="en-US" dirty="0" smtClean="0"/>
+              <a:t> </a:t>
+            </a:r>
+            <a:r>
+              <a:rPr lang="en-US" dirty="0" err="1" smtClean="0"/>
+              <a:t>modalità</a:t>
+            </a:r>
+            <a:endParaRPr lang="en-US" dirty="0"/>
+          </a:p>
+        </p:txBody>
+      </p:sp>
+      <p:pic>
+        <p:nvPicPr>
+          <p:cNvPr id="5" name="Content Placeholder 4" descr="1.png"/>
+          <p:cNvPicPr>
+            <a:picLocks noGrp="1" noChangeAspect="1"/>
+          </p:cNvPicPr>
+          <p:nvPr>
+            <p:ph idx="1"/>
+          </p:nvPr>
+        </p:nvPicPr>
+        <p:blipFill>
+          <a:blip r:embed="rId2">
+            <a:extLst>
+              <a:ext uri="{28A0092B-C50C-407E-A947-70E740481C1C}">
+                <a14:useLocalDpi xmlns:a14="http://schemas.microsoft.com/office/drawing/2010/main" val="0"/>
+              </a:ext>
+            </a:extLst>
+          </a:blip>
+          <a:srcRect l="-71611" r="-71611"/>
+          <a:stretch>
+            <a:fillRect/>
+          </a:stretch>
+        </p:blipFill>
+        <p:spPr>
+          <a:xfrm>
+            <a:off x="1484313" y="2667000"/>
+            <a:ext cx="10018712" cy="3124200"/>
+          </a:xfrm>
+        </p:spPr>
+      </p:pic>
+      <p:sp>
+        <p:nvSpPr>
+          <p:cNvPr id="4" name="Slide Number Placeholder 3"/>
+          <p:cNvSpPr>
+            <a:spLocks noGrp="1"/>
+          </p:cNvSpPr>
+          <p:nvPr>
+            <p:ph type="sldNum" sz="quarter" idx="12"/>
+          </p:nvPr>
+        </p:nvSpPr>
+        <p:spPr/>
+        <p:txBody>
+          <a:bodyPr/>
+          <a:lstStyle/>
+          <a:p>
+            <a:fld id="{4D77BA81-331F-4EED-897C-BD146A682CF5}" type="slidenum">
+              <a:rPr lang="en-US" smtClean="0"/>
+              <a:t>6</a:t>
+            </a:fld>
+            <a:endParaRPr lang="en-US"/>
+          </a:p>
+        </p:txBody>
+      </p:sp>
+    </p:spTree>
+    <p:extLst>
+      <p:ext uri="{BB962C8B-B14F-4D97-AF65-F5344CB8AC3E}">
+        <p14:creationId xmlns:p14="http://schemas.microsoft.com/office/powerpoint/2010/main" val="2026611552"/>
+      </p:ext>
+    </p:extLst>
+  </p:cSld>
+  <p:clrMapOvr>
+    <a:masterClrMapping/>
+  </p:clrMapOvr>
+</p:sld>
+</file>
+
+<file path=ppt/slides/slide7.xml><?xml version="1.0" encoding="utf-8"?>
+<p:sld xmlns:a="http://schemas.openxmlformats.org/drawingml/2006/main" xmlns:r="http://schemas.openxmlformats.org/officeDocument/2006/relationships" xmlns:p="http://schemas.openxmlformats.org/presentationml/2006/main">
+  <p:cSld>
+    <p:spTree>
+      <p:nvGrpSpPr>
+        <p:cNvPr id="1" name=""/>
+        <p:cNvGrpSpPr/>
+        <p:nvPr/>
+      </p:nvGrpSpPr>
+      <p:grpSpPr>
+        <a:xfrm>
+          <a:off x="0" y="0"/>
+          <a:ext cx="0" cy="0"/>
+          <a:chOff x="0" y="0"/>
+          <a:chExt cx="0" cy="0"/>
+        </a:xfrm>
+      </p:grpSpPr>
+      <p:sp>
+        <p:nvSpPr>
+          <p:cNvPr id="2" name="Title 1"/>
+          <p:cNvSpPr>
+            <a:spLocks noGrp="1"/>
+          </p:cNvSpPr>
+          <p:nvPr>
+            <p:ph type="title"/>
+          </p:nvPr>
+        </p:nvSpPr>
+        <p:spPr>
+          <a:xfrm>
+            <a:off x="1423103" y="379811"/>
+            <a:ext cx="10018713" cy="1257236"/>
+          </a:xfrm>
+        </p:spPr>
+        <p:txBody>
+          <a:bodyPr/>
+          <a:lstStyle/>
+          <a:p>
+            <a:r>
+              <a:rPr lang="en-US" dirty="0" err="1" smtClean="0"/>
+              <a:t>Interfaccia</a:t>
+            </a:r>
+            <a:r>
+              <a:rPr lang="en-US" dirty="0" smtClean="0"/>
+              <a:t> </a:t>
+            </a:r>
+            <a:r>
+              <a:rPr lang="en-US" dirty="0" err="1" smtClean="0"/>
+              <a:t>grafica</a:t>
+            </a:r>
+            <a:r>
+              <a:rPr lang="en-US" dirty="0" smtClean="0"/>
+              <a:t> – </a:t>
+            </a:r>
+            <a:r>
+              <a:rPr lang="en-US" dirty="0" err="1" smtClean="0"/>
+              <a:t>Tavolo</a:t>
+            </a:r>
+            <a:r>
+              <a:rPr lang="en-US" dirty="0" smtClean="0"/>
+              <a:t> da </a:t>
+            </a:r>
+            <a:r>
+              <a:rPr lang="en-US" dirty="0" err="1" smtClean="0"/>
+              <a:t>gioco</a:t>
+            </a:r>
+            <a:endParaRPr lang="en-US" dirty="0"/>
+          </a:p>
+        </p:txBody>
+      </p:sp>
+      <p:pic>
+        <p:nvPicPr>
+          <p:cNvPr id="5" name="Content Placeholder 4" descr="2.png"/>
+          <p:cNvPicPr>
+            <a:picLocks noGrp="1" noChangeAspect="1"/>
+          </p:cNvPicPr>
+          <p:nvPr>
+            <p:ph idx="1"/>
+          </p:nvPr>
+        </p:nvPicPr>
+        <p:blipFill>
+          <a:blip r:embed="rId2">
+            <a:extLst>
+              <a:ext uri="{28A0092B-C50C-407E-A947-70E740481C1C}">
+                <a14:useLocalDpi xmlns:a14="http://schemas.microsoft.com/office/drawing/2010/main" val="0"/>
+              </a:ext>
+            </a:extLst>
+          </a:blip>
+          <a:srcRect l="-37555" r="-37555"/>
+          <a:stretch>
+            <a:fillRect/>
+          </a:stretch>
+        </p:blipFill>
+        <p:spPr>
+          <a:xfrm>
+            <a:off x="1484310" y="1545249"/>
+            <a:ext cx="10018713" cy="4895840"/>
+          </a:xfrm>
+        </p:spPr>
+      </p:pic>
+      <p:sp>
+        <p:nvSpPr>
+          <p:cNvPr id="4" name="Slide Number Placeholder 3"/>
+          <p:cNvSpPr>
+            <a:spLocks noGrp="1"/>
+          </p:cNvSpPr>
+          <p:nvPr>
+            <p:ph type="sldNum" sz="quarter" idx="12"/>
+          </p:nvPr>
+        </p:nvSpPr>
+        <p:spPr/>
+        <p:txBody>
+          <a:bodyPr/>
+          <a:lstStyle/>
+          <a:p>
+            <a:fld id="{4D77BA81-331F-4EED-897C-BD146A682CF5}" type="slidenum">
+              <a:rPr lang="en-US" smtClean="0"/>
+              <a:t>7</a:t>
+            </a:fld>
+            <a:endParaRPr lang="en-US"/>
+          </a:p>
+        </p:txBody>
+      </p:sp>
+    </p:spTree>
+    <p:extLst>
+      <p:ext uri="{BB962C8B-B14F-4D97-AF65-F5344CB8AC3E}">
+        <p14:creationId xmlns:p14="http://schemas.microsoft.com/office/powerpoint/2010/main" val="1873637337"/>
+      </p:ext>
+    </p:extLst>
+  </p:cSld>
+  <p:clrMapOvr>
+    <a:masterClrMapping/>
+  </p:clrMapOvr>
+</p:sld>
+</file>
+
+<file path=ppt/slides/slide8.xml><?xml version="1.0" encoding="utf-8"?>
+<p:sld xmlns:a="http://schemas.openxmlformats.org/drawingml/2006/main" xmlns:r="http://schemas.openxmlformats.org/officeDocument/2006/relationships" xmlns:p="http://schemas.openxmlformats.org/presentationml/2006/main">
+  <p:cSld>
+    <p:spTree>
+      <p:nvGrpSpPr>
+        <p:cNvPr id="1" name=""/>
+        <p:cNvGrpSpPr/>
+        <p:nvPr/>
+      </p:nvGrpSpPr>
+      <p:grpSpPr>
+        <a:xfrm>
+          <a:off x="0" y="0"/>
+          <a:ext cx="0" cy="0"/>
+          <a:chOff x="0" y="0"/>
+          <a:chExt cx="0" cy="0"/>
+        </a:xfrm>
+      </p:grpSpPr>
+      <p:sp>
+        <p:nvSpPr>
+          <p:cNvPr id="2" name="Titolo 1"/>
+          <p:cNvSpPr>
+            <a:spLocks noGrp="1"/>
+          </p:cNvSpPr>
+          <p:nvPr>
+            <p:ph type="title"/>
+          </p:nvPr>
+        </p:nvSpPr>
+        <p:spPr/>
+        <p:txBody>
+          <a:bodyPr/>
+          <a:lstStyle/>
+          <a:p>
+            <a:r>
+              <a:rPr lang="it-IT" dirty="0" smtClean="0"/>
+              <a:t>Implementazione</a:t>
+            </a:r>
+            <a:endParaRPr lang="en-US" dirty="0"/>
+          </a:p>
+        </p:txBody>
+      </p:sp>
+      <p:pic>
+        <p:nvPicPr>
+          <p:cNvPr id="4" name="Segnaposto contenuto 3"/>
+          <p:cNvPicPr>
+            <a:picLocks noGrp="1" noChangeAspect="1"/>
+          </p:cNvPicPr>
+          <p:nvPr>
+            <p:ph idx="1"/>
+          </p:nvPr>
+        </p:nvPicPr>
+        <p:blipFill>
+          <a:blip r:embed="rId2" cstate="print">
+            <a:extLst>
+              <a:ext uri="{28A0092B-C50C-407E-A947-70E740481C1C}">
+                <a14:useLocalDpi xmlns:a14="http://schemas.microsoft.com/office/drawing/2010/main" val="0"/>
+              </a:ext>
+            </a:extLst>
+          </a:blip>
+          <a:stretch>
+            <a:fillRect/>
+          </a:stretch>
+        </p:blipFill>
+        <p:spPr>
+          <a:xfrm>
+            <a:off x="2674920" y="2756519"/>
+            <a:ext cx="3121152" cy="2340864"/>
+          </a:xfrm>
+          <a:prstGeom prst="roundRect">
+            <a:avLst>
+              <a:gd name="adj" fmla="val 8594"/>
+            </a:avLst>
+          </a:prstGeom>
+          <a:solidFill>
+            <a:srgbClr val="FFFFFF">
+              <a:shade val="85000"/>
+            </a:srgbClr>
+          </a:solidFill>
+          <a:ln>
+            <a:noFill/>
+          </a:ln>
+          <a:effectLst>
+            <a:reflection blurRad="12700" stA="38000" endPos="28000" dist="5000" dir="5400000" sy="-100000" algn="bl" rotWithShape="0"/>
+          </a:effectLst>
+        </p:spPr>
+      </p:pic>
+      <p:sp>
+        <p:nvSpPr>
+          <p:cNvPr id="5" name="CasellaDiTesto 4"/>
+          <p:cNvSpPr txBox="1"/>
+          <p:nvPr/>
+        </p:nvSpPr>
+        <p:spPr>
+          <a:xfrm>
+            <a:off x="7052807" y="2838616"/>
+            <a:ext cx="1886029" cy="923330"/>
+          </a:xfrm>
+          <a:prstGeom prst="rect">
+            <a:avLst/>
+          </a:prstGeom>
+          <a:noFill/>
+        </p:spPr>
+        <p:txBody>
+          <a:bodyPr wrap="none" rtlCol="0">
+            <a:spAutoFit/>
+          </a:bodyPr>
+          <a:lstStyle/>
+          <a:p>
+            <a:r>
+              <a:rPr lang="it-IT" dirty="0" smtClean="0"/>
+              <a:t>Modalità di gioco</a:t>
+            </a:r>
+          </a:p>
+          <a:p>
+            <a:pPr marL="285750" indent="-285750">
+              <a:buFont typeface="Arial" panose="020B0604020202020204" pitchFamily="34" charset="0"/>
+              <a:buChar char="•"/>
+            </a:pPr>
+            <a:r>
+              <a:rPr lang="it-IT" dirty="0" smtClean="0"/>
+              <a:t>CPU vs CPU</a:t>
+            </a:r>
+          </a:p>
+          <a:p>
+            <a:pPr marL="285750" indent="-285750">
+              <a:buFont typeface="Arial" panose="020B0604020202020204" pitchFamily="34" charset="0"/>
+              <a:buChar char="•"/>
+            </a:pPr>
+            <a:r>
+              <a:rPr lang="it-IT" dirty="0" smtClean="0"/>
+              <a:t>Umano vs CPU</a:t>
+            </a:r>
+            <a:endParaRPr lang="en-US" dirty="0"/>
+          </a:p>
+        </p:txBody>
+      </p:sp>
+      <p:sp>
+        <p:nvSpPr>
+          <p:cNvPr id="6" name="CasellaDiTesto 5"/>
+          <p:cNvSpPr txBox="1"/>
+          <p:nvPr/>
+        </p:nvSpPr>
+        <p:spPr>
+          <a:xfrm>
+            <a:off x="7052807" y="4162163"/>
+            <a:ext cx="2417650" cy="1200329"/>
+          </a:xfrm>
+          <a:prstGeom prst="rect">
+            <a:avLst/>
+          </a:prstGeom>
+          <a:noFill/>
+        </p:spPr>
+        <p:txBody>
+          <a:bodyPr wrap="none" rtlCol="0">
+            <a:spAutoFit/>
+          </a:bodyPr>
+          <a:lstStyle/>
+          <a:p>
+            <a:r>
+              <a:rPr lang="it-IT" dirty="0" smtClean="0"/>
+              <a:t>Algoritmi implementati</a:t>
+            </a:r>
+          </a:p>
+          <a:p>
+            <a:pPr marL="285750" indent="-285750">
+              <a:buFont typeface="Arial" panose="020B0604020202020204" pitchFamily="34" charset="0"/>
+              <a:buChar char="•"/>
+            </a:pPr>
+            <a:r>
+              <a:rPr lang="it-IT" dirty="0" smtClean="0"/>
+              <a:t>Minimax</a:t>
+            </a:r>
+          </a:p>
+          <a:p>
+            <a:pPr marL="285750" indent="-285750">
+              <a:buFont typeface="Arial" panose="020B0604020202020204" pitchFamily="34" charset="0"/>
+              <a:buChar char="•"/>
+            </a:pPr>
+            <a:r>
+              <a:rPr lang="it-IT" dirty="0" smtClean="0"/>
+              <a:t>Potatura </a:t>
+            </a:r>
+            <a:r>
+              <a:rPr lang="el-GR" dirty="0" smtClean="0"/>
+              <a:t>α</a:t>
+            </a:r>
+            <a:r>
+              <a:rPr lang="it-IT" dirty="0" smtClean="0"/>
+              <a:t>-</a:t>
+            </a:r>
+            <a:r>
+              <a:rPr lang="el-GR" dirty="0" smtClean="0"/>
+              <a:t>β</a:t>
+            </a:r>
+            <a:endParaRPr lang="it-IT" dirty="0" smtClean="0"/>
+          </a:p>
+          <a:p>
+            <a:endParaRPr lang="en-US" dirty="0"/>
+          </a:p>
+        </p:txBody>
+      </p:sp>
+      <p:sp>
+        <p:nvSpPr>
+          <p:cNvPr id="7" name="Segnaposto numero diapositiva 6"/>
+          <p:cNvSpPr>
+            <a:spLocks noGrp="1"/>
+          </p:cNvSpPr>
+          <p:nvPr>
+            <p:ph type="sldNum" sz="quarter" idx="12"/>
+          </p:nvPr>
+        </p:nvSpPr>
+        <p:spPr/>
+        <p:txBody>
+          <a:bodyPr/>
+          <a:lstStyle/>
+          <a:p>
+            <a:fld id="{4D77BA81-331F-4EED-897C-BD146A682CF5}" type="slidenum">
+              <a:rPr lang="en-US" smtClean="0"/>
+              <a:t>8</a:t>
+            </a:fld>
+            <a:endParaRPr lang="en-US"/>
+          </a:p>
+        </p:txBody>
+      </p:sp>
+    </p:spTree>
+    <p:extLst>
+      <p:ext uri="{BB962C8B-B14F-4D97-AF65-F5344CB8AC3E}">
+        <p14:creationId xmlns:p14="http://schemas.microsoft.com/office/powerpoint/2010/main" val="2927818851"/>
+      </p:ext>
+    </p:extLst>
+  </p:cSld>
+  <p:clrMapOvr>
+    <a:masterClrMapping/>
+  </p:clrMapOvr>
+  <p:timing>
+    <p:tnLst>
+      <p:par>
+        <p:cTn xmlns:p14="http://schemas.microsoft.com/office/powerpoint/2010/main" id="1" dur="indefinite" restart="never" nodeType="tmRoot"/>
+      </p:par>
+    </p:tnLst>
+  </p:timing>
+</p:sld>
+</file>
+
+<file path=ppt/slides/slide9.xml><?xml version="1.0" encoding="utf-8"?>
+<p:sld xmlns:a="http://schemas.openxmlformats.org/drawingml/2006/main" xmlns:r="http://schemas.openxmlformats.org/officeDocument/2006/relationships" xmlns:p="http://schemas.openxmlformats.org/presentationml/2006/main">
+  <p:cSld>
+    <p:spTree>
+      <p:nvGrpSpPr>
+        <p:cNvPr id="1" name=""/>
+        <p:cNvGrpSpPr/>
+        <p:nvPr/>
+      </p:nvGrpSpPr>
+      <p:grpSpPr>
+        <a:xfrm>
+          <a:off x="0" y="0"/>
+          <a:ext cx="0" cy="0"/>
+          <a:chOff x="0" y="0"/>
+          <a:chExt cx="0" cy="0"/>
+        </a:xfrm>
+      </p:grpSpPr>
+      <p:sp>
+        <p:nvSpPr>
+          <p:cNvPr id="2" name="Titolo 1"/>
+          <p:cNvSpPr>
+            <a:spLocks noGrp="1"/>
+          </p:cNvSpPr>
+          <p:nvPr>
+            <p:ph type="title"/>
+          </p:nvPr>
+        </p:nvSpPr>
+        <p:spPr/>
+        <p:txBody>
+          <a:bodyPr/>
+          <a:lstStyle/>
+          <a:p>
+            <a:r>
+              <a:rPr lang="it-IT" dirty="0" smtClean="0"/>
+              <a:t>Logica</a:t>
+            </a:r>
+            <a:endParaRPr lang="en-US" dirty="0"/>
+          </a:p>
+        </p:txBody>
+      </p:sp>
+      <p:sp>
+        <p:nvSpPr>
+          <p:cNvPr id="3" name="Segnaposto contenuto 2"/>
+          <p:cNvSpPr>
+            <a:spLocks noGrp="1"/>
+          </p:cNvSpPr>
+          <p:nvPr>
+            <p:ph idx="1"/>
+          </p:nvPr>
+        </p:nvSpPr>
+        <p:spPr>
+          <a:xfrm>
+            <a:off x="2397453" y="2587486"/>
+            <a:ext cx="8192427" cy="3124201"/>
+          </a:xfrm>
+        </p:spPr>
+        <p:txBody>
+          <a:bodyPr/>
+          <a:lstStyle/>
+          <a:p>
+            <a:pPr marL="0" indent="0">
+              <a:buNone/>
+            </a:pPr>
+            <a:r>
+              <a:rPr lang="it-IT" dirty="0" smtClean="0"/>
+              <a:t>Cinque classi principali</a:t>
+            </a:r>
+          </a:p>
+          <a:p>
+            <a:pPr marL="457200" indent="-457200">
+              <a:buFont typeface="+mj-lt"/>
+              <a:buAutoNum type="arabicPeriod"/>
+            </a:pPr>
+            <a:r>
+              <a:rPr lang="it-IT" dirty="0" smtClean="0"/>
+              <a:t>Carta</a:t>
+            </a:r>
+          </a:p>
+          <a:p>
+            <a:pPr marL="457200" indent="-457200">
+              <a:buFont typeface="+mj-lt"/>
+              <a:buAutoNum type="arabicPeriod"/>
+            </a:pPr>
+            <a:r>
+              <a:rPr lang="it-IT" dirty="0" smtClean="0"/>
+              <a:t>Mazzo</a:t>
+            </a:r>
+          </a:p>
+          <a:p>
+            <a:pPr marL="457200" indent="-457200">
+              <a:buFont typeface="+mj-lt"/>
+              <a:buAutoNum type="arabicPeriod"/>
+            </a:pPr>
+            <a:r>
+              <a:rPr lang="it-IT" dirty="0" smtClean="0"/>
+              <a:t>Giocatore</a:t>
+            </a:r>
+          </a:p>
+          <a:p>
+            <a:pPr marL="457200" indent="-457200">
+              <a:buFont typeface="+mj-lt"/>
+              <a:buAutoNum type="arabicPeriod"/>
+            </a:pPr>
+            <a:r>
+              <a:rPr lang="it-IT" dirty="0" err="1" smtClean="0"/>
+              <a:t>GiocatoreCPU</a:t>
+            </a:r>
+            <a:endParaRPr lang="it-IT" dirty="0" smtClean="0"/>
+          </a:p>
+          <a:p>
+            <a:pPr marL="457200" indent="-457200">
+              <a:buFont typeface="+mj-lt"/>
+              <a:buAutoNum type="arabicPeriod"/>
+            </a:pPr>
+            <a:r>
+              <a:rPr lang="it-IT" dirty="0" err="1" smtClean="0"/>
+              <a:t>GiocoUNO</a:t>
+            </a:r>
+            <a:endParaRPr lang="en-US" dirty="0"/>
+          </a:p>
+        </p:txBody>
+      </p:sp>
+      <p:pic>
+        <p:nvPicPr>
+          <p:cNvPr id="4" name="Immagine 3"/>
+          <p:cNvPicPr>
+            <a:picLocks noChangeAspect="1"/>
+          </p:cNvPicPr>
+          <p:nvPr/>
+        </p:nvPicPr>
+        <p:blipFill>
+          <a:blip r:embed="rId2">
+            <a:extLst>
+              <a:ext uri="{28A0092B-C50C-407E-A947-70E740481C1C}">
+                <a14:useLocalDpi xmlns:a14="http://schemas.microsoft.com/office/drawing/2010/main" val="0"/>
+              </a:ext>
+            </a:extLst>
+          </a:blip>
+          <a:stretch>
+            <a:fillRect/>
+          </a:stretch>
+        </p:blipFill>
+        <p:spPr>
+          <a:xfrm>
+            <a:off x="7739270" y="2615647"/>
+            <a:ext cx="2454302" cy="3067878"/>
+          </a:xfrm>
+          <a:prstGeom prst="rect">
+            <a:avLst/>
+          </a:prstGeom>
+          <a:ln>
+            <a:noFill/>
+          </a:ln>
+          <a:effectLst>
+            <a:softEdge rad="112500"/>
+          </a:effectLst>
+        </p:spPr>
+      </p:pic>
+      <p:sp>
+        <p:nvSpPr>
+          <p:cNvPr id="5" name="Segnaposto numero diapositiva 4"/>
+          <p:cNvSpPr>
+            <a:spLocks noGrp="1"/>
+          </p:cNvSpPr>
+          <p:nvPr>
+            <p:ph type="sldNum" sz="quarter" idx="12"/>
+          </p:nvPr>
+        </p:nvSpPr>
+        <p:spPr/>
+        <p:txBody>
+          <a:bodyPr/>
+          <a:lstStyle/>
+          <a:p>
+            <a:fld id="{4D77BA81-331F-4EED-897C-BD146A682CF5}" type="slidenum">
+              <a:rPr lang="en-US" smtClean="0"/>
+              <a:t>9</a:t>
+            </a:fld>
+            <a:endParaRPr lang="en-US"/>
+          </a:p>
+        </p:txBody>
+      </p:sp>
+    </p:spTree>
+    <p:extLst>
+      <p:ext uri="{BB962C8B-B14F-4D97-AF65-F5344CB8AC3E}">
+        <p14:creationId xmlns:p14="http://schemas.microsoft.com/office/powerpoint/2010/main" val="276171257"/>
+      </p:ext>
+    </p:extLst>
+  </p:cSld>
+  <p:clrMapOvr>
+    <a:masterClrMapping/>
+  </p:clrMapOvr>
+  <p:timing>
+    <p:tnLst>
+      <p:par>
+        <p:cTn xmlns:p14="http://schemas.microsoft.com/office/powerpoint/2010/main" id="1" dur="indefinite" restart="never" nodeType="tmRoot"/>
+      </p:par>
+    </p:tnLst>
+  </p:timing>
+</p:sld>
+</file>
+
 <file path=ppt/theme/theme1.xml><?xml version="1.0" encoding="utf-8"?>
 <a:theme xmlns:a="http://schemas.openxmlformats.org/drawingml/2006/main" name="Parallasse">
   <a:themeElements>
@@ -9684,7 +10892,7 @@
     </a:clrScheme>
     <a:fontScheme name="Parallasse">
       <a:majorFont>
-        <a:latin typeface="Corbel" panose="020B0503020204020204"/>
+        <a:latin typeface="Corbel"/>
         <a:ea typeface=""/>
         <a:cs typeface=""/>
         <a:font script="Jpan" typeface="HGｺﾞｼｯｸM"/>
@@ -9719,7 +10927,7 @@
         <a:font script="Geor" typeface="Sylfaen"/>
       </a:majorFont>
       <a:minorFont>
-        <a:latin typeface="Corbel" panose="020B0503020204020204"/>
+        <a:latin typeface="Corbel"/>
         <a:ea typeface=""/>
         <a:cs typeface=""/>
         <a:font script="Jpan" typeface="HGｺﾞｼｯｸM"/>
@@ -9891,7 +11099,7 @@
   <a:extraClrSchemeLst/>
   <a:extLst>
     <a:ext uri="{05A4C25C-085E-4340-85A3-A5531E510DB2}">
-      <thm15:themeFamily xmlns:thm15="http://schemas.microsoft.com/office/thememl/2012/main" name="Parallax" id="{3388167B-A2EB-4685-9635-1831D9AEF8C4}" vid="{4F7A876A-7598-49CA-AFC8-8EDA2551E4A7}"/>
+      <thm15:themeFamily xmlns:thm15="http://schemas.microsoft.com/office/thememl/2012/main" xmlns="" name="Parallax" id="{3388167B-A2EB-4685-9635-1831D9AEF8C4}" vid="{4F7A876A-7598-49CA-AFC8-8EDA2551E4A7}"/>
     </a:ext>
   </a:extLst>
 </a:theme>
@@ -9940,7 +11148,7 @@
     </a:clrScheme>
     <a:fontScheme name="Office">
       <a:majorFont>
-        <a:latin typeface="Calibri Light" panose="020F0302020204030204"/>
+        <a:latin typeface="Calibri Light"/>
         <a:ea typeface=""/>
         <a:cs typeface=""/>
         <a:font script="Jpan" typeface="ＭＳ Ｐゴシック"/>
@@ -9975,7 +11183,7 @@
         <a:font script="Geor" typeface="Sylfaen"/>
       </a:majorFont>
       <a:minorFont>
-        <a:latin typeface="Calibri" panose="020F0502020204030204"/>
+        <a:latin typeface="Calibri"/>
         <a:ea typeface=""/>
         <a:cs typeface=""/>
         <a:font script="Jpan" typeface="ＭＳ Ｐゴシック"/>
@@ -10152,7 +11360,7 @@
   <a:extraClrSchemeLst/>
   <a:extLst>
     <a:ext uri="{05A4C25C-085E-4340-85A3-A5531E510DB2}">
-      <thm15:themeFamily xmlns:thm15="http://schemas.microsoft.com/office/thememl/2012/main" name="Office Theme" id="{62F939B6-93AF-4DB8-9C6B-D6C7DFDC589F}" vid="{4A3C46E8-61CC-4603-A589-7422A47A8E4A}"/>
+      <thm15:themeFamily xmlns:thm15="http://schemas.microsoft.com/office/thememl/2012/main" xmlns="" name="Office Theme" id="{62F939B6-93AF-4DB8-9C6B-D6C7DFDC589F}" vid="{4A3C46E8-61CC-4603-A589-7422A47A8E4A}"/>
     </a:ext>
   </a:extLst>
 </a:theme>

--- a/presentazione/Intelligenza Artificiale.pptx
+++ b/presentazione/Intelligenza Artificiale.pptx
@@ -124,7 +124,18 @@
   </p:defaultTextStyle>
   <p:extLst>
     <p:ext uri="{EFAFB233-063F-42B5-8137-9DF3F51BA10A}">
-      <p15:sldGuideLst xmlns:p15="http://schemas.microsoft.com/office/powerpoint/2012/main" xmlns=""/>
+      <p15:sldGuideLst xmlns:p15="http://schemas.microsoft.com/office/powerpoint/2012/main">
+        <p15:guide id="1" orient="horz" pos="2160">
+          <p15:clr>
+            <a:srgbClr val="A4A3A4"/>
+          </p15:clr>
+        </p15:guide>
+        <p15:guide id="2" pos="3840">
+          <p15:clr>
+            <a:srgbClr val="A4A3A4"/>
+          </p15:clr>
+        </p15:guide>
+      </p15:sldGuideLst>
     </p:ext>
   </p:extLst>
 </p:presentation>
@@ -212,7 +223,7 @@
           <a:p>
             <a:fld id="{0DF739AF-3A66-4063-B26A-EB6607F8306A}" type="datetimeFigureOut">
               <a:rPr lang="en-US" smtClean="0"/>
-              <a:t>17/09/14</a:t>
+              <a:t>9/18/2014</a:t>
             </a:fld>
             <a:endParaRPr lang="en-US"/>
           </a:p>
@@ -371,7 +382,7 @@
           <a:p>
             <a:fld id="{AFEBDBDA-2127-4989-829D-9B33EFC2FC10}" type="slidenum">
               <a:rPr lang="en-US" smtClean="0"/>
-              <a:t>‹#›</a:t>
+              <a:t>‹N›</a:t>
             </a:fld>
             <a:endParaRPr lang="en-US"/>
           </a:p>
@@ -1066,7 +1077,7 @@
           <a:p>
             <a:fld id="{FBE60798-7AA9-4637-B4B3-C82E6612857A}" type="datetime1">
               <a:rPr lang="en-US" smtClean="0"/>
-              <a:t>17/09/14</a:t>
+              <a:t>9/18/2014</a:t>
             </a:fld>
             <a:endParaRPr lang="en-US"/>
           </a:p>
@@ -1113,7 +1124,7 @@
           <a:p>
             <a:fld id="{4D77BA81-331F-4EED-897C-BD146A682CF5}" type="slidenum">
               <a:rPr lang="en-US" smtClean="0"/>
-              <a:t>‹#›</a:t>
+              <a:t>‹N›</a:t>
             </a:fld>
             <a:endParaRPr lang="en-US"/>
           </a:p>
@@ -1362,7 +1373,7 @@
           <a:p>
             <a:fld id="{724E152F-EBD0-477F-BB60-F897B9BE8882}" type="datetime1">
               <a:rPr lang="en-US" smtClean="0"/>
-              <a:t>17/09/14</a:t>
+              <a:t>9/18/2014</a:t>
             </a:fld>
             <a:endParaRPr lang="en-US"/>
           </a:p>
@@ -1404,7 +1415,7 @@
           <a:p>
             <a:fld id="{4D77BA81-331F-4EED-897C-BD146A682CF5}" type="slidenum">
               <a:rPr lang="en-US" smtClean="0"/>
-              <a:t>‹#›</a:t>
+              <a:t>‹N›</a:t>
             </a:fld>
             <a:endParaRPr lang="en-US"/>
           </a:p>
@@ -1610,7 +1621,7 @@
           <a:p>
             <a:fld id="{11E57CAA-200D-4C0C-90DC-6607785A29AF}" type="datetime1">
               <a:rPr lang="en-US" smtClean="0"/>
-              <a:t>17/09/14</a:t>
+              <a:t>9/18/2014</a:t>
             </a:fld>
             <a:endParaRPr lang="en-US"/>
           </a:p>
@@ -1652,7 +1663,7 @@
           <a:p>
             <a:fld id="{4D77BA81-331F-4EED-897C-BD146A682CF5}" type="slidenum">
               <a:rPr lang="en-US" smtClean="0"/>
-              <a:t>‹#›</a:t>
+              <a:t>‹N›</a:t>
             </a:fld>
             <a:endParaRPr lang="en-US"/>
           </a:p>
@@ -2150,7 +2161,7 @@
           <a:p>
             <a:fld id="{5B26F14A-8427-4541-864E-CF825D54B0FA}" type="datetime1">
               <a:rPr lang="en-US" smtClean="0"/>
-              <a:t>17/09/14</a:t>
+              <a:t>9/18/2014</a:t>
             </a:fld>
             <a:endParaRPr lang="en-US"/>
           </a:p>
@@ -2192,7 +2203,7 @@
           <a:p>
             <a:fld id="{4D77BA81-331F-4EED-897C-BD146A682CF5}" type="slidenum">
               <a:rPr lang="en-US" smtClean="0"/>
-              <a:t>‹#›</a:t>
+              <a:t>‹N›</a:t>
             </a:fld>
             <a:endParaRPr lang="en-US"/>
           </a:p>
@@ -2398,7 +2409,7 @@
           <a:p>
             <a:fld id="{8EDDE34A-8711-468D-9A95-34514C842A6F}" type="datetime1">
               <a:rPr lang="en-US" smtClean="0"/>
-              <a:t>17/09/14</a:t>
+              <a:t>9/18/2014</a:t>
             </a:fld>
             <a:endParaRPr lang="en-US"/>
           </a:p>
@@ -2440,7 +2451,7 @@
           <a:p>
             <a:fld id="{4D77BA81-331F-4EED-897C-BD146A682CF5}" type="slidenum">
               <a:rPr lang="en-US" smtClean="0"/>
-              <a:t>‹#›</a:t>
+              <a:t>‹N›</a:t>
             </a:fld>
             <a:endParaRPr lang="en-US"/>
           </a:p>
@@ -2930,7 +2941,7 @@
           <a:p>
             <a:fld id="{80C94270-8188-4059-B120-018A1FD1EB5C}" type="datetime1">
               <a:rPr lang="en-US" smtClean="0"/>
-              <a:t>17/09/14</a:t>
+              <a:t>9/18/2014</a:t>
             </a:fld>
             <a:endParaRPr lang="en-US"/>
           </a:p>
@@ -2972,7 +2983,7 @@
           <a:p>
             <a:fld id="{4D77BA81-331F-4EED-897C-BD146A682CF5}" type="slidenum">
               <a:rPr lang="en-US" smtClean="0"/>
-              <a:t>‹#›</a:t>
+              <a:t>‹N›</a:t>
             </a:fld>
             <a:endParaRPr lang="en-US"/>
           </a:p>
@@ -3227,7 +3238,7 @@
           <a:p>
             <a:fld id="{57A1561F-2B60-4AF1-A6AB-4362458C2985}" type="datetime1">
               <a:rPr lang="en-US" smtClean="0"/>
-              <a:t>17/09/14</a:t>
+              <a:t>9/18/2014</a:t>
             </a:fld>
             <a:endParaRPr lang="en-US"/>
           </a:p>
@@ -3269,7 +3280,7 @@
           <a:p>
             <a:fld id="{4D77BA81-331F-4EED-897C-BD146A682CF5}" type="slidenum">
               <a:rPr lang="en-US" smtClean="0"/>
-              <a:t>‹#›</a:t>
+              <a:t>‹N›</a:t>
             </a:fld>
             <a:endParaRPr lang="en-US"/>
           </a:p>
@@ -3401,7 +3412,7 @@
           <a:p>
             <a:fld id="{7BBBCCA2-1C9A-425D-AA7A-06FE955C4EA9}" type="datetime1">
               <a:rPr lang="en-US" smtClean="0"/>
-              <a:t>17/09/14</a:t>
+              <a:t>9/18/2014</a:t>
             </a:fld>
             <a:endParaRPr lang="en-US"/>
           </a:p>
@@ -3443,7 +3454,7 @@
           <a:p>
             <a:fld id="{4D77BA81-331F-4EED-897C-BD146A682CF5}" type="slidenum">
               <a:rPr lang="en-US" smtClean="0"/>
-              <a:t>‹#›</a:t>
+              <a:t>‹N›</a:t>
             </a:fld>
             <a:endParaRPr lang="en-US"/>
           </a:p>
@@ -3581,7 +3592,7 @@
           <a:p>
             <a:fld id="{A28A0A26-131D-4149-AC95-6DD310BD0BF8}" type="datetime1">
               <a:rPr lang="en-US" smtClean="0"/>
-              <a:t>17/09/14</a:t>
+              <a:t>9/18/2014</a:t>
             </a:fld>
             <a:endParaRPr lang="en-US"/>
           </a:p>
@@ -3623,7 +3634,7 @@
           <a:p>
             <a:fld id="{4D77BA81-331F-4EED-897C-BD146A682CF5}" type="slidenum">
               <a:rPr lang="en-US" smtClean="0"/>
-              <a:t>‹#›</a:t>
+              <a:t>‹N›</a:t>
             </a:fld>
             <a:endParaRPr lang="en-US"/>
           </a:p>
@@ -3751,7 +3762,7 @@
           <a:p>
             <a:fld id="{BB8789D1-4921-44D4-AE43-5ECB1FA65A58}" type="datetime1">
               <a:rPr lang="en-US" smtClean="0"/>
-              <a:t>17/09/14</a:t>
+              <a:t>9/18/2014</a:t>
             </a:fld>
             <a:endParaRPr lang="en-US"/>
           </a:p>
@@ -3798,7 +3809,7 @@
           <a:p>
             <a:fld id="{4D77BA81-331F-4EED-897C-BD146A682CF5}" type="slidenum">
               <a:rPr lang="en-US" smtClean="0"/>
-              <a:t>‹#›</a:t>
+              <a:t>‹N›</a:t>
             </a:fld>
             <a:endParaRPr lang="en-US"/>
           </a:p>
@@ -4002,7 +4013,7 @@
           <a:p>
             <a:fld id="{67DCBFC7-C3CA-4F58-BC14-F2BF8B6A880A}" type="datetime1">
               <a:rPr lang="en-US" smtClean="0"/>
-              <a:t>17/09/14</a:t>
+              <a:t>9/18/2014</a:t>
             </a:fld>
             <a:endParaRPr lang="en-US"/>
           </a:p>
@@ -4044,7 +4055,7 @@
           <a:p>
             <a:fld id="{4D77BA81-331F-4EED-897C-BD146A682CF5}" type="slidenum">
               <a:rPr lang="en-US" smtClean="0"/>
-              <a:t>‹#›</a:t>
+              <a:t>‹N›</a:t>
             </a:fld>
             <a:endParaRPr lang="en-US"/>
           </a:p>
@@ -4299,7 +4310,7 @@
           <a:p>
             <a:fld id="{3335D4DC-C5E8-4856-8C34-DB6C0E8A3A86}" type="datetime1">
               <a:rPr lang="en-US" smtClean="0"/>
-              <a:t>17/09/14</a:t>
+              <a:t>9/18/2014</a:t>
             </a:fld>
             <a:endParaRPr lang="en-US"/>
           </a:p>
@@ -4341,7 +4352,7 @@
           <a:p>
             <a:fld id="{4D77BA81-331F-4EED-897C-BD146A682CF5}" type="slidenum">
               <a:rPr lang="en-US" smtClean="0"/>
-              <a:t>‹#›</a:t>
+              <a:t>‹N›</a:t>
             </a:fld>
             <a:endParaRPr lang="en-US"/>
           </a:p>
@@ -4741,7 +4752,7 @@
           <a:p>
             <a:fld id="{019FDECA-C980-479E-BDD8-A5C090CCF848}" type="datetime1">
               <a:rPr lang="en-US" smtClean="0"/>
-              <a:t>17/09/14</a:t>
+              <a:t>9/18/2014</a:t>
             </a:fld>
             <a:endParaRPr lang="en-US"/>
           </a:p>
@@ -4783,7 +4794,7 @@
           <a:p>
             <a:fld id="{4D77BA81-331F-4EED-897C-BD146A682CF5}" type="slidenum">
               <a:rPr lang="en-US" smtClean="0"/>
-              <a:t>‹#›</a:t>
+              <a:t>‹N›</a:t>
             </a:fld>
             <a:endParaRPr lang="en-US"/>
           </a:p>
@@ -4859,7 +4870,7 @@
           <a:p>
             <a:fld id="{50741BDD-7979-4763-8841-F7CD61BB3436}" type="datetime1">
               <a:rPr lang="en-US" smtClean="0"/>
-              <a:t>17/09/14</a:t>
+              <a:t>9/18/2014</a:t>
             </a:fld>
             <a:endParaRPr lang="en-US"/>
           </a:p>
@@ -4901,7 +4912,7 @@
           <a:p>
             <a:fld id="{4D77BA81-331F-4EED-897C-BD146A682CF5}" type="slidenum">
               <a:rPr lang="en-US" smtClean="0"/>
-              <a:t>‹#›</a:t>
+              <a:t>‹N›</a:t>
             </a:fld>
             <a:endParaRPr lang="en-US"/>
           </a:p>
@@ -4954,7 +4965,7 @@
           <a:p>
             <a:fld id="{4530133F-069F-4908-A970-37590C645366}" type="datetime1">
               <a:rPr lang="en-US" smtClean="0"/>
-              <a:t>17/09/14</a:t>
+              <a:t>9/18/2014</a:t>
             </a:fld>
             <a:endParaRPr lang="en-US"/>
           </a:p>
@@ -4996,7 +5007,7 @@
           <a:p>
             <a:fld id="{4D77BA81-331F-4EED-897C-BD146A682CF5}" type="slidenum">
               <a:rPr lang="en-US" smtClean="0"/>
-              <a:t>‹#›</a:t>
+              <a:t>‹N›</a:t>
             </a:fld>
             <a:endParaRPr lang="en-US"/>
           </a:p>
@@ -5237,7 +5248,7 @@
           <a:p>
             <a:fld id="{C33E7ED2-AD6A-447A-B4D4-C1A61C7486D0}" type="datetime1">
               <a:rPr lang="en-US" smtClean="0"/>
-              <a:t>17/09/14</a:t>
+              <a:t>9/18/2014</a:t>
             </a:fld>
             <a:endParaRPr lang="en-US"/>
           </a:p>
@@ -5279,7 +5290,7 @@
           <a:p>
             <a:fld id="{4D77BA81-331F-4EED-897C-BD146A682CF5}" type="slidenum">
               <a:rPr lang="en-US" smtClean="0"/>
-              <a:t>‹#›</a:t>
+              <a:t>‹N›</a:t>
             </a:fld>
             <a:endParaRPr lang="en-US"/>
           </a:p>
@@ -5528,7 +5539,7 @@
           <a:p>
             <a:fld id="{8C85524F-A9F9-4B4E-8FB2-6F0C545E379C}" type="datetime1">
               <a:rPr lang="en-US" smtClean="0"/>
-              <a:t>17/09/14</a:t>
+              <a:t>9/18/2014</a:t>
             </a:fld>
             <a:endParaRPr lang="en-US"/>
           </a:p>
@@ -5570,7 +5581,7 @@
           <a:p>
             <a:fld id="{4D77BA81-331F-4EED-897C-BD146A682CF5}" type="slidenum">
               <a:rPr lang="en-US" smtClean="0"/>
-              <a:t>‹#›</a:t>
+              <a:t>‹N›</a:t>
             </a:fld>
             <a:endParaRPr lang="en-US"/>
           </a:p>
@@ -6058,7 +6069,7 @@
           <a:p>
             <a:fld id="{0805E6AB-3C8A-4746-81C1-AED715637627}" type="datetime1">
               <a:rPr lang="en-US" smtClean="0"/>
-              <a:t>17/09/14</a:t>
+              <a:t>9/18/2014</a:t>
             </a:fld>
             <a:endParaRPr lang="en-US"/>
           </a:p>
@@ -6136,7 +6147,7 @@
           <a:p>
             <a:fld id="{4D77BA81-331F-4EED-897C-BD146A682CF5}" type="slidenum">
               <a:rPr lang="en-US" smtClean="0"/>
-              <a:t>‹#›</a:t>
+              <a:t>‹N›</a:t>
             </a:fld>
             <a:endParaRPr lang="en-US"/>
           </a:p>
@@ -6652,7 +6663,7 @@
         </p:nvSpPr>
         <p:spPr>
           <a:xfrm>
-            <a:off x="9203716" y="4937760"/>
+            <a:off x="9203716" y="4588509"/>
             <a:ext cx="2299306" cy="1477328"/>
           </a:xfrm>
           <a:prstGeom prst="rect">
@@ -6736,7 +6747,7 @@
   <p:timing>
     <p:tnLst>
       <p:par>
-        <p:cTn xmlns:p14="http://schemas.microsoft.com/office/powerpoint/2010/main" id="1" dur="indefinite" restart="never" nodeType="tmRoot"/>
+        <p:cTn id="1" dur="indefinite" restart="never" nodeType="tmRoot"/>
       </p:par>
     </p:tnLst>
   </p:timing>
@@ -6918,7 +6929,7 @@
   <p:timing>
     <p:tnLst>
       <p:par>
-        <p:cTn xmlns:p14="http://schemas.microsoft.com/office/powerpoint/2010/main" id="1" dur="indefinite" restart="never" nodeType="tmRoot"/>
+        <p:cTn id="1" dur="indefinite" restart="never" nodeType="tmRoot"/>
       </p:par>
     </p:tnLst>
   </p:timing>
@@ -7213,7 +7224,7 @@
   <p:timing>
     <p:tnLst>
       <p:par>
-        <p:cTn xmlns:p14="http://schemas.microsoft.com/office/powerpoint/2010/main" id="1" dur="indefinite" restart="never" nodeType="tmRoot"/>
+        <p:cTn id="1" dur="indefinite" restart="never" nodeType="tmRoot"/>
       </p:par>
     </p:tnLst>
   </p:timing>
@@ -7551,7 +7562,7 @@
   <p:timing>
     <p:tnLst>
       <p:par>
-        <p:cTn xmlns:p14="http://schemas.microsoft.com/office/powerpoint/2010/main" id="1" dur="indefinite" restart="never" nodeType="tmRoot"/>
+        <p:cTn id="1" dur="indefinite" restart="never" nodeType="tmRoot"/>
       </p:par>
     </p:tnLst>
   </p:timing>
@@ -8271,7 +8282,7 @@
   <p:timing>
     <p:tnLst>
       <p:par>
-        <p:cTn xmlns:p14="http://schemas.microsoft.com/office/powerpoint/2010/main" id="1" dur="indefinite" restart="never" nodeType="tmRoot">
+        <p:cTn id="1" dur="indefinite" restart="never" nodeType="tmRoot">
           <p:childTnLst>
             <p:seq concurrent="1" nextAc="seek">
               <p:cTn id="2" dur="indefinite" nodeType="mainSeq">
@@ -8477,7 +8488,7 @@
   <p:timing>
     <p:tnLst>
       <p:par>
-        <p:cTn xmlns:p14="http://schemas.microsoft.com/office/powerpoint/2010/main" id="1" dur="indefinite" restart="never" nodeType="tmRoot"/>
+        <p:cTn id="1" dur="indefinite" restart="never" nodeType="tmRoot"/>
       </p:par>
     </p:tnLst>
   </p:timing>
@@ -8762,7 +8773,7 @@
   <p:timing>
     <p:tnLst>
       <p:par>
-        <p:cTn xmlns:p14="http://schemas.microsoft.com/office/powerpoint/2010/main" id="1" dur="indefinite" restart="never" nodeType="tmRoot"/>
+        <p:cTn id="1" dur="indefinite" restart="never" nodeType="tmRoot"/>
       </p:par>
     </p:tnLst>
   </p:timing>
@@ -8894,7 +8905,7 @@
   <p:timing>
     <p:tnLst>
       <p:par>
-        <p:cTn xmlns:p14="http://schemas.microsoft.com/office/powerpoint/2010/main" id="1" dur="indefinite" restart="never" nodeType="tmRoot"/>
+        <p:cTn id="1" dur="indefinite" restart="never" nodeType="tmRoot"/>
       </p:par>
     </p:tnLst>
   </p:timing>
@@ -8985,76 +8996,6 @@
       </p:pic>
       <p:sp>
         <p:nvSpPr>
-          <p:cNvPr id="7" name="CasellaDiTesto 6"/>
-          <p:cNvSpPr txBox="1"/>
-          <p:nvPr/>
-        </p:nvSpPr>
-        <p:spPr>
-          <a:xfrm>
-            <a:off x="2719236" y="5359179"/>
-            <a:ext cx="7548861" cy="369332"/>
-          </a:xfrm>
-          <a:prstGeom prst="rect">
-            <a:avLst/>
-          </a:prstGeom>
-          <a:noFill/>
-        </p:spPr>
-        <p:txBody>
-          <a:bodyPr wrap="none" rtlCol="0">
-            <a:spAutoFit/>
-          </a:bodyPr>
-          <a:lstStyle/>
-          <a:p>
-            <a:r>
-              <a:rPr lang="it-IT" dirty="0"/>
-              <a:t>Colui che riesce a esaurire tutte le carte che ha nella sua mano vince la partita.</a:t>
-            </a:r>
-            <a:endParaRPr lang="en-US" dirty="0"/>
-          </a:p>
-        </p:txBody>
-      </p:sp>
-      <p:pic>
-        <p:nvPicPr>
-          <p:cNvPr id="8" name="Immagine 7"/>
-          <p:cNvPicPr>
-            <a:picLocks noChangeAspect="1"/>
-          </p:cNvPicPr>
-          <p:nvPr/>
-        </p:nvPicPr>
-        <p:blipFill>
-          <a:blip r:embed="rId3" cstate="print">
-            <a:extLst>
-              <a:ext uri="{28A0092B-C50C-407E-A947-70E740481C1C}">
-                <a14:useLocalDpi xmlns:a14="http://schemas.microsoft.com/office/drawing/2010/main" val="0"/>
-              </a:ext>
-            </a:extLst>
-          </a:blip>
-          <a:stretch>
-            <a:fillRect/>
-          </a:stretch>
-        </p:blipFill>
-        <p:spPr>
-          <a:xfrm>
-            <a:off x="9991579" y="4993218"/>
-            <a:ext cx="718644" cy="1101254"/>
-          </a:xfrm>
-          <a:prstGeom prst="rect">
-            <a:avLst/>
-          </a:prstGeom>
-          <a:ln>
-            <a:noFill/>
-          </a:ln>
-          <a:effectLst>
-            <a:outerShdw blurRad="190500" algn="tl" rotWithShape="0">
-              <a:srgbClr val="000000">
-                <a:alpha val="70000"/>
-              </a:srgbClr>
-            </a:outerShdw>
-          </a:effectLst>
-        </p:spPr>
-      </p:pic>
-      <p:sp>
-        <p:nvSpPr>
           <p:cNvPr id="9" name="Segnaposto numero diapositiva 8"/>
           <p:cNvSpPr>
             <a:spLocks noGrp="1"/>
@@ -9089,7 +9030,7 @@
   <p:timing>
     <p:tnLst>
       <p:par>
-        <p:cTn xmlns:p14="http://schemas.microsoft.com/office/powerpoint/2010/main" id="1" dur="indefinite" restart="never" nodeType="tmRoot"/>
+        <p:cTn id="1" dur="indefinite" restart="never" nodeType="tmRoot"/>
       </p:par>
     </p:tnLst>
   </p:timing>
@@ -9272,6 +9213,62 @@
           </a:p>
         </p:txBody>
       </p:sp>
+      <p:pic>
+        <p:nvPicPr>
+          <p:cNvPr id="11" name="Immagine 10"/>
+          <p:cNvPicPr>
+            <a:picLocks noChangeAspect="1"/>
+          </p:cNvPicPr>
+          <p:nvPr/>
+        </p:nvPicPr>
+        <p:blipFill>
+          <a:blip r:embed="rId2">
+            <a:extLst>
+              <a:ext uri="{28A0092B-C50C-407E-A947-70E740481C1C}">
+                <a14:useLocalDpi xmlns:a14="http://schemas.microsoft.com/office/drawing/2010/main" val="0"/>
+              </a:ext>
+            </a:extLst>
+          </a:blip>
+          <a:stretch>
+            <a:fillRect/>
+          </a:stretch>
+        </p:blipFill>
+        <p:spPr>
+          <a:xfrm>
+            <a:off x="6493666" y="2202733"/>
+            <a:ext cx="4489836" cy="2993224"/>
+          </a:xfrm>
+          <a:prstGeom prst="roundRect">
+            <a:avLst>
+              <a:gd name="adj" fmla="val 4167"/>
+            </a:avLst>
+          </a:prstGeom>
+          <a:solidFill>
+            <a:srgbClr val="FFFFFF"/>
+          </a:solidFill>
+          <a:ln w="76200" cap="sq">
+            <a:solidFill>
+              <a:srgbClr val="EAEAEA"/>
+            </a:solidFill>
+            <a:miter lim="800000"/>
+          </a:ln>
+          <a:effectLst>
+            <a:reflection blurRad="12700" stA="33000" endPos="28000" dist="5000" dir="5400000" sy="-100000" algn="bl" rotWithShape="0"/>
+          </a:effectLst>
+          <a:scene3d>
+            <a:camera prst="orthographicFront"/>
+            <a:lightRig rig="threePt" dir="t">
+              <a:rot lat="0" lon="0" rev="2700000"/>
+            </a:lightRig>
+          </a:scene3d>
+          <a:sp3d contourW="6350">
+            <a:bevelT h="38100"/>
+            <a:contourClr>
+              <a:srgbClr val="C0C0C0"/>
+            </a:contourClr>
+          </a:sp3d>
+        </p:spPr>
+      </p:pic>
     </p:spTree>
     <p:extLst>
       <p:ext uri="{BB962C8B-B14F-4D97-AF65-F5344CB8AC3E}">
@@ -9282,6 +9279,13 @@
   <p:clrMapOvr>
     <a:masterClrMapping/>
   </p:clrMapOvr>
+  <p:timing>
+    <p:tnLst>
+      <p:par>
+        <p:cTn id="1" dur="indefinite" restart="never" nodeType="tmRoot"/>
+      </p:par>
+    </p:tnLst>
+  </p:timing>
 </p:sld>
 </file>
 
@@ -9716,11 +9720,7 @@
             </a:r>
             <a:r>
               <a:rPr lang="en-US" dirty="0" smtClean="0"/>
-              <a:t> un +</a:t>
-            </a:r>
-            <a:r>
-              <a:rPr lang="en-US" dirty="0" smtClean="0"/>
-              <a:t>4 cambia </a:t>
+              <a:t> un +4 cambia </a:t>
             </a:r>
             <a:r>
               <a:rPr lang="en-US" dirty="0" err="1" smtClean="0"/>
@@ -9849,6 +9849,60 @@
           </a:p>
         </p:txBody>
       </p:sp>
+      <p:pic>
+        <p:nvPicPr>
+          <p:cNvPr id="5" name="Immagine 4"/>
+          <p:cNvPicPr>
+            <a:picLocks noChangeAspect="1"/>
+          </p:cNvPicPr>
+          <p:nvPr/>
+        </p:nvPicPr>
+        <p:blipFill>
+          <a:blip r:embed="rId2">
+            <a:extLst>
+              <a:ext uri="{28A0092B-C50C-407E-A947-70E740481C1C}">
+                <a14:useLocalDpi xmlns:a14="http://schemas.microsoft.com/office/drawing/2010/main" val="0"/>
+              </a:ext>
+            </a:extLst>
+          </a:blip>
+          <a:stretch>
+            <a:fillRect/>
+          </a:stretch>
+        </p:blipFill>
+        <p:spPr>
+          <a:xfrm>
+            <a:off x="8749084" y="3373193"/>
+            <a:ext cx="2613330" cy="1285850"/>
+          </a:xfrm>
+          <a:prstGeom prst="ellipse">
+            <a:avLst/>
+          </a:prstGeom>
+          <a:ln w="63500" cap="rnd">
+            <a:solidFill>
+              <a:srgbClr val="333333"/>
+            </a:solidFill>
+          </a:ln>
+          <a:effectLst>
+            <a:outerShdw blurRad="381000" dist="292100" dir="5400000" sx="-80000" sy="-18000" rotWithShape="0">
+              <a:srgbClr val="000000">
+                <a:alpha val="22000"/>
+              </a:srgbClr>
+            </a:outerShdw>
+          </a:effectLst>
+          <a:scene3d>
+            <a:camera prst="orthographicFront"/>
+            <a:lightRig rig="contrasting" dir="t">
+              <a:rot lat="0" lon="0" rev="3000000"/>
+            </a:lightRig>
+          </a:scene3d>
+          <a:sp3d contourW="7620">
+            <a:bevelT w="95250" h="31750"/>
+            <a:contourClr>
+              <a:srgbClr val="333333"/>
+            </a:contourClr>
+          </a:sp3d>
+        </p:spPr>
+      </p:pic>
     </p:spTree>
     <p:extLst>
       <p:ext uri="{BB962C8B-B14F-4D97-AF65-F5344CB8AC3E}">
@@ -9862,7 +9916,7 @@
   <p:timing>
     <p:tnLst>
       <p:par>
-        <p:cTn xmlns:p14="http://schemas.microsoft.com/office/powerpoint/2010/main" id="1" dur="indefinite" restart="never" nodeType="tmRoot"/>
+        <p:cTn id="1" dur="indefinite" restart="never" nodeType="tmRoot"/>
       </p:par>
     </p:tnLst>
   </p:timing>
@@ -10127,6 +10181,46 @@
           </a:p>
         </p:txBody>
       </p:sp>
+      <p:pic>
+        <p:nvPicPr>
+          <p:cNvPr id="6" name="Immagine 5"/>
+          <p:cNvPicPr>
+            <a:picLocks noChangeAspect="1"/>
+          </p:cNvPicPr>
+          <p:nvPr/>
+        </p:nvPicPr>
+        <p:blipFill>
+          <a:blip r:embed="rId2">
+            <a:extLst>
+              <a:ext uri="{28A0092B-C50C-407E-A947-70E740481C1C}">
+                <a14:useLocalDpi xmlns:a14="http://schemas.microsoft.com/office/drawing/2010/main" val="0"/>
+              </a:ext>
+            </a:extLst>
+          </a:blip>
+          <a:stretch>
+            <a:fillRect/>
+          </a:stretch>
+        </p:blipFill>
+        <p:spPr>
+          <a:xfrm>
+            <a:off x="9223647" y="2188693"/>
+            <a:ext cx="2279376" cy="1845834"/>
+          </a:xfrm>
+          <a:prstGeom prst="rect">
+            <a:avLst/>
+          </a:prstGeom>
+          <a:ln>
+            <a:noFill/>
+          </a:ln>
+          <a:effectLst>
+            <a:outerShdw blurRad="292100" dist="139700" dir="2700000" algn="tl" rotWithShape="0">
+              <a:srgbClr val="333333">
+                <a:alpha val="65000"/>
+              </a:srgbClr>
+            </a:outerShdw>
+          </a:effectLst>
+        </p:spPr>
+      </p:pic>
     </p:spTree>
     <p:extLst>
       <p:ext uri="{BB962C8B-B14F-4D97-AF65-F5344CB8AC3E}">
@@ -10137,6 +10231,13 @@
   <p:clrMapOvr>
     <a:masterClrMapping/>
   </p:clrMapOvr>
+  <p:timing>
+    <p:tnLst>
+      <p:par>
+        <p:cTn id="1" dur="indefinite" restart="never" nodeType="tmRoot"/>
+      </p:par>
+    </p:tnLst>
+  </p:timing>
 </p:sld>
 </file>
 
@@ -10267,6 +10368,13 @@
   <p:clrMapOvr>
     <a:masterClrMapping/>
   </p:clrMapOvr>
+  <p:timing>
+    <p:tnLst>
+      <p:par>
+        <p:cTn id="1" dur="indefinite" restart="never" nodeType="tmRoot"/>
+      </p:par>
+    </p:tnLst>
+  </p:timing>
 </p:sld>
 </file>
 
@@ -10367,6 +10475,19 @@
             <a:off x="1484310" y="1545249"/>
             <a:ext cx="10018713" cy="4895840"/>
           </a:xfrm>
+          <a:prstGeom prst="rect">
+            <a:avLst/>
+          </a:prstGeom>
+          <a:ln>
+            <a:noFill/>
+          </a:ln>
+          <a:effectLst>
+            <a:outerShdw blurRad="190500" algn="tl" rotWithShape="0">
+              <a:srgbClr val="000000">
+                <a:alpha val="70000"/>
+              </a:srgbClr>
+            </a:outerShdw>
+          </a:effectLst>
         </p:spPr>
       </p:pic>
       <p:sp>
@@ -10402,6 +10523,13 @@
   <p:clrMapOvr>
     <a:masterClrMapping/>
   </p:clrMapOvr>
+  <p:timing>
+    <p:tnLst>
+      <p:par>
+        <p:cTn id="1" dur="indefinite" restart="never" nodeType="tmRoot"/>
+      </p:par>
+    </p:tnLst>
+  </p:timing>
 </p:sld>
 </file>
 
@@ -10641,7 +10769,7 @@
   <p:timing>
     <p:tnLst>
       <p:par>
-        <p:cTn xmlns:p14="http://schemas.microsoft.com/office/powerpoint/2010/main" id="1" dur="indefinite" restart="never" nodeType="tmRoot"/>
+        <p:cTn id="1" dur="indefinite" restart="never" nodeType="tmRoot"/>
       </p:par>
     </p:tnLst>
   </p:timing>
@@ -10842,7 +10970,7 @@
   <p:timing>
     <p:tnLst>
       <p:par>
-        <p:cTn xmlns:p14="http://schemas.microsoft.com/office/powerpoint/2010/main" id="1" dur="indefinite" restart="never" nodeType="tmRoot"/>
+        <p:cTn id="1" dur="indefinite" restart="never" nodeType="tmRoot"/>
       </p:par>
     </p:tnLst>
   </p:timing>
@@ -11099,7 +11227,7 @@
   <a:extraClrSchemeLst/>
   <a:extLst>
     <a:ext uri="{05A4C25C-085E-4340-85A3-A5531E510DB2}">
-      <thm15:themeFamily xmlns:thm15="http://schemas.microsoft.com/office/thememl/2012/main" xmlns="" name="Parallax" id="{3388167B-A2EB-4685-9635-1831D9AEF8C4}" vid="{4F7A876A-7598-49CA-AFC8-8EDA2551E4A7}"/>
+      <thm15:themeFamily xmlns:thm15="http://schemas.microsoft.com/office/thememl/2012/main" name="Parallax" id="{3388167B-A2EB-4685-9635-1831D9AEF8C4}" vid="{4F7A876A-7598-49CA-AFC8-8EDA2551E4A7}"/>
     </a:ext>
   </a:extLst>
 </a:theme>
@@ -11360,7 +11488,7 @@
   <a:extraClrSchemeLst/>
   <a:extLst>
     <a:ext uri="{05A4C25C-085E-4340-85A3-A5531E510DB2}">
-      <thm15:themeFamily xmlns:thm15="http://schemas.microsoft.com/office/thememl/2012/main" xmlns="" name="Office Theme" id="{62F939B6-93AF-4DB8-9C6B-D6C7DFDC589F}" vid="{4A3C46E8-61CC-4603-A589-7422A47A8E4A}"/>
+      <thm15:themeFamily xmlns:thm15="http://schemas.microsoft.com/office/thememl/2012/main" name="Office Theme" id="{62F939B6-93AF-4DB8-9C6B-D6C7DFDC589F}" vid="{4A3C46E8-61CC-4603-A589-7422A47A8E4A}"/>
     </a:ext>
   </a:extLst>
 </a:theme>

--- a/presentazione/Intelligenza Artificiale.pptx
+++ b/presentazione/Intelligenza Artificiale.pptx
@@ -5,7 +5,7 @@
     <p:sldMasterId id="2147483660" r:id="rId1"/>
   </p:sldMasterIdLst>
   <p:notesMasterIdLst>
-    <p:notesMasterId r:id="rId18"/>
+    <p:notesMasterId r:id="rId19"/>
   </p:notesMasterIdLst>
   <p:sldIdLst>
     <p:sldId id="256" r:id="rId2"/>
@@ -13,17 +13,18 @@
     <p:sldId id="268" r:id="rId4"/>
     <p:sldId id="259" r:id="rId5"/>
     <p:sldId id="269" r:id="rId6"/>
-    <p:sldId id="270" r:id="rId7"/>
-    <p:sldId id="271" r:id="rId8"/>
-    <p:sldId id="258" r:id="rId9"/>
-    <p:sldId id="260" r:id="rId10"/>
-    <p:sldId id="261" r:id="rId11"/>
-    <p:sldId id="262" r:id="rId12"/>
-    <p:sldId id="263" r:id="rId13"/>
-    <p:sldId id="264" r:id="rId14"/>
-    <p:sldId id="265" r:id="rId15"/>
-    <p:sldId id="266" r:id="rId16"/>
-    <p:sldId id="267" r:id="rId17"/>
+    <p:sldId id="272" r:id="rId7"/>
+    <p:sldId id="270" r:id="rId8"/>
+    <p:sldId id="271" r:id="rId9"/>
+    <p:sldId id="258" r:id="rId10"/>
+    <p:sldId id="260" r:id="rId11"/>
+    <p:sldId id="261" r:id="rId12"/>
+    <p:sldId id="262" r:id="rId13"/>
+    <p:sldId id="263" r:id="rId14"/>
+    <p:sldId id="264" r:id="rId15"/>
+    <p:sldId id="265" r:id="rId16"/>
+    <p:sldId id="266" r:id="rId17"/>
+    <p:sldId id="267" r:id="rId18"/>
   </p:sldIdLst>
   <p:sldSz cx="12192000" cy="6858000"/>
   <p:notesSz cx="6858000" cy="9144000"/>
@@ -124,7 +125,7 @@
   </p:defaultTextStyle>
   <p:extLst>
     <p:ext uri="{EFAFB233-063F-42B5-8137-9DF3F51BA10A}">
-      <p15:sldGuideLst xmlns:p15="http://schemas.microsoft.com/office/powerpoint/2012/main">
+      <p15:sldGuideLst xmlns:p15="http://schemas.microsoft.com/office/powerpoint/2012/main" xmlns="">
         <p15:guide id="1" orient="horz" pos="2160">
           <p15:clr>
             <a:srgbClr val="A4A3A4"/>
@@ -223,7 +224,7 @@
           <a:p>
             <a:fld id="{0DF739AF-3A66-4063-B26A-EB6607F8306A}" type="datetimeFigureOut">
               <a:rPr lang="en-US" smtClean="0"/>
-              <a:t>9/18/2014</a:t>
+              <a:t>18/09/14</a:t>
             </a:fld>
             <a:endParaRPr lang="en-US"/>
           </a:p>
@@ -382,7 +383,7 @@
           <a:p>
             <a:fld id="{AFEBDBDA-2127-4989-829D-9B33EFC2FC10}" type="slidenum">
               <a:rPr lang="en-US" smtClean="0"/>
-              <a:t>‹N›</a:t>
+              <a:t>‹#›</a:t>
             </a:fld>
             <a:endParaRPr lang="en-US"/>
           </a:p>
@@ -556,7 +557,7 @@
           <a:p>
             <a:fld id="{AFEBDBDA-2127-4989-829D-9B33EFC2FC10}" type="slidenum">
               <a:rPr lang="en-US" smtClean="0"/>
-              <a:t>16</a:t>
+              <a:t>17</a:t>
             </a:fld>
             <a:endParaRPr lang="en-US"/>
           </a:p>
@@ -1077,7 +1078,7 @@
           <a:p>
             <a:fld id="{FBE60798-7AA9-4637-B4B3-C82E6612857A}" type="datetime1">
               <a:rPr lang="en-US" smtClean="0"/>
-              <a:t>9/18/2014</a:t>
+              <a:t>18/09/14</a:t>
             </a:fld>
             <a:endParaRPr lang="en-US"/>
           </a:p>
@@ -1124,7 +1125,7 @@
           <a:p>
             <a:fld id="{4D77BA81-331F-4EED-897C-BD146A682CF5}" type="slidenum">
               <a:rPr lang="en-US" smtClean="0"/>
-              <a:t>‹N›</a:t>
+              <a:t>‹#›</a:t>
             </a:fld>
             <a:endParaRPr lang="en-US"/>
           </a:p>
@@ -1373,7 +1374,7 @@
           <a:p>
             <a:fld id="{724E152F-EBD0-477F-BB60-F897B9BE8882}" type="datetime1">
               <a:rPr lang="en-US" smtClean="0"/>
-              <a:t>9/18/2014</a:t>
+              <a:t>18/09/14</a:t>
             </a:fld>
             <a:endParaRPr lang="en-US"/>
           </a:p>
@@ -1415,7 +1416,7 @@
           <a:p>
             <a:fld id="{4D77BA81-331F-4EED-897C-BD146A682CF5}" type="slidenum">
               <a:rPr lang="en-US" smtClean="0"/>
-              <a:t>‹N›</a:t>
+              <a:t>‹#›</a:t>
             </a:fld>
             <a:endParaRPr lang="en-US"/>
           </a:p>
@@ -1621,7 +1622,7 @@
           <a:p>
             <a:fld id="{11E57CAA-200D-4C0C-90DC-6607785A29AF}" type="datetime1">
               <a:rPr lang="en-US" smtClean="0"/>
-              <a:t>9/18/2014</a:t>
+              <a:t>18/09/14</a:t>
             </a:fld>
             <a:endParaRPr lang="en-US"/>
           </a:p>
@@ -1663,7 +1664,7 @@
           <a:p>
             <a:fld id="{4D77BA81-331F-4EED-897C-BD146A682CF5}" type="slidenum">
               <a:rPr lang="en-US" smtClean="0"/>
-              <a:t>‹N›</a:t>
+              <a:t>‹#›</a:t>
             </a:fld>
             <a:endParaRPr lang="en-US"/>
           </a:p>
@@ -2161,7 +2162,7 @@
           <a:p>
             <a:fld id="{5B26F14A-8427-4541-864E-CF825D54B0FA}" type="datetime1">
               <a:rPr lang="en-US" smtClean="0"/>
-              <a:t>9/18/2014</a:t>
+              <a:t>18/09/14</a:t>
             </a:fld>
             <a:endParaRPr lang="en-US"/>
           </a:p>
@@ -2203,7 +2204,7 @@
           <a:p>
             <a:fld id="{4D77BA81-331F-4EED-897C-BD146A682CF5}" type="slidenum">
               <a:rPr lang="en-US" smtClean="0"/>
-              <a:t>‹N›</a:t>
+              <a:t>‹#›</a:t>
             </a:fld>
             <a:endParaRPr lang="en-US"/>
           </a:p>
@@ -2409,7 +2410,7 @@
           <a:p>
             <a:fld id="{8EDDE34A-8711-468D-9A95-34514C842A6F}" type="datetime1">
               <a:rPr lang="en-US" smtClean="0"/>
-              <a:t>9/18/2014</a:t>
+              <a:t>18/09/14</a:t>
             </a:fld>
             <a:endParaRPr lang="en-US"/>
           </a:p>
@@ -2451,7 +2452,7 @@
           <a:p>
             <a:fld id="{4D77BA81-331F-4EED-897C-BD146A682CF5}" type="slidenum">
               <a:rPr lang="en-US" smtClean="0"/>
-              <a:t>‹N›</a:t>
+              <a:t>‹#›</a:t>
             </a:fld>
             <a:endParaRPr lang="en-US"/>
           </a:p>
@@ -2941,7 +2942,7 @@
           <a:p>
             <a:fld id="{80C94270-8188-4059-B120-018A1FD1EB5C}" type="datetime1">
               <a:rPr lang="en-US" smtClean="0"/>
-              <a:t>9/18/2014</a:t>
+              <a:t>18/09/14</a:t>
             </a:fld>
             <a:endParaRPr lang="en-US"/>
           </a:p>
@@ -2983,7 +2984,7 @@
           <a:p>
             <a:fld id="{4D77BA81-331F-4EED-897C-BD146A682CF5}" type="slidenum">
               <a:rPr lang="en-US" smtClean="0"/>
-              <a:t>‹N›</a:t>
+              <a:t>‹#›</a:t>
             </a:fld>
             <a:endParaRPr lang="en-US"/>
           </a:p>
@@ -3238,7 +3239,7 @@
           <a:p>
             <a:fld id="{57A1561F-2B60-4AF1-A6AB-4362458C2985}" type="datetime1">
               <a:rPr lang="en-US" smtClean="0"/>
-              <a:t>9/18/2014</a:t>
+              <a:t>18/09/14</a:t>
             </a:fld>
             <a:endParaRPr lang="en-US"/>
           </a:p>
@@ -3280,7 +3281,7 @@
           <a:p>
             <a:fld id="{4D77BA81-331F-4EED-897C-BD146A682CF5}" type="slidenum">
               <a:rPr lang="en-US" smtClean="0"/>
-              <a:t>‹N›</a:t>
+              <a:t>‹#›</a:t>
             </a:fld>
             <a:endParaRPr lang="en-US"/>
           </a:p>
@@ -3412,7 +3413,7 @@
           <a:p>
             <a:fld id="{7BBBCCA2-1C9A-425D-AA7A-06FE955C4EA9}" type="datetime1">
               <a:rPr lang="en-US" smtClean="0"/>
-              <a:t>9/18/2014</a:t>
+              <a:t>18/09/14</a:t>
             </a:fld>
             <a:endParaRPr lang="en-US"/>
           </a:p>
@@ -3454,7 +3455,7 @@
           <a:p>
             <a:fld id="{4D77BA81-331F-4EED-897C-BD146A682CF5}" type="slidenum">
               <a:rPr lang="en-US" smtClean="0"/>
-              <a:t>‹N›</a:t>
+              <a:t>‹#›</a:t>
             </a:fld>
             <a:endParaRPr lang="en-US"/>
           </a:p>
@@ -3592,7 +3593,7 @@
           <a:p>
             <a:fld id="{A28A0A26-131D-4149-AC95-6DD310BD0BF8}" type="datetime1">
               <a:rPr lang="en-US" smtClean="0"/>
-              <a:t>9/18/2014</a:t>
+              <a:t>18/09/14</a:t>
             </a:fld>
             <a:endParaRPr lang="en-US"/>
           </a:p>
@@ -3634,7 +3635,7 @@
           <a:p>
             <a:fld id="{4D77BA81-331F-4EED-897C-BD146A682CF5}" type="slidenum">
               <a:rPr lang="en-US" smtClean="0"/>
-              <a:t>‹N›</a:t>
+              <a:t>‹#›</a:t>
             </a:fld>
             <a:endParaRPr lang="en-US"/>
           </a:p>
@@ -3762,7 +3763,7 @@
           <a:p>
             <a:fld id="{BB8789D1-4921-44D4-AE43-5ECB1FA65A58}" type="datetime1">
               <a:rPr lang="en-US" smtClean="0"/>
-              <a:t>9/18/2014</a:t>
+              <a:t>18/09/14</a:t>
             </a:fld>
             <a:endParaRPr lang="en-US"/>
           </a:p>
@@ -3809,7 +3810,7 @@
           <a:p>
             <a:fld id="{4D77BA81-331F-4EED-897C-BD146A682CF5}" type="slidenum">
               <a:rPr lang="en-US" smtClean="0"/>
-              <a:t>‹N›</a:t>
+              <a:t>‹#›</a:t>
             </a:fld>
             <a:endParaRPr lang="en-US"/>
           </a:p>
@@ -4013,7 +4014,7 @@
           <a:p>
             <a:fld id="{67DCBFC7-C3CA-4F58-BC14-F2BF8B6A880A}" type="datetime1">
               <a:rPr lang="en-US" smtClean="0"/>
-              <a:t>9/18/2014</a:t>
+              <a:t>18/09/14</a:t>
             </a:fld>
             <a:endParaRPr lang="en-US"/>
           </a:p>
@@ -4055,7 +4056,7 @@
           <a:p>
             <a:fld id="{4D77BA81-331F-4EED-897C-BD146A682CF5}" type="slidenum">
               <a:rPr lang="en-US" smtClean="0"/>
-              <a:t>‹N›</a:t>
+              <a:t>‹#›</a:t>
             </a:fld>
             <a:endParaRPr lang="en-US"/>
           </a:p>
@@ -4310,7 +4311,7 @@
           <a:p>
             <a:fld id="{3335D4DC-C5E8-4856-8C34-DB6C0E8A3A86}" type="datetime1">
               <a:rPr lang="en-US" smtClean="0"/>
-              <a:t>9/18/2014</a:t>
+              <a:t>18/09/14</a:t>
             </a:fld>
             <a:endParaRPr lang="en-US"/>
           </a:p>
@@ -4352,7 +4353,7 @@
           <a:p>
             <a:fld id="{4D77BA81-331F-4EED-897C-BD146A682CF5}" type="slidenum">
               <a:rPr lang="en-US" smtClean="0"/>
-              <a:t>‹N›</a:t>
+              <a:t>‹#›</a:t>
             </a:fld>
             <a:endParaRPr lang="en-US"/>
           </a:p>
@@ -4752,7 +4753,7 @@
           <a:p>
             <a:fld id="{019FDECA-C980-479E-BDD8-A5C090CCF848}" type="datetime1">
               <a:rPr lang="en-US" smtClean="0"/>
-              <a:t>9/18/2014</a:t>
+              <a:t>18/09/14</a:t>
             </a:fld>
             <a:endParaRPr lang="en-US"/>
           </a:p>
@@ -4794,7 +4795,7 @@
           <a:p>
             <a:fld id="{4D77BA81-331F-4EED-897C-BD146A682CF5}" type="slidenum">
               <a:rPr lang="en-US" smtClean="0"/>
-              <a:t>‹N›</a:t>
+              <a:t>‹#›</a:t>
             </a:fld>
             <a:endParaRPr lang="en-US"/>
           </a:p>
@@ -4870,7 +4871,7 @@
           <a:p>
             <a:fld id="{50741BDD-7979-4763-8841-F7CD61BB3436}" type="datetime1">
               <a:rPr lang="en-US" smtClean="0"/>
-              <a:t>9/18/2014</a:t>
+              <a:t>18/09/14</a:t>
             </a:fld>
             <a:endParaRPr lang="en-US"/>
           </a:p>
@@ -4912,7 +4913,7 @@
           <a:p>
             <a:fld id="{4D77BA81-331F-4EED-897C-BD146A682CF5}" type="slidenum">
               <a:rPr lang="en-US" smtClean="0"/>
-              <a:t>‹N›</a:t>
+              <a:t>‹#›</a:t>
             </a:fld>
             <a:endParaRPr lang="en-US"/>
           </a:p>
@@ -4965,7 +4966,7 @@
           <a:p>
             <a:fld id="{4530133F-069F-4908-A970-37590C645366}" type="datetime1">
               <a:rPr lang="en-US" smtClean="0"/>
-              <a:t>9/18/2014</a:t>
+              <a:t>18/09/14</a:t>
             </a:fld>
             <a:endParaRPr lang="en-US"/>
           </a:p>
@@ -5007,7 +5008,7 @@
           <a:p>
             <a:fld id="{4D77BA81-331F-4EED-897C-BD146A682CF5}" type="slidenum">
               <a:rPr lang="en-US" smtClean="0"/>
-              <a:t>‹N›</a:t>
+              <a:t>‹#›</a:t>
             </a:fld>
             <a:endParaRPr lang="en-US"/>
           </a:p>
@@ -5248,7 +5249,7 @@
           <a:p>
             <a:fld id="{C33E7ED2-AD6A-447A-B4D4-C1A61C7486D0}" type="datetime1">
               <a:rPr lang="en-US" smtClean="0"/>
-              <a:t>9/18/2014</a:t>
+              <a:t>18/09/14</a:t>
             </a:fld>
             <a:endParaRPr lang="en-US"/>
           </a:p>
@@ -5290,7 +5291,7 @@
           <a:p>
             <a:fld id="{4D77BA81-331F-4EED-897C-BD146A682CF5}" type="slidenum">
               <a:rPr lang="en-US" smtClean="0"/>
-              <a:t>‹N›</a:t>
+              <a:t>‹#›</a:t>
             </a:fld>
             <a:endParaRPr lang="en-US"/>
           </a:p>
@@ -5539,7 +5540,7 @@
           <a:p>
             <a:fld id="{8C85524F-A9F9-4B4E-8FB2-6F0C545E379C}" type="datetime1">
               <a:rPr lang="en-US" smtClean="0"/>
-              <a:t>9/18/2014</a:t>
+              <a:t>18/09/14</a:t>
             </a:fld>
             <a:endParaRPr lang="en-US"/>
           </a:p>
@@ -5581,7 +5582,7 @@
           <a:p>
             <a:fld id="{4D77BA81-331F-4EED-897C-BD146A682CF5}" type="slidenum">
               <a:rPr lang="en-US" smtClean="0"/>
-              <a:t>‹N›</a:t>
+              <a:t>‹#›</a:t>
             </a:fld>
             <a:endParaRPr lang="en-US"/>
           </a:p>
@@ -6069,7 +6070,7 @@
           <a:p>
             <a:fld id="{0805E6AB-3C8A-4746-81C1-AED715637627}" type="datetime1">
               <a:rPr lang="en-US" smtClean="0"/>
-              <a:t>9/18/2014</a:t>
+              <a:t>18/09/14</a:t>
             </a:fld>
             <a:endParaRPr lang="en-US"/>
           </a:p>
@@ -6147,7 +6148,7 @@
           <a:p>
             <a:fld id="{4D77BA81-331F-4EED-897C-BD146A682CF5}" type="slidenum">
               <a:rPr lang="en-US" smtClean="0"/>
-              <a:t>‹N›</a:t>
+              <a:t>‹#›</a:t>
             </a:fld>
             <a:endParaRPr lang="en-US"/>
           </a:p>
@@ -6747,7 +6748,7 @@
   <p:timing>
     <p:tnLst>
       <p:par>
-        <p:cTn id="1" dur="indefinite" restart="never" nodeType="tmRoot"/>
+        <p:cTn xmlns:p14="http://schemas.microsoft.com/office/powerpoint/2010/main" id="1" dur="indefinite" restart="never" nodeType="tmRoot"/>
       </p:par>
     </p:tnLst>
   </p:timing>
@@ -6755,6 +6756,207 @@
 </file>
 
 <file path=ppt/slides/slide10.xml><?xml version="1.0" encoding="utf-8"?>
+<p:sld xmlns:a="http://schemas.openxmlformats.org/drawingml/2006/main" xmlns:r="http://schemas.openxmlformats.org/officeDocument/2006/relationships" xmlns:p="http://schemas.openxmlformats.org/presentationml/2006/main">
+  <p:cSld>
+    <p:spTree>
+      <p:nvGrpSpPr>
+        <p:cNvPr id="1" name=""/>
+        <p:cNvGrpSpPr/>
+        <p:nvPr/>
+      </p:nvGrpSpPr>
+      <p:grpSpPr>
+        <a:xfrm>
+          <a:off x="0" y="0"/>
+          <a:ext cx="0" cy="0"/>
+          <a:chOff x="0" y="0"/>
+          <a:chExt cx="0" cy="0"/>
+        </a:xfrm>
+      </p:grpSpPr>
+      <p:sp>
+        <p:nvSpPr>
+          <p:cNvPr id="2" name="Titolo 1"/>
+          <p:cNvSpPr>
+            <a:spLocks noGrp="1"/>
+          </p:cNvSpPr>
+          <p:nvPr>
+            <p:ph type="title"/>
+          </p:nvPr>
+        </p:nvSpPr>
+        <p:spPr/>
+        <p:txBody>
+          <a:bodyPr/>
+          <a:lstStyle/>
+          <a:p>
+            <a:r>
+              <a:rPr lang="it-IT" dirty="0" smtClean="0"/>
+              <a:t>Logica</a:t>
+            </a:r>
+            <a:endParaRPr lang="en-US" dirty="0"/>
+          </a:p>
+        </p:txBody>
+      </p:sp>
+      <p:sp>
+        <p:nvSpPr>
+          <p:cNvPr id="3" name="Segnaposto contenuto 2"/>
+          <p:cNvSpPr>
+            <a:spLocks noGrp="1"/>
+          </p:cNvSpPr>
+          <p:nvPr>
+            <p:ph idx="1"/>
+          </p:nvPr>
+        </p:nvSpPr>
+        <p:spPr>
+          <a:xfrm>
+            <a:off x="2397453" y="2587486"/>
+            <a:ext cx="8192427" cy="3124201"/>
+          </a:xfrm>
+        </p:spPr>
+        <p:txBody>
+          <a:bodyPr/>
+          <a:lstStyle/>
+          <a:p>
+            <a:pPr marL="0" indent="0">
+              <a:buNone/>
+            </a:pPr>
+            <a:r>
+              <a:rPr lang="it-IT" dirty="0" smtClean="0"/>
+              <a:t>Cinque classi principali</a:t>
+            </a:r>
+          </a:p>
+          <a:p>
+            <a:pPr marL="457200" indent="-457200">
+              <a:buFont typeface="+mj-lt"/>
+              <a:buAutoNum type="arabicPeriod"/>
+            </a:pPr>
+            <a:r>
+              <a:rPr lang="it-IT" dirty="0" smtClean="0"/>
+              <a:t>Carta</a:t>
+            </a:r>
+          </a:p>
+          <a:p>
+            <a:pPr marL="457200" indent="-457200">
+              <a:buFont typeface="+mj-lt"/>
+              <a:buAutoNum type="arabicPeriod"/>
+            </a:pPr>
+            <a:r>
+              <a:rPr lang="it-IT" dirty="0" smtClean="0"/>
+              <a:t>Mazzo</a:t>
+            </a:r>
+          </a:p>
+          <a:p>
+            <a:pPr marL="457200" indent="-457200">
+              <a:buFont typeface="+mj-lt"/>
+              <a:buAutoNum type="arabicPeriod"/>
+            </a:pPr>
+            <a:r>
+              <a:rPr lang="it-IT" dirty="0" smtClean="0"/>
+              <a:t>Giocatore</a:t>
+            </a:r>
+          </a:p>
+          <a:p>
+            <a:pPr marL="457200" indent="-457200">
+              <a:buFont typeface="+mj-lt"/>
+              <a:buAutoNum type="arabicPeriod"/>
+            </a:pPr>
+            <a:r>
+              <a:rPr lang="it-IT" dirty="0" err="1" smtClean="0"/>
+              <a:t>GiocatoreCPU</a:t>
+            </a:r>
+            <a:endParaRPr lang="it-IT" dirty="0" smtClean="0"/>
+          </a:p>
+          <a:p>
+            <a:pPr marL="457200" indent="-457200">
+              <a:buFont typeface="+mj-lt"/>
+              <a:buAutoNum type="arabicPeriod"/>
+            </a:pPr>
+            <a:r>
+              <a:rPr lang="it-IT" dirty="0" err="1" smtClean="0"/>
+              <a:t>GiocoUNO</a:t>
+            </a:r>
+            <a:endParaRPr lang="en-US" dirty="0"/>
+          </a:p>
+        </p:txBody>
+      </p:sp>
+      <p:pic>
+        <p:nvPicPr>
+          <p:cNvPr id="4" name="Immagine 3"/>
+          <p:cNvPicPr>
+            <a:picLocks noChangeAspect="1"/>
+          </p:cNvPicPr>
+          <p:nvPr/>
+        </p:nvPicPr>
+        <p:blipFill>
+          <a:blip r:embed="rId2">
+            <a:extLst>
+              <a:ext uri="{28A0092B-C50C-407E-A947-70E740481C1C}">
+                <a14:useLocalDpi xmlns:a14="http://schemas.microsoft.com/office/drawing/2010/main" val="0"/>
+              </a:ext>
+            </a:extLst>
+          </a:blip>
+          <a:stretch>
+            <a:fillRect/>
+          </a:stretch>
+        </p:blipFill>
+        <p:spPr>
+          <a:xfrm>
+            <a:off x="7739270" y="2615647"/>
+            <a:ext cx="2454302" cy="3067878"/>
+          </a:xfrm>
+          <a:prstGeom prst="rect">
+            <a:avLst/>
+          </a:prstGeom>
+          <a:ln>
+            <a:noFill/>
+          </a:ln>
+          <a:effectLst>
+            <a:softEdge rad="112500"/>
+          </a:effectLst>
+        </p:spPr>
+      </p:pic>
+      <p:sp>
+        <p:nvSpPr>
+          <p:cNvPr id="5" name="Segnaposto numero diapositiva 4"/>
+          <p:cNvSpPr>
+            <a:spLocks noGrp="1"/>
+          </p:cNvSpPr>
+          <p:nvPr>
+            <p:ph type="sldNum" sz="quarter" idx="12"/>
+          </p:nvPr>
+        </p:nvSpPr>
+        <p:spPr/>
+        <p:txBody>
+          <a:bodyPr/>
+          <a:lstStyle/>
+          <a:p>
+            <a:fld id="{4D77BA81-331F-4EED-897C-BD146A682CF5}" type="slidenum">
+              <a:rPr lang="en-US" smtClean="0"/>
+              <a:t>10</a:t>
+            </a:fld>
+            <a:endParaRPr lang="en-US"/>
+          </a:p>
+        </p:txBody>
+      </p:sp>
+    </p:spTree>
+    <p:extLst>
+      <p:ext uri="{BB962C8B-B14F-4D97-AF65-F5344CB8AC3E}">
+        <p14:creationId xmlns:p14="http://schemas.microsoft.com/office/powerpoint/2010/main" val="276171257"/>
+      </p:ext>
+    </p:extLst>
+  </p:cSld>
+  <p:clrMapOvr>
+    <a:masterClrMapping/>
+  </p:clrMapOvr>
+  <p:timing>
+    <p:tnLst>
+      <p:par>
+        <p:cTn xmlns:p14="http://schemas.microsoft.com/office/powerpoint/2010/main" id="1" dur="indefinite" restart="never" nodeType="tmRoot"/>
+      </p:par>
+    </p:tnLst>
+  </p:timing>
+</p:sld>
+</file>
+
+<file path=ppt/slides/slide11.xml><?xml version="1.0" encoding="utf-8"?>
 <p:sld xmlns:a="http://schemas.openxmlformats.org/drawingml/2006/main" xmlns:r="http://schemas.openxmlformats.org/officeDocument/2006/relationships" xmlns:p="http://schemas.openxmlformats.org/presentationml/2006/main">
   <p:cSld>
     <p:spTree>
@@ -6910,7 +7112,7 @@
           <a:p>
             <a:fld id="{4D77BA81-331F-4EED-897C-BD146A682CF5}" type="slidenum">
               <a:rPr lang="en-US" smtClean="0"/>
-              <a:t>10</a:t>
+              <a:t>11</a:t>
             </a:fld>
             <a:endParaRPr lang="en-US"/>
           </a:p>
@@ -6929,14 +7131,14 @@
   <p:timing>
     <p:tnLst>
       <p:par>
-        <p:cTn id="1" dur="indefinite" restart="never" nodeType="tmRoot"/>
+        <p:cTn xmlns:p14="http://schemas.microsoft.com/office/powerpoint/2010/main" id="1" dur="indefinite" restart="never" nodeType="tmRoot"/>
       </p:par>
     </p:tnLst>
   </p:timing>
 </p:sld>
 </file>
 
-<file path=ppt/slides/slide11.xml><?xml version="1.0" encoding="utf-8"?>
+<file path=ppt/slides/slide12.xml><?xml version="1.0" encoding="utf-8"?>
 <p:sld xmlns:a="http://schemas.openxmlformats.org/drawingml/2006/main" xmlns:r="http://schemas.openxmlformats.org/officeDocument/2006/relationships" xmlns:p="http://schemas.openxmlformats.org/presentationml/2006/main">
   <p:cSld>
     <p:spTree>
@@ -7205,7 +7407,7 @@
           <a:p>
             <a:fld id="{4D77BA81-331F-4EED-897C-BD146A682CF5}" type="slidenum">
               <a:rPr lang="en-US" smtClean="0"/>
-              <a:t>11</a:t>
+              <a:t>12</a:t>
             </a:fld>
             <a:endParaRPr lang="en-US"/>
           </a:p>
@@ -7224,14 +7426,14 @@
   <p:timing>
     <p:tnLst>
       <p:par>
-        <p:cTn id="1" dur="indefinite" restart="never" nodeType="tmRoot"/>
+        <p:cTn xmlns:p14="http://schemas.microsoft.com/office/powerpoint/2010/main" id="1" dur="indefinite" restart="never" nodeType="tmRoot"/>
       </p:par>
     </p:tnLst>
   </p:timing>
 </p:sld>
 </file>
 
-<file path=ppt/slides/slide12.xml><?xml version="1.0" encoding="utf-8"?>
+<file path=ppt/slides/slide13.xml><?xml version="1.0" encoding="utf-8"?>
 <p:sld xmlns:a="http://schemas.openxmlformats.org/drawingml/2006/main" xmlns:r="http://schemas.openxmlformats.org/officeDocument/2006/relationships" xmlns:p="http://schemas.openxmlformats.org/presentationml/2006/main">
   <p:cSld>
     <p:spTree>
@@ -7543,7 +7745,7 @@
           <a:p>
             <a:fld id="{4D77BA81-331F-4EED-897C-BD146A682CF5}" type="slidenum">
               <a:rPr lang="en-US" smtClean="0"/>
-              <a:t>12</a:t>
+              <a:t>13</a:t>
             </a:fld>
             <a:endParaRPr lang="en-US"/>
           </a:p>
@@ -7562,14 +7764,14 @@
   <p:timing>
     <p:tnLst>
       <p:par>
-        <p:cTn id="1" dur="indefinite" restart="never" nodeType="tmRoot"/>
+        <p:cTn xmlns:p14="http://schemas.microsoft.com/office/powerpoint/2010/main" id="1" dur="indefinite" restart="never" nodeType="tmRoot"/>
       </p:par>
     </p:tnLst>
   </p:timing>
 </p:sld>
 </file>
 
-<file path=ppt/slides/slide13.xml><?xml version="1.0" encoding="utf-8"?>
+<file path=ppt/slides/slide14.xml><?xml version="1.0" encoding="utf-8"?>
 <p:sld xmlns:a="http://schemas.openxmlformats.org/drawingml/2006/main" xmlns:r="http://schemas.openxmlformats.org/officeDocument/2006/relationships" xmlns:p="http://schemas.openxmlformats.org/presentationml/2006/main">
   <p:cSld>
     <p:spTree>
@@ -7701,7 +7903,7 @@
           <a:p>
             <a:fld id="{4D77BA81-331F-4EED-897C-BD146A682CF5}" type="slidenum">
               <a:rPr lang="en-US" smtClean="0"/>
-              <a:t>13</a:t>
+              <a:t>14</a:t>
             </a:fld>
             <a:endParaRPr lang="en-US"/>
           </a:p>
@@ -8282,7 +8484,7 @@
   <p:timing>
     <p:tnLst>
       <p:par>
-        <p:cTn id="1" dur="indefinite" restart="never" nodeType="tmRoot">
+        <p:cTn xmlns:p14="http://schemas.microsoft.com/office/powerpoint/2010/main" id="1" dur="indefinite" restart="never" nodeType="tmRoot">
           <p:childTnLst>
             <p:seq concurrent="1" nextAc="seek">
               <p:cTn id="2" dur="indefinite" nodeType="mainSeq">
@@ -8368,7 +8570,7 @@
 </p:sld>
 </file>
 
-<file path=ppt/slides/slide14.xml><?xml version="1.0" encoding="utf-8"?>
+<file path=ppt/slides/slide15.xml><?xml version="1.0" encoding="utf-8"?>
 <p:sld xmlns:a="http://schemas.openxmlformats.org/drawingml/2006/main" xmlns:r="http://schemas.openxmlformats.org/officeDocument/2006/relationships" xmlns:p="http://schemas.openxmlformats.org/presentationml/2006/main">
   <p:cSld>
     <p:spTree>
@@ -8469,7 +8671,7 @@
           <a:p>
             <a:fld id="{4D77BA81-331F-4EED-897C-BD146A682CF5}" type="slidenum">
               <a:rPr lang="en-US" smtClean="0"/>
-              <a:t>14</a:t>
+              <a:t>15</a:t>
             </a:fld>
             <a:endParaRPr lang="en-US"/>
           </a:p>
@@ -8488,14 +8690,14 @@
   <p:timing>
     <p:tnLst>
       <p:par>
-        <p:cTn id="1" dur="indefinite" restart="never" nodeType="tmRoot"/>
+        <p:cTn xmlns:p14="http://schemas.microsoft.com/office/powerpoint/2010/main" id="1" dur="indefinite" restart="never" nodeType="tmRoot"/>
       </p:par>
     </p:tnLst>
   </p:timing>
 </p:sld>
 </file>
 
-<file path=ppt/slides/slide15.xml><?xml version="1.0" encoding="utf-8"?>
+<file path=ppt/slides/slide16.xml><?xml version="1.0" encoding="utf-8"?>
 <p:sld xmlns:a="http://schemas.openxmlformats.org/drawingml/2006/main" xmlns:r="http://schemas.openxmlformats.org/officeDocument/2006/relationships" xmlns:p="http://schemas.openxmlformats.org/presentationml/2006/main">
   <p:cSld>
     <p:spTree>
@@ -8754,7 +8956,7 @@
           <a:p>
             <a:fld id="{4D77BA81-331F-4EED-897C-BD146A682CF5}" type="slidenum">
               <a:rPr lang="en-US" smtClean="0"/>
-              <a:t>15</a:t>
+              <a:t>16</a:t>
             </a:fld>
             <a:endParaRPr lang="en-US"/>
           </a:p>
@@ -8773,14 +8975,14 @@
   <p:timing>
     <p:tnLst>
       <p:par>
-        <p:cTn id="1" dur="indefinite" restart="never" nodeType="tmRoot"/>
+        <p:cTn xmlns:p14="http://schemas.microsoft.com/office/powerpoint/2010/main" id="1" dur="indefinite" restart="never" nodeType="tmRoot"/>
       </p:par>
     </p:tnLst>
   </p:timing>
 </p:sld>
 </file>
 
-<file path=ppt/slides/slide16.xml><?xml version="1.0" encoding="utf-8"?>
+<file path=ppt/slides/slide17.xml><?xml version="1.0" encoding="utf-8"?>
 <p:sld xmlns:a="http://schemas.openxmlformats.org/drawingml/2006/main" xmlns:r="http://schemas.openxmlformats.org/officeDocument/2006/relationships" xmlns:p="http://schemas.openxmlformats.org/presentationml/2006/main">
   <p:cSld>
     <p:spTree>
@@ -8886,7 +9088,7 @@
           <a:p>
             <a:fld id="{4D77BA81-331F-4EED-897C-BD146A682CF5}" type="slidenum">
               <a:rPr lang="en-US" smtClean="0"/>
-              <a:t>16</a:t>
+              <a:t>17</a:t>
             </a:fld>
             <a:endParaRPr lang="en-US"/>
           </a:p>
@@ -8905,7 +9107,7 @@
   <p:timing>
     <p:tnLst>
       <p:par>
-        <p:cTn id="1" dur="indefinite" restart="never" nodeType="tmRoot"/>
+        <p:cTn xmlns:p14="http://schemas.microsoft.com/office/powerpoint/2010/main" id="1" dur="indefinite" restart="never" nodeType="tmRoot"/>
       </p:par>
     </p:tnLst>
   </p:timing>
@@ -9030,7 +9232,7 @@
   <p:timing>
     <p:tnLst>
       <p:par>
-        <p:cTn id="1" dur="indefinite" restart="never" nodeType="tmRoot"/>
+        <p:cTn xmlns:p14="http://schemas.microsoft.com/office/powerpoint/2010/main" id="1" dur="indefinite" restart="never" nodeType="tmRoot"/>
       </p:par>
     </p:tnLst>
   </p:timing>
@@ -9282,7 +9484,7 @@
   <p:timing>
     <p:tnLst>
       <p:par>
-        <p:cTn id="1" dur="indefinite" restart="never" nodeType="tmRoot"/>
+        <p:cTn xmlns:p14="http://schemas.microsoft.com/office/powerpoint/2010/main" id="1" dur="indefinite" restart="never" nodeType="tmRoot"/>
       </p:par>
     </p:tnLst>
   </p:timing>
@@ -9354,13 +9556,13 @@
         </p:nvSpPr>
         <p:spPr>
           <a:xfrm>
-            <a:off x="1514914" y="2034833"/>
-            <a:ext cx="10018713" cy="3962570"/>
+            <a:off x="1514914" y="1866539"/>
+            <a:ext cx="10018713" cy="4651047"/>
           </a:xfrm>
         </p:spPr>
         <p:txBody>
           <a:bodyPr>
-            <a:normAutofit fontScale="92500" lnSpcReduction="10000"/>
+            <a:normAutofit lnSpcReduction="10000"/>
           </a:bodyPr>
           <a:lstStyle/>
           <a:p>
@@ -9603,6 +9805,57 @@
             <a:r>
               <a:rPr lang="en-US" dirty="0" err="1" smtClean="0"/>
               <a:t>colore</a:t>
+            </a:r>
+            <a:endParaRPr lang="en-US" dirty="0" smtClean="0"/>
+          </a:p>
+          <a:p>
+            <a:r>
+              <a:rPr lang="en-US" dirty="0" smtClean="0"/>
+              <a:t>Se non la </a:t>
+            </a:r>
+            <a:r>
+              <a:rPr lang="en-US" dirty="0" err="1" smtClean="0"/>
+              <a:t>possiede</a:t>
+            </a:r>
+            <a:r>
+              <a:rPr lang="en-US" dirty="0" smtClean="0"/>
+              <a:t> </a:t>
+            </a:r>
+            <a:r>
+              <a:rPr lang="en-US" dirty="0" err="1" smtClean="0"/>
+              <a:t>deve</a:t>
+            </a:r>
+            <a:r>
+              <a:rPr lang="en-US" dirty="0" smtClean="0"/>
+              <a:t> </a:t>
+            </a:r>
+            <a:r>
+              <a:rPr lang="en-US" dirty="0" err="1" smtClean="0"/>
+              <a:t>pescare</a:t>
+            </a:r>
+            <a:r>
+              <a:rPr lang="en-US" dirty="0" smtClean="0"/>
+              <a:t> </a:t>
+            </a:r>
+            <a:r>
+              <a:rPr lang="en-US" dirty="0" err="1" smtClean="0"/>
+              <a:t>una</a:t>
+            </a:r>
+            <a:r>
+              <a:rPr lang="en-US" dirty="0" smtClean="0"/>
+              <a:t> </a:t>
+            </a:r>
+            <a:r>
+              <a:rPr lang="en-US" dirty="0" err="1" smtClean="0"/>
+              <a:t>carta</a:t>
+            </a:r>
+            <a:r>
+              <a:rPr lang="en-US" dirty="0" smtClean="0"/>
+              <a:t> dal </a:t>
+            </a:r>
+            <a:r>
+              <a:rPr lang="en-US" dirty="0" err="1" smtClean="0"/>
+              <a:t>mazzo</a:t>
             </a:r>
             <a:endParaRPr lang="en-US" dirty="0" smtClean="0"/>
           </a:p>
@@ -9916,7 +10169,7 @@
   <p:timing>
     <p:tnLst>
       <p:par>
-        <p:cTn id="1" dur="indefinite" restart="never" nodeType="tmRoot"/>
+        <p:cTn xmlns:p14="http://schemas.microsoft.com/office/powerpoint/2010/main" id="1" dur="indefinite" restart="never" nodeType="tmRoot"/>
       </p:par>
     </p:tnLst>
   </p:timing>
@@ -10234,7 +10487,7 @@
   <p:timing>
     <p:tnLst>
       <p:par>
-        <p:cTn id="1" dur="indefinite" restart="never" nodeType="tmRoot"/>
+        <p:cTn xmlns:p14="http://schemas.microsoft.com/office/powerpoint/2010/main" id="1" dur="indefinite" restart="never" nodeType="tmRoot"/>
       </p:par>
     </p:tnLst>
   </p:timing>
@@ -10275,6 +10528,373 @@
           <a:p>
             <a:r>
               <a:rPr lang="en-US" dirty="0" err="1" smtClean="0"/>
+              <a:t>Progetto</a:t>
+            </a:r>
+            <a:r>
+              <a:rPr lang="en-US" dirty="0" smtClean="0"/>
+              <a:t> – </a:t>
+            </a:r>
+            <a:r>
+              <a:rPr lang="en-US" dirty="0" err="1" smtClean="0"/>
+              <a:t>dettagli</a:t>
+            </a:r>
+            <a:r>
+              <a:rPr lang="en-US" dirty="0" smtClean="0"/>
+              <a:t> e </a:t>
+            </a:r>
+            <a:r>
+              <a:rPr lang="en-US" dirty="0" err="1" smtClean="0"/>
+              <a:t>strumenti</a:t>
+            </a:r>
+            <a:endParaRPr lang="en-US" dirty="0"/>
+          </a:p>
+        </p:txBody>
+      </p:sp>
+      <p:sp>
+        <p:nvSpPr>
+          <p:cNvPr id="3" name="Content Placeholder 2"/>
+          <p:cNvSpPr>
+            <a:spLocks noGrp="1"/>
+          </p:cNvSpPr>
+          <p:nvPr>
+            <p:ph idx="1"/>
+          </p:nvPr>
+        </p:nvSpPr>
+        <p:spPr>
+          <a:xfrm>
+            <a:off x="1514914" y="3034187"/>
+            <a:ext cx="10018713" cy="3437501"/>
+          </a:xfrm>
+        </p:spPr>
+        <p:txBody>
+          <a:bodyPr>
+            <a:normAutofit lnSpcReduction="10000"/>
+          </a:bodyPr>
+          <a:lstStyle/>
+          <a:p>
+            <a:r>
+              <a:rPr lang="en-US" dirty="0" err="1" smtClean="0"/>
+              <a:t>Progetto</a:t>
+            </a:r>
+            <a:r>
+              <a:rPr lang="en-US" dirty="0" smtClean="0"/>
+              <a:t> </a:t>
+            </a:r>
+            <a:r>
+              <a:rPr lang="en-US" dirty="0" err="1" smtClean="0"/>
+              <a:t>realizzato</a:t>
+            </a:r>
+            <a:r>
+              <a:rPr lang="en-US" dirty="0" smtClean="0"/>
+              <a:t> in Java</a:t>
+            </a:r>
+          </a:p>
+          <a:p>
+            <a:r>
+              <a:rPr lang="en-US" dirty="0" err="1" smtClean="0"/>
+              <a:t>Suddivisione</a:t>
+            </a:r>
+            <a:r>
+              <a:rPr lang="en-US" dirty="0" smtClean="0"/>
+              <a:t> </a:t>
+            </a:r>
+            <a:r>
+              <a:rPr lang="en-US" dirty="0" err="1" smtClean="0"/>
+              <a:t>tra</a:t>
+            </a:r>
+            <a:r>
+              <a:rPr lang="en-US" dirty="0" smtClean="0"/>
+              <a:t> parte </a:t>
+            </a:r>
+            <a:r>
+              <a:rPr lang="en-US" dirty="0" err="1" smtClean="0"/>
+              <a:t>grafica</a:t>
+            </a:r>
+            <a:r>
+              <a:rPr lang="en-US" dirty="0" smtClean="0"/>
+              <a:t> e parte </a:t>
+            </a:r>
+            <a:r>
+              <a:rPr lang="en-US" dirty="0" err="1" smtClean="0"/>
+              <a:t>logica</a:t>
+            </a:r>
+            <a:r>
+              <a:rPr lang="en-US" dirty="0" smtClean="0"/>
+              <a:t>, </a:t>
+            </a:r>
+            <a:r>
+              <a:rPr lang="en-US" dirty="0" err="1" smtClean="0"/>
+              <a:t>connesse</a:t>
+            </a:r>
+            <a:r>
+              <a:rPr lang="en-US" dirty="0" smtClean="0"/>
+              <a:t> </a:t>
+            </a:r>
+            <a:r>
+              <a:rPr lang="en-US" dirty="0" err="1" smtClean="0"/>
+              <a:t>tramite</a:t>
+            </a:r>
+            <a:r>
+              <a:rPr lang="en-US" dirty="0" smtClean="0"/>
+              <a:t> </a:t>
+            </a:r>
+            <a:r>
+              <a:rPr lang="en-US" dirty="0" err="1" smtClean="0"/>
+              <a:t>classe</a:t>
+            </a:r>
+            <a:r>
+              <a:rPr lang="en-US" dirty="0" smtClean="0"/>
+              <a:t> Controller</a:t>
+            </a:r>
+            <a:endParaRPr lang="en-US" dirty="0" smtClean="0"/>
+          </a:p>
+          <a:p>
+            <a:r>
+              <a:rPr lang="en-US" dirty="0" smtClean="0"/>
+              <a:t>Editor di </a:t>
+            </a:r>
+            <a:r>
+              <a:rPr lang="en-US" dirty="0" err="1" smtClean="0"/>
+              <a:t>testo</a:t>
+            </a:r>
+            <a:r>
+              <a:rPr lang="en-US" dirty="0" smtClean="0"/>
+              <a:t> </a:t>
+            </a:r>
+            <a:r>
+              <a:rPr lang="en-US" dirty="0" err="1" smtClean="0"/>
+              <a:t>utilizzato</a:t>
+            </a:r>
+            <a:r>
+              <a:rPr lang="en-US" dirty="0" smtClean="0"/>
+              <a:t>: Eclipse</a:t>
+            </a:r>
+          </a:p>
+          <a:p>
+            <a:r>
+              <a:rPr lang="en-US" dirty="0" err="1" smtClean="0"/>
+              <a:t>Git</a:t>
+            </a:r>
+            <a:r>
+              <a:rPr lang="en-US" dirty="0" smtClean="0"/>
+              <a:t> come </a:t>
+            </a:r>
+            <a:r>
+              <a:rPr lang="en-US" dirty="0" err="1" smtClean="0"/>
+              <a:t>strumento</a:t>
+            </a:r>
+            <a:r>
+              <a:rPr lang="en-US" dirty="0" smtClean="0"/>
+              <a:t> per </a:t>
+            </a:r>
+            <a:r>
+              <a:rPr lang="en-US" dirty="0" err="1" smtClean="0"/>
+              <a:t>il</a:t>
+            </a:r>
+            <a:r>
+              <a:rPr lang="en-US" dirty="0" smtClean="0"/>
+              <a:t> </a:t>
+            </a:r>
+            <a:r>
+              <a:rPr lang="en-US" dirty="0" err="1" smtClean="0"/>
+              <a:t>versionamento</a:t>
+            </a:r>
+            <a:r>
+              <a:rPr lang="en-US" dirty="0" smtClean="0"/>
+              <a:t> del software</a:t>
+            </a:r>
+          </a:p>
+          <a:p>
+            <a:r>
+              <a:rPr lang="en-US" dirty="0" err="1" smtClean="0"/>
+              <a:t>Interfaccia</a:t>
+            </a:r>
+            <a:r>
+              <a:rPr lang="en-US" dirty="0" smtClean="0"/>
+              <a:t> </a:t>
+            </a:r>
+            <a:r>
+              <a:rPr lang="en-US" dirty="0" err="1" smtClean="0"/>
+              <a:t>grafica</a:t>
+            </a:r>
+            <a:r>
+              <a:rPr lang="en-US" dirty="0" smtClean="0"/>
+              <a:t> </a:t>
+            </a:r>
+            <a:r>
+              <a:rPr lang="en-US" dirty="0" err="1" smtClean="0"/>
+              <a:t>realizzata</a:t>
+            </a:r>
+            <a:r>
+              <a:rPr lang="en-US" dirty="0" smtClean="0"/>
+              <a:t> </a:t>
+            </a:r>
+            <a:r>
+              <a:rPr lang="en-US" dirty="0" err="1" smtClean="0"/>
+              <a:t>tramite</a:t>
+            </a:r>
+            <a:r>
+              <a:rPr lang="en-US" dirty="0" smtClean="0"/>
+              <a:t> la </a:t>
+            </a:r>
+            <a:r>
+              <a:rPr lang="en-US" dirty="0" err="1" smtClean="0"/>
+              <a:t>libreria</a:t>
+            </a:r>
+            <a:r>
+              <a:rPr lang="en-US" dirty="0" smtClean="0"/>
+              <a:t> Swing</a:t>
+            </a:r>
+          </a:p>
+          <a:p>
+            <a:r>
+              <a:rPr lang="en-US" dirty="0" err="1" smtClean="0"/>
+              <a:t>Struttura</a:t>
+            </a:r>
+            <a:r>
+              <a:rPr lang="en-US" dirty="0" smtClean="0"/>
+              <a:t> </a:t>
+            </a:r>
+            <a:r>
+              <a:rPr lang="en-US" dirty="0" err="1" smtClean="0"/>
+              <a:t>delle</a:t>
+            </a:r>
+            <a:r>
+              <a:rPr lang="en-US" dirty="0" smtClean="0"/>
+              <a:t> </a:t>
+            </a:r>
+            <a:r>
+              <a:rPr lang="en-US" dirty="0" err="1" smtClean="0"/>
+              <a:t>finestre</a:t>
+            </a:r>
+            <a:r>
+              <a:rPr lang="en-US" dirty="0" smtClean="0"/>
+              <a:t> a layout </a:t>
+            </a:r>
+            <a:r>
+              <a:rPr lang="en-US" dirty="0" err="1" smtClean="0"/>
+              <a:t>innestati</a:t>
+            </a:r>
+            <a:endParaRPr lang="en-US" dirty="0" smtClean="0"/>
+          </a:p>
+          <a:p>
+            <a:endParaRPr lang="en-US" dirty="0" smtClean="0"/>
+          </a:p>
+          <a:p>
+            <a:endParaRPr lang="en-US" dirty="0" smtClean="0"/>
+          </a:p>
+          <a:p>
+            <a:endParaRPr lang="en-US" dirty="0"/>
+          </a:p>
+        </p:txBody>
+      </p:sp>
+      <p:sp>
+        <p:nvSpPr>
+          <p:cNvPr id="4" name="Slide Number Placeholder 3"/>
+          <p:cNvSpPr>
+            <a:spLocks noGrp="1"/>
+          </p:cNvSpPr>
+          <p:nvPr>
+            <p:ph type="sldNum" sz="quarter" idx="12"/>
+          </p:nvPr>
+        </p:nvSpPr>
+        <p:spPr/>
+        <p:txBody>
+          <a:bodyPr/>
+          <a:lstStyle/>
+          <a:p>
+            <a:fld id="{4D77BA81-331F-4EED-897C-BD146A682CF5}" type="slidenum">
+              <a:rPr lang="en-US" smtClean="0"/>
+              <a:t>6</a:t>
+            </a:fld>
+            <a:endParaRPr lang="en-US"/>
+          </a:p>
+        </p:txBody>
+      </p:sp>
+      <p:pic>
+        <p:nvPicPr>
+          <p:cNvPr id="5" name="Picture 4" descr="Terminal.png"/>
+          <p:cNvPicPr>
+            <a:picLocks noChangeAspect="1"/>
+          </p:cNvPicPr>
+          <p:nvPr/>
+        </p:nvPicPr>
+        <p:blipFill>
+          <a:blip r:embed="rId2">
+            <a:extLst>
+              <a:ext uri="{28A0092B-C50C-407E-A947-70E740481C1C}">
+                <a14:useLocalDpi xmlns:a14="http://schemas.microsoft.com/office/drawing/2010/main" val="0"/>
+              </a:ext>
+            </a:extLst>
+          </a:blip>
+          <a:stretch>
+            <a:fillRect/>
+          </a:stretch>
+        </p:blipFill>
+        <p:spPr>
+          <a:xfrm>
+            <a:off x="10342861" y="1049871"/>
+            <a:ext cx="1149065" cy="1149065"/>
+          </a:xfrm>
+          <a:prstGeom prst="rect">
+            <a:avLst/>
+          </a:prstGeom>
+        </p:spPr>
+      </p:pic>
+    </p:spTree>
+    <p:extLst>
+      <p:ext uri="{BB962C8B-B14F-4D97-AF65-F5344CB8AC3E}">
+        <p14:creationId xmlns:p14="http://schemas.microsoft.com/office/powerpoint/2010/main" val="2820113132"/>
+      </p:ext>
+    </p:extLst>
+  </p:cSld>
+  <p:clrMapOvr>
+    <a:masterClrMapping/>
+  </p:clrMapOvr>
+  <p:timing>
+    <p:tnLst>
+      <p:par>
+        <p:cTn xmlns:p14="http://schemas.microsoft.com/office/powerpoint/2010/main" id="1" dur="indefinite" restart="never" nodeType="tmRoot"/>
+      </p:par>
+    </p:tnLst>
+  </p:timing>
+</p:sld>
+</file>
+
+<file path=ppt/slides/slide7.xml><?xml version="1.0" encoding="utf-8"?>
+<p:sld xmlns:a="http://schemas.openxmlformats.org/drawingml/2006/main" xmlns:r="http://schemas.openxmlformats.org/officeDocument/2006/relationships" xmlns:p="http://schemas.openxmlformats.org/presentationml/2006/main">
+  <p:cSld>
+    <p:spTree>
+      <p:nvGrpSpPr>
+        <p:cNvPr id="1" name=""/>
+        <p:cNvGrpSpPr/>
+        <p:nvPr/>
+      </p:nvGrpSpPr>
+      <p:grpSpPr>
+        <a:xfrm>
+          <a:off x="0" y="0"/>
+          <a:ext cx="0" cy="0"/>
+          <a:chOff x="0" y="0"/>
+          <a:chExt cx="0" cy="0"/>
+        </a:xfrm>
+      </p:grpSpPr>
+      <p:sp>
+        <p:nvSpPr>
+          <p:cNvPr id="2" name="Title 1"/>
+          <p:cNvSpPr>
+            <a:spLocks noGrp="1"/>
+          </p:cNvSpPr>
+          <p:nvPr>
+            <p:ph type="title"/>
+          </p:nvPr>
+        </p:nvSpPr>
+        <p:spPr/>
+        <p:txBody>
+          <a:bodyPr/>
+          <a:lstStyle/>
+          <a:p>
+            <a:r>
+              <a:rPr lang="en-US" dirty="0" err="1" smtClean="0"/>
               <a:t>Interfaccia</a:t>
             </a:r>
             <a:r>
@@ -10352,7 +10972,7 @@
           <a:p>
             <a:fld id="{4D77BA81-331F-4EED-897C-BD146A682CF5}" type="slidenum">
               <a:rPr lang="en-US" smtClean="0"/>
-              <a:t>6</a:t>
+              <a:t>7</a:t>
             </a:fld>
             <a:endParaRPr lang="en-US"/>
           </a:p>
@@ -10371,14 +10991,14 @@
   <p:timing>
     <p:tnLst>
       <p:par>
-        <p:cTn id="1" dur="indefinite" restart="never" nodeType="tmRoot"/>
+        <p:cTn xmlns:p14="http://schemas.microsoft.com/office/powerpoint/2010/main" id="1" dur="indefinite" restart="never" nodeType="tmRoot"/>
       </p:par>
     </p:tnLst>
   </p:timing>
 </p:sld>
 </file>
 
-<file path=ppt/slides/slide7.xml><?xml version="1.0" encoding="utf-8"?>
+<file path=ppt/slides/slide8.xml><?xml version="1.0" encoding="utf-8"?>
 <p:sld xmlns:a="http://schemas.openxmlformats.org/drawingml/2006/main" xmlns:r="http://schemas.openxmlformats.org/officeDocument/2006/relationships" xmlns:p="http://schemas.openxmlformats.org/presentationml/2006/main">
   <p:cSld>
     <p:spTree>
@@ -10507,7 +11127,7 @@
           <a:p>
             <a:fld id="{4D77BA81-331F-4EED-897C-BD146A682CF5}" type="slidenum">
               <a:rPr lang="en-US" smtClean="0"/>
-              <a:t>7</a:t>
+              <a:t>8</a:t>
             </a:fld>
             <a:endParaRPr lang="en-US"/>
           </a:p>
@@ -10526,14 +11146,14 @@
   <p:timing>
     <p:tnLst>
       <p:par>
-        <p:cTn id="1" dur="indefinite" restart="never" nodeType="tmRoot"/>
+        <p:cTn xmlns:p14="http://schemas.microsoft.com/office/powerpoint/2010/main" id="1" dur="indefinite" restart="never" nodeType="tmRoot"/>
       </p:par>
     </p:tnLst>
   </p:timing>
 </p:sld>
 </file>
 
-<file path=ppt/slides/slide8.xml><?xml version="1.0" encoding="utf-8"?>
+<file path=ppt/slides/slide9.xml><?xml version="1.0" encoding="utf-8"?>
 <p:sld xmlns:a="http://schemas.openxmlformats.org/drawingml/2006/main" xmlns:r="http://schemas.openxmlformats.org/officeDocument/2006/relationships" xmlns:p="http://schemas.openxmlformats.org/presentationml/2006/main">
   <p:cSld>
     <p:spTree>
@@ -10750,7 +11370,7 @@
           <a:p>
             <a:fld id="{4D77BA81-331F-4EED-897C-BD146A682CF5}" type="slidenum">
               <a:rPr lang="en-US" smtClean="0"/>
-              <a:t>8</a:t>
+              <a:t>9</a:t>
             </a:fld>
             <a:endParaRPr lang="en-US"/>
           </a:p>
@@ -10769,208 +11389,7 @@
   <p:timing>
     <p:tnLst>
       <p:par>
-        <p:cTn id="1" dur="indefinite" restart="never" nodeType="tmRoot"/>
-      </p:par>
-    </p:tnLst>
-  </p:timing>
-</p:sld>
-</file>
-
-<file path=ppt/slides/slide9.xml><?xml version="1.0" encoding="utf-8"?>
-<p:sld xmlns:a="http://schemas.openxmlformats.org/drawingml/2006/main" xmlns:r="http://schemas.openxmlformats.org/officeDocument/2006/relationships" xmlns:p="http://schemas.openxmlformats.org/presentationml/2006/main">
-  <p:cSld>
-    <p:spTree>
-      <p:nvGrpSpPr>
-        <p:cNvPr id="1" name=""/>
-        <p:cNvGrpSpPr/>
-        <p:nvPr/>
-      </p:nvGrpSpPr>
-      <p:grpSpPr>
-        <a:xfrm>
-          <a:off x="0" y="0"/>
-          <a:ext cx="0" cy="0"/>
-          <a:chOff x="0" y="0"/>
-          <a:chExt cx="0" cy="0"/>
-        </a:xfrm>
-      </p:grpSpPr>
-      <p:sp>
-        <p:nvSpPr>
-          <p:cNvPr id="2" name="Titolo 1"/>
-          <p:cNvSpPr>
-            <a:spLocks noGrp="1"/>
-          </p:cNvSpPr>
-          <p:nvPr>
-            <p:ph type="title"/>
-          </p:nvPr>
-        </p:nvSpPr>
-        <p:spPr/>
-        <p:txBody>
-          <a:bodyPr/>
-          <a:lstStyle/>
-          <a:p>
-            <a:r>
-              <a:rPr lang="it-IT" dirty="0" smtClean="0"/>
-              <a:t>Logica</a:t>
-            </a:r>
-            <a:endParaRPr lang="en-US" dirty="0"/>
-          </a:p>
-        </p:txBody>
-      </p:sp>
-      <p:sp>
-        <p:nvSpPr>
-          <p:cNvPr id="3" name="Segnaposto contenuto 2"/>
-          <p:cNvSpPr>
-            <a:spLocks noGrp="1"/>
-          </p:cNvSpPr>
-          <p:nvPr>
-            <p:ph idx="1"/>
-          </p:nvPr>
-        </p:nvSpPr>
-        <p:spPr>
-          <a:xfrm>
-            <a:off x="2397453" y="2587486"/>
-            <a:ext cx="8192427" cy="3124201"/>
-          </a:xfrm>
-        </p:spPr>
-        <p:txBody>
-          <a:bodyPr/>
-          <a:lstStyle/>
-          <a:p>
-            <a:pPr marL="0" indent="0">
-              <a:buNone/>
-            </a:pPr>
-            <a:r>
-              <a:rPr lang="it-IT" dirty="0" smtClean="0"/>
-              <a:t>Cinque classi principali</a:t>
-            </a:r>
-          </a:p>
-          <a:p>
-            <a:pPr marL="457200" indent="-457200">
-              <a:buFont typeface="+mj-lt"/>
-              <a:buAutoNum type="arabicPeriod"/>
-            </a:pPr>
-            <a:r>
-              <a:rPr lang="it-IT" dirty="0" smtClean="0"/>
-              <a:t>Carta</a:t>
-            </a:r>
-          </a:p>
-          <a:p>
-            <a:pPr marL="457200" indent="-457200">
-              <a:buFont typeface="+mj-lt"/>
-              <a:buAutoNum type="arabicPeriod"/>
-            </a:pPr>
-            <a:r>
-              <a:rPr lang="it-IT" dirty="0" smtClean="0"/>
-              <a:t>Mazzo</a:t>
-            </a:r>
-          </a:p>
-          <a:p>
-            <a:pPr marL="457200" indent="-457200">
-              <a:buFont typeface="+mj-lt"/>
-              <a:buAutoNum type="arabicPeriod"/>
-            </a:pPr>
-            <a:r>
-              <a:rPr lang="it-IT" dirty="0" smtClean="0"/>
-              <a:t>Giocatore</a:t>
-            </a:r>
-          </a:p>
-          <a:p>
-            <a:pPr marL="457200" indent="-457200">
-              <a:buFont typeface="+mj-lt"/>
-              <a:buAutoNum type="arabicPeriod"/>
-            </a:pPr>
-            <a:r>
-              <a:rPr lang="it-IT" dirty="0" err="1" smtClean="0"/>
-              <a:t>GiocatoreCPU</a:t>
-            </a:r>
-            <a:endParaRPr lang="it-IT" dirty="0" smtClean="0"/>
-          </a:p>
-          <a:p>
-            <a:pPr marL="457200" indent="-457200">
-              <a:buFont typeface="+mj-lt"/>
-              <a:buAutoNum type="arabicPeriod"/>
-            </a:pPr>
-            <a:r>
-              <a:rPr lang="it-IT" dirty="0" err="1" smtClean="0"/>
-              <a:t>GiocoUNO</a:t>
-            </a:r>
-            <a:endParaRPr lang="en-US" dirty="0"/>
-          </a:p>
-        </p:txBody>
-      </p:sp>
-      <p:pic>
-        <p:nvPicPr>
-          <p:cNvPr id="4" name="Immagine 3"/>
-          <p:cNvPicPr>
-            <a:picLocks noChangeAspect="1"/>
-          </p:cNvPicPr>
-          <p:nvPr/>
-        </p:nvPicPr>
-        <p:blipFill>
-          <a:blip r:embed="rId2">
-            <a:extLst>
-              <a:ext uri="{28A0092B-C50C-407E-A947-70E740481C1C}">
-                <a14:useLocalDpi xmlns:a14="http://schemas.microsoft.com/office/drawing/2010/main" val="0"/>
-              </a:ext>
-            </a:extLst>
-          </a:blip>
-          <a:stretch>
-            <a:fillRect/>
-          </a:stretch>
-        </p:blipFill>
-        <p:spPr>
-          <a:xfrm>
-            <a:off x="7739270" y="2615647"/>
-            <a:ext cx="2454302" cy="3067878"/>
-          </a:xfrm>
-          <a:prstGeom prst="rect">
-            <a:avLst/>
-          </a:prstGeom>
-          <a:ln>
-            <a:noFill/>
-          </a:ln>
-          <a:effectLst>
-            <a:softEdge rad="112500"/>
-          </a:effectLst>
-        </p:spPr>
-      </p:pic>
-      <p:sp>
-        <p:nvSpPr>
-          <p:cNvPr id="5" name="Segnaposto numero diapositiva 4"/>
-          <p:cNvSpPr>
-            <a:spLocks noGrp="1"/>
-          </p:cNvSpPr>
-          <p:nvPr>
-            <p:ph type="sldNum" sz="quarter" idx="12"/>
-          </p:nvPr>
-        </p:nvSpPr>
-        <p:spPr/>
-        <p:txBody>
-          <a:bodyPr/>
-          <a:lstStyle/>
-          <a:p>
-            <a:fld id="{4D77BA81-331F-4EED-897C-BD146A682CF5}" type="slidenum">
-              <a:rPr lang="en-US" smtClean="0"/>
-              <a:t>9</a:t>
-            </a:fld>
-            <a:endParaRPr lang="en-US"/>
-          </a:p>
-        </p:txBody>
-      </p:sp>
-    </p:spTree>
-    <p:extLst>
-      <p:ext uri="{BB962C8B-B14F-4D97-AF65-F5344CB8AC3E}">
-        <p14:creationId xmlns:p14="http://schemas.microsoft.com/office/powerpoint/2010/main" val="276171257"/>
-      </p:ext>
-    </p:extLst>
-  </p:cSld>
-  <p:clrMapOvr>
-    <a:masterClrMapping/>
-  </p:clrMapOvr>
-  <p:timing>
-    <p:tnLst>
-      <p:par>
-        <p:cTn id="1" dur="indefinite" restart="never" nodeType="tmRoot"/>
+        <p:cTn xmlns:p14="http://schemas.microsoft.com/office/powerpoint/2010/main" id="1" dur="indefinite" restart="never" nodeType="tmRoot"/>
       </p:par>
     </p:tnLst>
   </p:timing>
@@ -11227,7 +11646,7 @@
   <a:extraClrSchemeLst/>
   <a:extLst>
     <a:ext uri="{05A4C25C-085E-4340-85A3-A5531E510DB2}">
-      <thm15:themeFamily xmlns:thm15="http://schemas.microsoft.com/office/thememl/2012/main" name="Parallax" id="{3388167B-A2EB-4685-9635-1831D9AEF8C4}" vid="{4F7A876A-7598-49CA-AFC8-8EDA2551E4A7}"/>
+      <thm15:themeFamily xmlns:thm15="http://schemas.microsoft.com/office/thememl/2012/main" xmlns="" name="Parallax" id="{3388167B-A2EB-4685-9635-1831D9AEF8C4}" vid="{4F7A876A-7598-49CA-AFC8-8EDA2551E4A7}"/>
     </a:ext>
   </a:extLst>
 </a:theme>
@@ -11488,7 +11907,7 @@
   <a:extraClrSchemeLst/>
   <a:extLst>
     <a:ext uri="{05A4C25C-085E-4340-85A3-A5531E510DB2}">
-      <thm15:themeFamily xmlns:thm15="http://schemas.microsoft.com/office/thememl/2012/main" name="Office Theme" id="{62F939B6-93AF-4DB8-9C6B-D6C7DFDC589F}" vid="{4A3C46E8-61CC-4603-A589-7422A47A8E4A}"/>
+      <thm15:themeFamily xmlns:thm15="http://schemas.microsoft.com/office/thememl/2012/main" xmlns="" name="Office Theme" id="{62F939B6-93AF-4DB8-9C6B-D6C7DFDC589F}" vid="{4A3C46E8-61CC-4603-A589-7422A47A8E4A}"/>
     </a:ext>
   </a:extLst>
 </a:theme>
